--- a/Slides/3. Logistic regression.pptx
+++ b/Slides/3. Logistic regression.pptx
@@ -15438,10 +15438,10 @@
       </p:par>
     </p:tnLst>
     <p:bldLst>
+      <p:bldP build="whole" bldLvl="1" animBg="1" rev="0" advAuto="0" spid="787" grpId="4"/>
       <p:bldP build="whole" bldLvl="1" animBg="1" rev="0" advAuto="0" spid="784" grpId="1"/>
       <p:bldP build="whole" bldLvl="1" animBg="1" rev="0" advAuto="0" spid="785" grpId="2"/>
       <p:bldP build="whole" bldLvl="1" animBg="1" rev="0" advAuto="0" spid="786" grpId="3"/>
-      <p:bldP build="whole" bldLvl="1" animBg="1" rev="0" advAuto="0" spid="787" grpId="4"/>
     </p:bldLst>
   </p:timing>
 </p:sld>
@@ -16130,11 +16130,11 @@
     </p:tnLst>
     <p:bldLst>
       <p:bldP build="whole" bldLvl="1" animBg="1" rev="0" advAuto="0" spid="796" grpId="5"/>
+      <p:bldP build="whole" bldLvl="1" animBg="1" rev="0" advAuto="0" spid="794" grpId="3"/>
+      <p:bldP build="whole" bldLvl="1" animBg="1" rev="0" advAuto="0" spid="792" grpId="1"/>
+      <p:bldP build="whole" bldLvl="1" animBg="1" rev="0" advAuto="0" spid="795" grpId="6"/>
       <p:bldP build="whole" bldLvl="1" animBg="1" rev="0" advAuto="0" spid="793" grpId="2"/>
       <p:bldP build="whole" bldLvl="1" animBg="1" rev="0" advAuto="0" spid="797" grpId="4"/>
-      <p:bldP build="whole" bldLvl="1" animBg="1" rev="0" advAuto="0" spid="792" grpId="1"/>
-      <p:bldP build="whole" bldLvl="1" animBg="1" rev="0" advAuto="0" spid="795" grpId="6"/>
-      <p:bldP build="whole" bldLvl="1" animBg="1" rev="0" advAuto="0" spid="794" grpId="3"/>
     </p:bldLst>
   </p:timing>
 </p:sld>
@@ -18494,38 +18494,9 @@
           </a:p>
         </p:txBody>
       </p:sp>
-      <p:pic>
-        <p:nvPicPr>
-          <p:cNvPr id="856" name="pasted-movie.png" descr="pasted-movie.png"/>
-          <p:cNvPicPr>
-            <a:picLocks noChangeAspect="1"/>
-          </p:cNvPicPr>
-          <p:nvPr/>
-        </p:nvPicPr>
-        <p:blipFill>
-          <a:blip r:embed="rId2">
-            <a:extLst/>
-          </a:blip>
-          <a:stretch>
-            <a:fillRect/>
-          </a:stretch>
-        </p:blipFill>
-        <p:spPr>
-          <a:xfrm>
-            <a:off x="8517008" y="-3299955"/>
-            <a:ext cx="5575301" cy="3035301"/>
-          </a:xfrm>
-          <a:prstGeom prst="rect">
-            <a:avLst/>
-          </a:prstGeom>
-          <a:ln w="12700">
-            <a:miter lim="400000"/>
-          </a:ln>
-        </p:spPr>
-      </p:pic>
       <p:sp>
         <p:nvSpPr>
-          <p:cNvPr id="857" name="Likelihood: probability of observing the data given the model parameters"/>
+          <p:cNvPr id="856" name="Likelihood: probability of observing the data given the model parameters"/>
           <p:cNvSpPr txBox="1"/>
           <p:nvPr/>
         </p:nvSpPr>
@@ -18567,7 +18538,7 @@
       </p:sp>
       <p:sp>
         <p:nvSpPr>
-          <p:cNvPr id="858" name="Equation"/>
+          <p:cNvPr id="857" name="Equation"/>
           <p:cNvSpPr txBox="1"/>
           <p:nvPr/>
         </p:nvSpPr>
@@ -18994,7 +18965,7 @@
       </p:sp>
       <p:sp>
         <p:nvSpPr>
-          <p:cNvPr id="859" name="Likelihood for observing data point  :"/>
+          <p:cNvPr id="858" name="Likelihood for observing data point  :"/>
           <p:cNvSpPr txBox="1"/>
           <p:nvPr/>
         </p:nvSpPr>
@@ -19048,7 +19019,7 @@
       </p:sp>
       <p:sp>
         <p:nvSpPr>
-          <p:cNvPr id="860" name="Equation"/>
+          <p:cNvPr id="859" name="Equation"/>
           <p:cNvSpPr txBox="1"/>
           <p:nvPr/>
         </p:nvSpPr>
@@ -19308,7 +19279,7 @@
       </p:sp>
       <p:sp>
         <p:nvSpPr>
-          <p:cNvPr id="861" name="Equation"/>
+          <p:cNvPr id="860" name="Equation"/>
           <p:cNvSpPr txBox="1"/>
           <p:nvPr/>
         </p:nvSpPr>
@@ -19513,7 +19484,7 @@
       </p:sp>
       <p:sp>
         <p:nvSpPr>
-          <p:cNvPr id="862" name="Rectangle"/>
+          <p:cNvPr id="861" name="Rectangle"/>
           <p:cNvSpPr/>
           <p:nvPr/>
         </p:nvSpPr>
@@ -19574,7 +19545,7 @@
       </p:grpSpPr>
       <p:sp>
         <p:nvSpPr>
-          <p:cNvPr id="864" name="TextBox 19"/>
+          <p:cNvPr id="863" name="TextBox 19"/>
           <p:cNvSpPr txBox="1"/>
           <p:nvPr/>
         </p:nvSpPr>
@@ -19614,7 +19585,7 @@
       </p:sp>
       <p:sp>
         <p:nvSpPr>
-          <p:cNvPr id="865" name="Equation"/>
+          <p:cNvPr id="864" name="Equation"/>
           <p:cNvSpPr txBox="1"/>
           <p:nvPr/>
         </p:nvSpPr>
@@ -20041,7 +20012,7 @@
       </p:sp>
       <p:sp>
         <p:nvSpPr>
-          <p:cNvPr id="866" name="Likelihood for observing data point  :"/>
+          <p:cNvPr id="865" name="Likelihood for observing data point  :"/>
           <p:cNvSpPr txBox="1"/>
           <p:nvPr/>
         </p:nvSpPr>
@@ -20093,7 +20064,7 @@
       </p:sp>
       <p:sp>
         <p:nvSpPr>
-          <p:cNvPr id="867" name="Likelihood for observing all   data points"/>
+          <p:cNvPr id="866" name="Likelihood for observing all   data points"/>
           <p:cNvSpPr txBox="1"/>
           <p:nvPr/>
         </p:nvSpPr>
@@ -20145,7 +20116,7 @@
       </p:sp>
       <p:sp>
         <p:nvSpPr>
-          <p:cNvPr id="868" name="Equation"/>
+          <p:cNvPr id="867" name="Equation"/>
           <p:cNvSpPr txBox="1"/>
           <p:nvPr/>
         </p:nvSpPr>
@@ -20503,7 +20474,7 @@
       </p:grpSpPr>
       <p:sp>
         <p:nvSpPr>
-          <p:cNvPr id="870" name="TextBox 19"/>
+          <p:cNvPr id="869" name="TextBox 19"/>
           <p:cNvSpPr txBox="1"/>
           <p:nvPr/>
         </p:nvSpPr>
@@ -20543,7 +20514,7 @@
       </p:sp>
       <p:sp>
         <p:nvSpPr>
-          <p:cNvPr id="871" name="Likelihood for observing all   data points"/>
+          <p:cNvPr id="870" name="Likelihood for observing all   data points"/>
           <p:cNvSpPr txBox="1"/>
           <p:nvPr/>
         </p:nvSpPr>
@@ -20595,7 +20566,7 @@
       </p:sp>
       <p:sp>
         <p:nvSpPr>
-          <p:cNvPr id="872" name="Equation"/>
+          <p:cNvPr id="871" name="Equation"/>
           <p:cNvSpPr txBox="1"/>
           <p:nvPr/>
         </p:nvSpPr>
@@ -20927,7 +20898,7 @@
       </p:sp>
       <p:sp>
         <p:nvSpPr>
-          <p:cNvPr id="873" name="We usually work with the negative log likelihood"/>
+          <p:cNvPr id="872" name="We usually work with the negative log likelihood"/>
           <p:cNvSpPr txBox="1"/>
           <p:nvPr/>
         </p:nvSpPr>
@@ -20963,7 +20934,7 @@
       </p:sp>
       <p:sp>
         <p:nvSpPr>
-          <p:cNvPr id="874" name="Equation"/>
+          <p:cNvPr id="873" name="Equation"/>
           <p:cNvSpPr txBox="1"/>
           <p:nvPr/>
         </p:nvSpPr>
@@ -21459,7 +21430,7 @@
       </p:grpSpPr>
       <p:sp>
         <p:nvSpPr>
-          <p:cNvPr id="876" name="TextBox 19"/>
+          <p:cNvPr id="875" name="TextBox 19"/>
           <p:cNvSpPr txBox="1"/>
           <p:nvPr/>
         </p:nvSpPr>
@@ -21499,7 +21470,7 @@
       </p:sp>
       <p:sp>
         <p:nvSpPr>
-          <p:cNvPr id="877" name="We find the best model parameters   by maximizing the NLL"/>
+          <p:cNvPr id="876" name="We find the best model parameters   by maximizing the NLL"/>
           <p:cNvSpPr txBox="1"/>
           <p:nvPr/>
         </p:nvSpPr>
@@ -21566,7 +21537,7 @@
       </p:sp>
       <p:sp>
         <p:nvSpPr>
-          <p:cNvPr id="878" name="Equation"/>
+          <p:cNvPr id="877" name="Equation"/>
           <p:cNvSpPr txBox="1"/>
           <p:nvPr/>
         </p:nvSpPr>
@@ -22048,7 +22019,7 @@
       </p:sp>
       <p:sp>
         <p:nvSpPr>
-          <p:cNvPr id="879" name="Equation"/>
+          <p:cNvPr id="878" name="Equation"/>
           <p:cNvSpPr txBox="1"/>
           <p:nvPr/>
         </p:nvSpPr>
@@ -22840,8 +22811,8 @@
       </p:par>
     </p:tnLst>
     <p:bldLst>
+      <p:bldP build="whole" bldLvl="1" animBg="1" rev="0" advAuto="0" spid="660" grpId="2"/>
       <p:bldP build="whole" bldLvl="1" animBg="1" rev="0" advAuto="0" spid="659" grpId="1"/>
-      <p:bldP build="whole" bldLvl="1" animBg="1" rev="0" advAuto="0" spid="660" grpId="2"/>
     </p:bldLst>
   </p:timing>
 </p:sld>
@@ -22864,16 +22835,45 @@
           <a:chExt cx="0" cy="0"/>
         </a:xfrm>
       </p:grpSpPr>
+      <p:pic>
+        <p:nvPicPr>
+          <p:cNvPr id="880" name="Picture 29" descr="Picture 29"/>
+          <p:cNvPicPr>
+            <a:picLocks noChangeAspect="1"/>
+          </p:cNvPicPr>
+          <p:nvPr/>
+        </p:nvPicPr>
+        <p:blipFill>
+          <a:blip r:embed="rId2">
+            <a:extLst/>
+          </a:blip>
+          <a:stretch>
+            <a:fillRect/>
+          </a:stretch>
+        </p:blipFill>
+        <p:spPr>
+          <a:xfrm>
+            <a:off x="1520576" y="1742439"/>
+            <a:ext cx="7214618" cy="651511"/>
+          </a:xfrm>
+          <a:prstGeom prst="rect">
+            <a:avLst/>
+          </a:prstGeom>
+          <a:ln w="12700">
+            <a:miter lim="400000"/>
+          </a:ln>
+        </p:spPr>
+      </p:pic>
       <p:sp>
         <p:nvSpPr>
-          <p:cNvPr id="881" name="TextBox 19"/>
+          <p:cNvPr id="881" name="TextBox 20"/>
           <p:cNvSpPr txBox="1"/>
           <p:nvPr/>
         </p:nvSpPr>
         <p:spPr>
           <a:xfrm>
-            <a:off x="426719" y="285750"/>
-            <a:ext cx="8482739" cy="459741"/>
+            <a:off x="883919" y="4135539"/>
+            <a:ext cx="5318761" cy="459741"/>
           </a:xfrm>
           <a:prstGeom prst="rect">
             <a:avLst/>
@@ -22891,31 +22891,29 @@
           <a:bodyPr lIns="45719" rIns="45719">
             <a:spAutoFit/>
           </a:bodyPr>
-          <a:lstStyle/>
-          <a:p>
-            <a:pPr>
+          <a:lstStyle>
+            <a:lvl1pPr>
               <a:defRPr sz="2400"/>
-            </a:pPr>
-            <a:r>
-              <a:t>Negative log likelihood is equal to </a:t>
-            </a:r>
-            <a:r>
-              <a:rPr b="1"/>
-              <a:t>binary cross entropy</a:t>
+            </a:lvl1pPr>
+          </a:lstStyle>
+          <a:p>
+            <a:pPr/>
+            <a:r>
+              <a:t>Output </a:t>
             </a:r>
           </a:p>
         </p:txBody>
       </p:sp>
       <p:sp>
         <p:nvSpPr>
-          <p:cNvPr id="882" name="Text"/>
+          <p:cNvPr id="882" name="TextBox 19"/>
           <p:cNvSpPr txBox="1"/>
           <p:nvPr/>
         </p:nvSpPr>
         <p:spPr>
           <a:xfrm>
-            <a:off x="7145022" y="4438780"/>
-            <a:ext cx="127001" cy="752138"/>
+            <a:off x="426719" y="158750"/>
+            <a:ext cx="8806466" cy="828041"/>
           </a:xfrm>
           <a:prstGeom prst="rect">
             <a:avLst/>
@@ -22930,6 +22928,1478 @@
           </a:extLst>
         </p:spPr>
         <p:txBody>
+          <a:bodyPr lIns="45719" rIns="45719">
+            <a:spAutoFit/>
+          </a:bodyPr>
+          <a:lstStyle>
+            <a:lvl1pPr>
+              <a:defRPr b="1" sz="2400"/>
+            </a:lvl1pPr>
+          </a:lstStyle>
+          <a:p>
+            <a:pPr/>
+            <a:r>
+              <a:t>No close form solution exists for the logistic regression cost</a:t>
+            </a:r>
+          </a:p>
+        </p:txBody>
+      </p:sp>
+      <p:pic>
+        <p:nvPicPr>
+          <p:cNvPr id="883" name="Picture 3" descr="Picture 3"/>
+          <p:cNvPicPr>
+            <a:picLocks noChangeAspect="1"/>
+          </p:cNvPicPr>
+          <p:nvPr/>
+        </p:nvPicPr>
+        <p:blipFill>
+          <a:blip r:embed="rId3">
+            <a:extLst/>
+          </a:blip>
+          <a:stretch>
+            <a:fillRect/>
+          </a:stretch>
+        </p:blipFill>
+        <p:spPr>
+          <a:xfrm>
+            <a:off x="838200" y="1087705"/>
+            <a:ext cx="4169665" cy="651511"/>
+          </a:xfrm>
+          <a:prstGeom prst="rect">
+            <a:avLst/>
+          </a:prstGeom>
+          <a:ln w="12700">
+            <a:miter lim="400000"/>
+          </a:ln>
+        </p:spPr>
+      </p:pic>
+      <p:sp>
+        <p:nvSpPr>
+          <p:cNvPr id="884" name="TextBox 10"/>
+          <p:cNvSpPr txBox="1"/>
+          <p:nvPr/>
+        </p:nvSpPr>
+        <p:spPr>
+          <a:xfrm>
+            <a:off x="448980" y="2511457"/>
+            <a:ext cx="5318761" cy="459741"/>
+          </a:xfrm>
+          <a:prstGeom prst="rect">
+            <a:avLst/>
+          </a:prstGeom>
+          <a:ln w="12700">
+            <a:miter lim="400000"/>
+          </a:ln>
+          <a:extLst>
+            <a:ext uri="{C572A759-6A51-4108-AA02-DFA0A04FC94B}">
+              <ma14:wrappingTextBoxFlag xmlns:ma14="http://schemas.microsoft.com/office/mac/drawingml/2011/main" val="1"/>
+            </a:ext>
+          </a:extLst>
+        </p:spPr>
+        <p:txBody>
+          <a:bodyPr lIns="45719" rIns="45719">
+            <a:spAutoFit/>
+          </a:bodyPr>
+          <a:lstStyle>
+            <a:lvl1pPr>
+              <a:defRPr sz="2400"/>
+            </a:lvl1pPr>
+          </a:lstStyle>
+          <a:p>
+            <a:pPr/>
+            <a:r>
+              <a:t>To fit parameters    : </a:t>
+            </a:r>
+          </a:p>
+        </p:txBody>
+      </p:sp>
+      <p:pic>
+        <p:nvPicPr>
+          <p:cNvPr id="885" name="Picture 9" descr="Picture 9"/>
+          <p:cNvPicPr>
+            <a:picLocks noChangeAspect="1"/>
+          </p:cNvPicPr>
+          <p:nvPr/>
+        </p:nvPicPr>
+        <p:blipFill>
+          <a:blip r:embed="rId4">
+            <a:extLst/>
+          </a:blip>
+          <a:stretch>
+            <a:fillRect/>
+          </a:stretch>
+        </p:blipFill>
+        <p:spPr>
+          <a:xfrm>
+            <a:off x="2899105" y="2653109"/>
+            <a:ext cx="128017" cy="219457"/>
+          </a:xfrm>
+          <a:prstGeom prst="rect">
+            <a:avLst/>
+          </a:prstGeom>
+          <a:ln w="12700">
+            <a:miter lim="400000"/>
+          </a:ln>
+        </p:spPr>
+      </p:pic>
+      <p:pic>
+        <p:nvPicPr>
+          <p:cNvPr id="886" name="Picture 2" descr="Picture 2"/>
+          <p:cNvPicPr>
+            <a:picLocks noChangeAspect="1"/>
+          </p:cNvPicPr>
+          <p:nvPr/>
+        </p:nvPicPr>
+        <p:blipFill>
+          <a:blip r:embed="rId5">
+            <a:extLst/>
+          </a:blip>
+          <a:stretch>
+            <a:fillRect/>
+          </a:stretch>
+        </p:blipFill>
+        <p:spPr>
+          <a:xfrm>
+            <a:off x="1483956" y="3062529"/>
+            <a:ext cx="1104140" cy="429769"/>
+          </a:xfrm>
+          <a:prstGeom prst="rect">
+            <a:avLst/>
+          </a:prstGeom>
+          <a:ln w="12700">
+            <a:miter lim="400000"/>
+          </a:ln>
+        </p:spPr>
+      </p:pic>
+      <p:sp>
+        <p:nvSpPr>
+          <p:cNvPr id="887" name="TextBox 15"/>
+          <p:cNvSpPr txBox="1"/>
+          <p:nvPr/>
+        </p:nvSpPr>
+        <p:spPr>
+          <a:xfrm>
+            <a:off x="448980" y="3638550"/>
+            <a:ext cx="5318761" cy="459740"/>
+          </a:xfrm>
+          <a:prstGeom prst="rect">
+            <a:avLst/>
+          </a:prstGeom>
+          <a:ln w="12700">
+            <a:miter lim="400000"/>
+          </a:ln>
+          <a:extLst>
+            <a:ext uri="{C572A759-6A51-4108-AA02-DFA0A04FC94B}">
+              <ma14:wrappingTextBoxFlag xmlns:ma14="http://schemas.microsoft.com/office/mac/drawingml/2011/main" val="1"/>
+            </a:ext>
+          </a:extLst>
+        </p:spPr>
+        <p:txBody>
+          <a:bodyPr lIns="45719" rIns="45719">
+            <a:spAutoFit/>
+          </a:bodyPr>
+          <a:lstStyle>
+            <a:lvl1pPr>
+              <a:defRPr sz="2400"/>
+            </a:lvl1pPr>
+          </a:lstStyle>
+          <a:p>
+            <a:pPr/>
+            <a:r>
+              <a:t>To make a prediction given new   :</a:t>
+            </a:r>
+          </a:p>
+        </p:txBody>
+      </p:sp>
+      <p:pic>
+        <p:nvPicPr>
+          <p:cNvPr id="888" name="Picture 14" descr="Picture 14"/>
+          <p:cNvPicPr>
+            <a:picLocks noChangeAspect="1"/>
+          </p:cNvPicPr>
+          <p:nvPr/>
+        </p:nvPicPr>
+        <p:blipFill>
+          <a:blip r:embed="rId6">
+            <a:extLst/>
+          </a:blip>
+          <a:stretch>
+            <a:fillRect/>
+          </a:stretch>
+        </p:blipFill>
+        <p:spPr>
+          <a:xfrm>
+            <a:off x="4834942" y="3836329"/>
+            <a:ext cx="153163" cy="137161"/>
+          </a:xfrm>
+          <a:prstGeom prst="rect">
+            <a:avLst/>
+          </a:prstGeom>
+          <a:ln w="12700">
+            <a:miter lim="400000"/>
+          </a:ln>
+        </p:spPr>
+      </p:pic>
+      <p:pic>
+        <p:nvPicPr>
+          <p:cNvPr id="889" name="Picture 5" descr="Picture 5"/>
+          <p:cNvPicPr>
+            <a:picLocks noChangeAspect="1"/>
+          </p:cNvPicPr>
+          <p:nvPr/>
+        </p:nvPicPr>
+        <p:blipFill>
+          <a:blip r:embed="rId7">
+            <a:extLst/>
+          </a:blip>
+          <a:stretch>
+            <a:fillRect/>
+          </a:stretch>
+        </p:blipFill>
+        <p:spPr>
+          <a:xfrm>
+            <a:off x="1947560" y="4202498"/>
+            <a:ext cx="2146556" cy="438913"/>
+          </a:xfrm>
+          <a:prstGeom prst="rect">
+            <a:avLst/>
+          </a:prstGeom>
+          <a:ln w="12700">
+            <a:miter lim="400000"/>
+          </a:ln>
+        </p:spPr>
+      </p:pic>
+    </p:spTree>
+  </p:cSld>
+  <p:clrMapOvr>
+    <a:masterClrMapping/>
+  </p:clrMapOvr>
+  <p:transition xmlns:p14="http://schemas.microsoft.com/office/powerpoint/2010/main" spd="med" advClick="1"/>
+  <p:timing>
+    <p:tnLst>
+      <p:par>
+        <p:cTn id="1" nodeType="tmRoot" restart="never" dur="indefinite" fill="hold">
+          <p:childTnLst>
+            <p:seq concurrent="1" prevAc="none" nextAc="seek">
+              <p:cTn id="2" nodeType="mainSeq" dur="indefinite" fill="hold">
+                <p:childTnLst>
+                  <p:par>
+                    <p:cTn id="3" fill="hold">
+                      <p:stCondLst>
+                        <p:cond delay="indefinite"/>
+                      </p:stCondLst>
+                      <p:childTnLst>
+                        <p:par>
+                          <p:cTn id="4" fill="hold">
+                            <p:stCondLst>
+                              <p:cond delay="0"/>
+                            </p:stCondLst>
+                            <p:childTnLst>
+                              <p:par>
+                                <p:cTn id="5" presetClass="entr" nodeType="clickEffect" presetSubtype="0" presetID="1" grpId="1" fill="hold">
+                                  <p:stCondLst>
+                                    <p:cond delay="0"/>
+                                  </p:stCondLst>
+                                  <p:iterate type="el" backwards="0">
+                                    <p:tmAbs val="0"/>
+                                  </p:iterate>
+                                  <p:childTnLst>
+                                    <p:set>
+                                      <p:cBhvr>
+                                        <p:cTn id="6" fill="hold"/>
+                                        <p:tgtEl>
+                                          <p:spTgt spid="884"/>
+                                        </p:tgtEl>
+                                        <p:attrNameLst>
+                                          <p:attrName>style.visibility</p:attrName>
+                                        </p:attrNameLst>
+                                      </p:cBhvr>
+                                      <p:to>
+                                        <p:strVal val="visible"/>
+                                      </p:to>
+                                    </p:set>
+                                  </p:childTnLst>
+                                </p:cTn>
+                              </p:par>
+                            </p:childTnLst>
+                          </p:cTn>
+                        </p:par>
+                        <p:par>
+                          <p:cTn id="7" fill="hold">
+                            <p:stCondLst>
+                              <p:cond delay="0"/>
+                            </p:stCondLst>
+                            <p:childTnLst>
+                              <p:par>
+                                <p:cTn id="8" presetClass="entr" nodeType="afterEffect" presetSubtype="0" presetID="1" grpId="2" fill="hold">
+                                  <p:stCondLst>
+                                    <p:cond delay="0"/>
+                                  </p:stCondLst>
+                                  <p:iterate type="el" backwards="0">
+                                    <p:tmAbs val="0"/>
+                                  </p:iterate>
+                                  <p:childTnLst>
+                                    <p:set>
+                                      <p:cBhvr>
+                                        <p:cTn id="9" fill="hold"/>
+                                        <p:tgtEl>
+                                          <p:spTgt spid="886"/>
+                                        </p:tgtEl>
+                                        <p:attrNameLst>
+                                          <p:attrName>style.visibility</p:attrName>
+                                        </p:attrNameLst>
+                                      </p:cBhvr>
+                                      <p:to>
+                                        <p:strVal val="visible"/>
+                                      </p:to>
+                                    </p:set>
+                                  </p:childTnLst>
+                                </p:cTn>
+                              </p:par>
+                            </p:childTnLst>
+                          </p:cTn>
+                        </p:par>
+                        <p:par>
+                          <p:cTn id="10" fill="hold">
+                            <p:stCondLst>
+                              <p:cond delay="0"/>
+                            </p:stCondLst>
+                            <p:childTnLst>
+                              <p:par>
+                                <p:cTn id="11" presetClass="entr" nodeType="afterEffect" presetSubtype="0" presetID="1" grpId="3" fill="hold">
+                                  <p:stCondLst>
+                                    <p:cond delay="0"/>
+                                  </p:stCondLst>
+                                  <p:iterate type="el" backwards="0">
+                                    <p:tmAbs val="0"/>
+                                  </p:iterate>
+                                  <p:childTnLst>
+                                    <p:set>
+                                      <p:cBhvr>
+                                        <p:cTn id="12" fill="hold"/>
+                                        <p:tgtEl>
+                                          <p:spTgt spid="885"/>
+                                        </p:tgtEl>
+                                        <p:attrNameLst>
+                                          <p:attrName>style.visibility</p:attrName>
+                                        </p:attrNameLst>
+                                      </p:cBhvr>
+                                      <p:to>
+                                        <p:strVal val="visible"/>
+                                      </p:to>
+                                    </p:set>
+                                  </p:childTnLst>
+                                </p:cTn>
+                              </p:par>
+                            </p:childTnLst>
+                          </p:cTn>
+                        </p:par>
+                      </p:childTnLst>
+                    </p:cTn>
+                  </p:par>
+                  <p:par>
+                    <p:cTn id="13" fill="hold">
+                      <p:stCondLst>
+                        <p:cond delay="indefinite"/>
+                      </p:stCondLst>
+                      <p:childTnLst>
+                        <p:par>
+                          <p:cTn id="14" fill="hold">
+                            <p:stCondLst>
+                              <p:cond delay="0"/>
+                            </p:stCondLst>
+                            <p:childTnLst>
+                              <p:par>
+                                <p:cTn id="15" presetClass="entr" nodeType="clickEffect" presetSubtype="0" presetID="1" grpId="4" fill="hold">
+                                  <p:stCondLst>
+                                    <p:cond delay="0"/>
+                                  </p:stCondLst>
+                                  <p:iterate type="el" backwards="0">
+                                    <p:tmAbs val="0"/>
+                                  </p:iterate>
+                                  <p:childTnLst>
+                                    <p:set>
+                                      <p:cBhvr>
+                                        <p:cTn id="16" fill="hold"/>
+                                        <p:tgtEl>
+                                          <p:spTgt spid="887"/>
+                                        </p:tgtEl>
+                                        <p:attrNameLst>
+                                          <p:attrName>style.visibility</p:attrName>
+                                        </p:attrNameLst>
+                                      </p:cBhvr>
+                                      <p:to>
+                                        <p:strVal val="visible"/>
+                                      </p:to>
+                                    </p:set>
+                                  </p:childTnLst>
+                                </p:cTn>
+                              </p:par>
+                            </p:childTnLst>
+                          </p:cTn>
+                        </p:par>
+                        <p:par>
+                          <p:cTn id="17" fill="hold">
+                            <p:stCondLst>
+                              <p:cond delay="0"/>
+                            </p:stCondLst>
+                            <p:childTnLst>
+                              <p:par>
+                                <p:cTn id="18" presetClass="entr" nodeType="afterEffect" presetSubtype="0" presetID="1" grpId="5" fill="hold">
+                                  <p:stCondLst>
+                                    <p:cond delay="0"/>
+                                  </p:stCondLst>
+                                  <p:iterate type="el" backwards="0">
+                                    <p:tmAbs val="0"/>
+                                  </p:iterate>
+                                  <p:childTnLst>
+                                    <p:set>
+                                      <p:cBhvr>
+                                        <p:cTn id="19" fill="hold"/>
+                                        <p:tgtEl>
+                                          <p:spTgt spid="881"/>
+                                        </p:tgtEl>
+                                        <p:attrNameLst>
+                                          <p:attrName>style.visibility</p:attrName>
+                                        </p:attrNameLst>
+                                      </p:cBhvr>
+                                      <p:to>
+                                        <p:strVal val="visible"/>
+                                      </p:to>
+                                    </p:set>
+                                  </p:childTnLst>
+                                </p:cTn>
+                              </p:par>
+                            </p:childTnLst>
+                          </p:cTn>
+                        </p:par>
+                        <p:par>
+                          <p:cTn id="20" fill="hold">
+                            <p:stCondLst>
+                              <p:cond delay="0"/>
+                            </p:stCondLst>
+                            <p:childTnLst>
+                              <p:par>
+                                <p:cTn id="21" presetClass="entr" nodeType="afterEffect" presetSubtype="0" presetID="1" grpId="6" fill="hold">
+                                  <p:stCondLst>
+                                    <p:cond delay="0"/>
+                                  </p:stCondLst>
+                                  <p:iterate type="el" backwards="0">
+                                    <p:tmAbs val="0"/>
+                                  </p:iterate>
+                                  <p:childTnLst>
+                                    <p:set>
+                                      <p:cBhvr>
+                                        <p:cTn id="22" fill="hold"/>
+                                        <p:tgtEl>
+                                          <p:spTgt spid="889"/>
+                                        </p:tgtEl>
+                                        <p:attrNameLst>
+                                          <p:attrName>style.visibility</p:attrName>
+                                        </p:attrNameLst>
+                                      </p:cBhvr>
+                                      <p:to>
+                                        <p:strVal val="visible"/>
+                                      </p:to>
+                                    </p:set>
+                                  </p:childTnLst>
+                                </p:cTn>
+                              </p:par>
+                            </p:childTnLst>
+                          </p:cTn>
+                        </p:par>
+                        <p:par>
+                          <p:cTn id="23" fill="hold">
+                            <p:stCondLst>
+                              <p:cond delay="0"/>
+                            </p:stCondLst>
+                            <p:childTnLst>
+                              <p:par>
+                                <p:cTn id="24" presetClass="entr" nodeType="afterEffect" presetSubtype="0" presetID="1" grpId="7" fill="hold">
+                                  <p:stCondLst>
+                                    <p:cond delay="0"/>
+                                  </p:stCondLst>
+                                  <p:iterate type="el" backwards="0">
+                                    <p:tmAbs val="0"/>
+                                  </p:iterate>
+                                  <p:childTnLst>
+                                    <p:set>
+                                      <p:cBhvr>
+                                        <p:cTn id="25" fill="hold"/>
+                                        <p:tgtEl>
+                                          <p:spTgt spid="888"/>
+                                        </p:tgtEl>
+                                        <p:attrNameLst>
+                                          <p:attrName>style.visibility</p:attrName>
+                                        </p:attrNameLst>
+                                      </p:cBhvr>
+                                      <p:to>
+                                        <p:strVal val="visible"/>
+                                      </p:to>
+                                    </p:set>
+                                  </p:childTnLst>
+                                </p:cTn>
+                              </p:par>
+                            </p:childTnLst>
+                          </p:cTn>
+                        </p:par>
+                      </p:childTnLst>
+                    </p:cTn>
+                  </p:par>
+                </p:childTnLst>
+              </p:cTn>
+              <p:prevCondLst>
+                <p:cond evt="onPrev">
+                  <p:tgtEl>
+                    <p:sldTgt/>
+                  </p:tgtEl>
+                </p:cond>
+              </p:prevCondLst>
+              <p:nextCondLst>
+                <p:cond evt="onNext">
+                  <p:tgtEl>
+                    <p:sldTgt/>
+                  </p:tgtEl>
+                </p:cond>
+              </p:nextCondLst>
+            </p:seq>
+          </p:childTnLst>
+        </p:cTn>
+      </p:par>
+    </p:tnLst>
+    <p:bldLst>
+      <p:bldP build="whole" bldLvl="1" animBg="1" rev="0" advAuto="0" spid="886" grpId="2"/>
+      <p:bldP build="whole" bldLvl="1" animBg="1" rev="0" advAuto="0" spid="888" grpId="7"/>
+      <p:bldP build="whole" bldLvl="1" animBg="1" rev="0" advAuto="0" spid="887" grpId="4"/>
+      <p:bldP build="whole" bldLvl="1" animBg="1" rev="0" advAuto="0" spid="889" grpId="6"/>
+      <p:bldP build="whole" bldLvl="1" animBg="1" rev="0" advAuto="0" spid="881" grpId="5"/>
+      <p:bldP build="whole" bldLvl="1" animBg="1" rev="0" advAuto="0" spid="885" grpId="3"/>
+      <p:bldP build="whole" bldLvl="1" animBg="1" rev="0" advAuto="0" spid="884" grpId="1"/>
+    </p:bldLst>
+  </p:timing>
+</p:sld>
+</file>
+
+<file path=ppt/slides/slide21.xml><?xml version="1.0" encoding="utf-8"?>
+<p:sld xmlns:a="http://schemas.openxmlformats.org/drawingml/2006/main" xmlns:r="http://schemas.openxmlformats.org/officeDocument/2006/relationships" xmlns:p="http://schemas.openxmlformats.org/presentationml/2006/main" xmlns:m="http://schemas.openxmlformats.org/officeDocument/2006/math" xmlns:a14="http://schemas.microsoft.com/office/drawing/2010/main" showMasterSp="1" showMasterPhAnim="1">
+  <p:cSld>
+    <p:spTree>
+      <p:nvGrpSpPr>
+        <p:cNvPr id="1" name=""/>
+        <p:cNvGrpSpPr/>
+        <p:nvPr/>
+      </p:nvGrpSpPr>
+      <p:grpSpPr>
+        <a:xfrm>
+          <a:off x="0" y="0"/>
+          <a:ext cx="0" cy="0"/>
+          <a:chOff x="0" y="0"/>
+          <a:chExt cx="0" cy="0"/>
+        </a:xfrm>
+      </p:grpSpPr>
+      <p:sp>
+        <p:nvSpPr>
+          <p:cNvPr id="891" name="TextBox 19"/>
+          <p:cNvSpPr txBox="1"/>
+          <p:nvPr/>
+        </p:nvSpPr>
+        <p:spPr>
+          <a:xfrm>
+            <a:off x="426719" y="285750"/>
+            <a:ext cx="5318761" cy="459740"/>
+          </a:xfrm>
+          <a:prstGeom prst="rect">
+            <a:avLst/>
+          </a:prstGeom>
+          <a:ln w="12700">
+            <a:miter lim="400000"/>
+          </a:ln>
+          <a:extLst>
+            <a:ext uri="{C572A759-6A51-4108-AA02-DFA0A04FC94B}">
+              <ma14:wrappingTextBoxFlag xmlns:ma14="http://schemas.microsoft.com/office/mac/drawingml/2011/main" val="1"/>
+            </a:ext>
+          </a:extLst>
+        </p:spPr>
+        <p:txBody>
+          <a:bodyPr lIns="45719" rIns="45719">
+            <a:spAutoFit/>
+          </a:bodyPr>
+          <a:lstStyle>
+            <a:lvl1pPr>
+              <a:defRPr b="1" sz="2400"/>
+            </a:lvl1pPr>
+          </a:lstStyle>
+          <a:p>
+            <a:pPr/>
+            <a:r>
+              <a:t>Gradient Descent</a:t>
+            </a:r>
+          </a:p>
+        </p:txBody>
+      </p:sp>
+      <p:sp>
+        <p:nvSpPr>
+          <p:cNvPr id="892" name="TextBox 10"/>
+          <p:cNvSpPr txBox="1"/>
+          <p:nvPr/>
+        </p:nvSpPr>
+        <p:spPr>
+          <a:xfrm>
+            <a:off x="426719" y="1581150"/>
+            <a:ext cx="5318761" cy="459740"/>
+          </a:xfrm>
+          <a:prstGeom prst="rect">
+            <a:avLst/>
+          </a:prstGeom>
+          <a:ln w="12700">
+            <a:miter lim="400000"/>
+          </a:ln>
+          <a:extLst>
+            <a:ext uri="{C572A759-6A51-4108-AA02-DFA0A04FC94B}">
+              <ma14:wrappingTextBoxFlag xmlns:ma14="http://schemas.microsoft.com/office/mac/drawingml/2011/main" val="1"/>
+            </a:ext>
+          </a:extLst>
+        </p:spPr>
+        <p:txBody>
+          <a:bodyPr lIns="45719" rIns="45719">
+            <a:spAutoFit/>
+          </a:bodyPr>
+          <a:lstStyle>
+            <a:lvl1pPr>
+              <a:defRPr sz="2400"/>
+            </a:lvl1pPr>
+          </a:lstStyle>
+          <a:p>
+            <a:pPr/>
+            <a:r>
+              <a:t>Want                    :</a:t>
+            </a:r>
+          </a:p>
+        </p:txBody>
+      </p:sp>
+      <p:pic>
+        <p:nvPicPr>
+          <p:cNvPr id="893" name="Picture 12" descr="Picture 12"/>
+          <p:cNvPicPr>
+            <a:picLocks noChangeAspect="1"/>
+          </p:cNvPicPr>
+          <p:nvPr/>
+        </p:nvPicPr>
+        <p:blipFill>
+          <a:blip r:embed="rId2">
+            <a:extLst/>
+          </a:blip>
+          <a:stretch>
+            <a:fillRect/>
+          </a:stretch>
+        </p:blipFill>
+        <p:spPr>
+          <a:xfrm>
+            <a:off x="1265268" y="1679368"/>
+            <a:ext cx="1241298" cy="306325"/>
+          </a:xfrm>
+          <a:prstGeom prst="rect">
+            <a:avLst/>
+          </a:prstGeom>
+          <a:ln w="12700">
+            <a:miter lim="400000"/>
+          </a:ln>
+        </p:spPr>
+      </p:pic>
+      <p:pic>
+        <p:nvPicPr>
+          <p:cNvPr id="894" name="Picture 2" descr="Picture 2"/>
+          <p:cNvPicPr>
+            <a:picLocks noChangeAspect="1"/>
+          </p:cNvPicPr>
+          <p:nvPr/>
+        </p:nvPicPr>
+        <p:blipFill>
+          <a:blip r:embed="rId3">
+            <a:extLst/>
+          </a:blip>
+          <a:stretch>
+            <a:fillRect/>
+          </a:stretch>
+        </p:blipFill>
+        <p:spPr>
+          <a:xfrm>
+            <a:off x="838200" y="833705"/>
+            <a:ext cx="7879843" cy="651511"/>
+          </a:xfrm>
+          <a:prstGeom prst="rect">
+            <a:avLst/>
+          </a:prstGeom>
+          <a:ln w="12700">
+            <a:miter lim="400000"/>
+          </a:ln>
+        </p:spPr>
+      </p:pic>
+      <p:sp>
+        <p:nvSpPr>
+          <p:cNvPr id="895" name="TextBox 31"/>
+          <p:cNvSpPr txBox="1"/>
+          <p:nvPr/>
+        </p:nvSpPr>
+        <p:spPr>
+          <a:xfrm>
+            <a:off x="598136" y="2078886"/>
+            <a:ext cx="2575562" cy="396241"/>
+          </a:xfrm>
+          <a:prstGeom prst="rect">
+            <a:avLst/>
+          </a:prstGeom>
+          <a:ln w="12700">
+            <a:miter lim="400000"/>
+          </a:ln>
+          <a:extLst>
+            <a:ext uri="{C572A759-6A51-4108-AA02-DFA0A04FC94B}">
+              <ma14:wrappingTextBoxFlag xmlns:ma14="http://schemas.microsoft.com/office/mac/drawingml/2011/main" val="1"/>
+            </a:ext>
+          </a:extLst>
+        </p:spPr>
+        <p:txBody>
+          <a:bodyPr lIns="45719" rIns="45719">
+            <a:spAutoFit/>
+          </a:bodyPr>
+          <a:lstStyle>
+            <a:lvl1pPr>
+              <a:defRPr sz="2000"/>
+            </a:lvl1pPr>
+          </a:lstStyle>
+          <a:p>
+            <a:pPr/>
+            <a:r>
+              <a:t>Repeat</a:t>
+            </a:r>
+          </a:p>
+        </p:txBody>
+      </p:sp>
+      <p:pic>
+        <p:nvPicPr>
+          <p:cNvPr id="896" name="Picture 33" descr="Picture 33"/>
+          <p:cNvPicPr>
+            <a:picLocks noChangeAspect="1"/>
+          </p:cNvPicPr>
+          <p:nvPr/>
+        </p:nvPicPr>
+        <p:blipFill>
+          <a:blip r:embed="rId4">
+            <a:extLst/>
+          </a:blip>
+          <a:stretch>
+            <a:fillRect/>
+          </a:stretch>
+        </p:blipFill>
+        <p:spPr>
+          <a:xfrm>
+            <a:off x="1513679" y="2135053"/>
+            <a:ext cx="109729" cy="304039"/>
+          </a:xfrm>
+          <a:prstGeom prst="rect">
+            <a:avLst/>
+          </a:prstGeom>
+          <a:ln w="12700">
+            <a:miter lim="400000"/>
+          </a:ln>
+        </p:spPr>
+      </p:pic>
+      <p:pic>
+        <p:nvPicPr>
+          <p:cNvPr id="897" name="Picture 46" descr="Picture 46"/>
+          <p:cNvPicPr>
+            <a:picLocks noChangeAspect="1"/>
+          </p:cNvPicPr>
+          <p:nvPr/>
+        </p:nvPicPr>
+        <p:blipFill>
+          <a:blip r:embed="rId5">
+            <a:extLst/>
+          </a:blip>
+          <a:stretch>
+            <a:fillRect/>
+          </a:stretch>
+        </p:blipFill>
+        <p:spPr>
+          <a:xfrm>
+            <a:off x="971516" y="3410711"/>
+            <a:ext cx="109729" cy="304039"/>
+          </a:xfrm>
+          <a:prstGeom prst="rect">
+            <a:avLst/>
+          </a:prstGeom>
+          <a:ln w="12700">
+            <a:miter lim="400000"/>
+          </a:ln>
+        </p:spPr>
+      </p:pic>
+      <p:pic>
+        <p:nvPicPr>
+          <p:cNvPr id="898" name="Picture 4" descr="Picture 4"/>
+          <p:cNvPicPr>
+            <a:picLocks noChangeAspect="1"/>
+          </p:cNvPicPr>
+          <p:nvPr/>
+        </p:nvPicPr>
+        <p:blipFill>
+          <a:blip r:embed="rId6">
+            <a:extLst/>
+          </a:blip>
+          <a:stretch>
+            <a:fillRect/>
+          </a:stretch>
+        </p:blipFill>
+        <p:spPr>
+          <a:xfrm>
+            <a:off x="1207148" y="2627427"/>
+            <a:ext cx="2587752" cy="436628"/>
+          </a:xfrm>
+          <a:prstGeom prst="rect">
+            <a:avLst/>
+          </a:prstGeom>
+          <a:ln w="12700">
+            <a:miter lim="400000"/>
+          </a:ln>
+        </p:spPr>
+      </p:pic>
+      <p:sp>
+        <p:nvSpPr>
+          <p:cNvPr id="899" name="TextBox 48"/>
+          <p:cNvSpPr txBox="1"/>
+          <p:nvPr/>
+        </p:nvSpPr>
+        <p:spPr>
+          <a:xfrm>
+            <a:off x="3074637" y="3200507"/>
+            <a:ext cx="5242560" cy="396241"/>
+          </a:xfrm>
+          <a:prstGeom prst="rect">
+            <a:avLst/>
+          </a:prstGeom>
+          <a:ln w="12700">
+            <a:miter lim="400000"/>
+          </a:ln>
+          <a:extLst>
+            <a:ext uri="{C572A759-6A51-4108-AA02-DFA0A04FC94B}">
+              <ma14:wrappingTextBoxFlag xmlns:ma14="http://schemas.microsoft.com/office/mac/drawingml/2011/main" val="1"/>
+            </a:ext>
+          </a:extLst>
+        </p:spPr>
+        <p:txBody>
+          <a:bodyPr lIns="45719" rIns="45719">
+            <a:spAutoFit/>
+          </a:bodyPr>
+          <a:lstStyle>
+            <a:lvl1pPr>
+              <a:defRPr sz="2000"/>
+            </a:lvl1pPr>
+          </a:lstStyle>
+          <a:p>
+            <a:pPr/>
+            <a:r>
+              <a:t>(simultaneously update all     )</a:t>
+            </a:r>
+          </a:p>
+        </p:txBody>
+      </p:sp>
+      <p:pic>
+        <p:nvPicPr>
+          <p:cNvPr id="900" name="Picture 49" descr="Picture 49"/>
+          <p:cNvPicPr>
+            <a:picLocks noChangeAspect="1"/>
+          </p:cNvPicPr>
+          <p:nvPr/>
+        </p:nvPicPr>
+        <p:blipFill>
+          <a:blip r:embed="rId7">
+            <a:extLst/>
+          </a:blip>
+          <a:stretch>
+            <a:fillRect/>
+          </a:stretch>
+        </p:blipFill>
+        <p:spPr>
+          <a:xfrm>
+            <a:off x="6163309" y="3300347"/>
+            <a:ext cx="186691" cy="255271"/>
+          </a:xfrm>
+          <a:prstGeom prst="rect">
+            <a:avLst/>
+          </a:prstGeom>
+          <a:ln w="12700">
+            <a:miter lim="400000"/>
+          </a:ln>
+        </p:spPr>
+      </p:pic>
+    </p:spTree>
+  </p:cSld>
+  <p:clrMapOvr>
+    <a:masterClrMapping/>
+  </p:clrMapOvr>
+  <p:transition xmlns:p14="http://schemas.microsoft.com/office/powerpoint/2010/main" spd="med" advClick="1"/>
+</p:sld>
+</file>
+
+<file path=ppt/slides/slide22.xml><?xml version="1.0" encoding="utf-8"?>
+<p:sld xmlns:a="http://schemas.openxmlformats.org/drawingml/2006/main" xmlns:r="http://schemas.openxmlformats.org/officeDocument/2006/relationships" xmlns:p="http://schemas.openxmlformats.org/presentationml/2006/main" xmlns:m="http://schemas.openxmlformats.org/officeDocument/2006/math" xmlns:a14="http://schemas.microsoft.com/office/drawing/2010/main" showMasterSp="1" showMasterPhAnim="1">
+  <p:cSld>
+    <p:spTree>
+      <p:nvGrpSpPr>
+        <p:cNvPr id="1" name=""/>
+        <p:cNvGrpSpPr/>
+        <p:nvPr/>
+      </p:nvGrpSpPr>
+      <p:grpSpPr>
+        <a:xfrm>
+          <a:off x="0" y="0"/>
+          <a:ext cx="0" cy="0"/>
+          <a:chOff x="0" y="0"/>
+          <a:chExt cx="0" cy="0"/>
+        </a:xfrm>
+      </p:grpSpPr>
+      <p:pic>
+        <p:nvPicPr>
+          <p:cNvPr id="902" name="Picture 5" descr="Picture 5"/>
+          <p:cNvPicPr>
+            <a:picLocks noChangeAspect="1"/>
+          </p:cNvPicPr>
+          <p:nvPr/>
+        </p:nvPicPr>
+        <p:blipFill>
+          <a:blip r:embed="rId2">
+            <a:extLst/>
+          </a:blip>
+          <a:stretch>
+            <a:fillRect/>
+          </a:stretch>
+        </p:blipFill>
+        <p:spPr>
+          <a:xfrm>
+            <a:off x="1207148" y="2521960"/>
+            <a:ext cx="4528566" cy="651511"/>
+          </a:xfrm>
+          <a:prstGeom prst="rect">
+            <a:avLst/>
+          </a:prstGeom>
+          <a:ln w="12700">
+            <a:miter lim="400000"/>
+          </a:ln>
+        </p:spPr>
+      </p:pic>
+      <p:sp>
+        <p:nvSpPr>
+          <p:cNvPr id="903" name="TextBox 19"/>
+          <p:cNvSpPr txBox="1"/>
+          <p:nvPr/>
+        </p:nvSpPr>
+        <p:spPr>
+          <a:xfrm>
+            <a:off x="426719" y="285750"/>
+            <a:ext cx="5318761" cy="459740"/>
+          </a:xfrm>
+          <a:prstGeom prst="rect">
+            <a:avLst/>
+          </a:prstGeom>
+          <a:ln w="12700">
+            <a:miter lim="400000"/>
+          </a:ln>
+          <a:extLst>
+            <a:ext uri="{C572A759-6A51-4108-AA02-DFA0A04FC94B}">
+              <ma14:wrappingTextBoxFlag xmlns:ma14="http://schemas.microsoft.com/office/mac/drawingml/2011/main" val="1"/>
+            </a:ext>
+          </a:extLst>
+        </p:spPr>
+        <p:txBody>
+          <a:bodyPr lIns="45719" rIns="45719">
+            <a:spAutoFit/>
+          </a:bodyPr>
+          <a:lstStyle>
+            <a:lvl1pPr>
+              <a:defRPr b="1" sz="2400"/>
+            </a:lvl1pPr>
+          </a:lstStyle>
+          <a:p>
+            <a:pPr/>
+            <a:r>
+              <a:t>Gradient Descent</a:t>
+            </a:r>
+          </a:p>
+        </p:txBody>
+      </p:sp>
+      <p:sp>
+        <p:nvSpPr>
+          <p:cNvPr id="904" name="TextBox 10"/>
+          <p:cNvSpPr txBox="1"/>
+          <p:nvPr/>
+        </p:nvSpPr>
+        <p:spPr>
+          <a:xfrm>
+            <a:off x="426719" y="1581150"/>
+            <a:ext cx="5318761" cy="459740"/>
+          </a:xfrm>
+          <a:prstGeom prst="rect">
+            <a:avLst/>
+          </a:prstGeom>
+          <a:ln w="12700">
+            <a:miter lim="400000"/>
+          </a:ln>
+          <a:extLst>
+            <a:ext uri="{C572A759-6A51-4108-AA02-DFA0A04FC94B}">
+              <ma14:wrappingTextBoxFlag xmlns:ma14="http://schemas.microsoft.com/office/mac/drawingml/2011/main" val="1"/>
+            </a:ext>
+          </a:extLst>
+        </p:spPr>
+        <p:txBody>
+          <a:bodyPr lIns="45719" rIns="45719">
+            <a:spAutoFit/>
+          </a:bodyPr>
+          <a:lstStyle>
+            <a:lvl1pPr>
+              <a:defRPr sz="2400"/>
+            </a:lvl1pPr>
+          </a:lstStyle>
+          <a:p>
+            <a:pPr/>
+            <a:r>
+              <a:t>Want                    :</a:t>
+            </a:r>
+          </a:p>
+        </p:txBody>
+      </p:sp>
+      <p:pic>
+        <p:nvPicPr>
+          <p:cNvPr id="905" name="Picture 12" descr="Picture 12"/>
+          <p:cNvPicPr>
+            <a:picLocks noChangeAspect="1"/>
+          </p:cNvPicPr>
+          <p:nvPr/>
+        </p:nvPicPr>
+        <p:blipFill>
+          <a:blip r:embed="rId3">
+            <a:extLst/>
+          </a:blip>
+          <a:stretch>
+            <a:fillRect/>
+          </a:stretch>
+        </p:blipFill>
+        <p:spPr>
+          <a:xfrm>
+            <a:off x="1265268" y="1679368"/>
+            <a:ext cx="1241298" cy="306325"/>
+          </a:xfrm>
+          <a:prstGeom prst="rect">
+            <a:avLst/>
+          </a:prstGeom>
+          <a:ln w="12700">
+            <a:miter lim="400000"/>
+          </a:ln>
+        </p:spPr>
+      </p:pic>
+      <p:pic>
+        <p:nvPicPr>
+          <p:cNvPr id="906" name="Picture 2" descr="Picture 2"/>
+          <p:cNvPicPr>
+            <a:picLocks noChangeAspect="1"/>
+          </p:cNvPicPr>
+          <p:nvPr/>
+        </p:nvPicPr>
+        <p:blipFill>
+          <a:blip r:embed="rId4">
+            <a:extLst/>
+          </a:blip>
+          <a:stretch>
+            <a:fillRect/>
+          </a:stretch>
+        </p:blipFill>
+        <p:spPr>
+          <a:xfrm>
+            <a:off x="838200" y="833705"/>
+            <a:ext cx="7879843" cy="651511"/>
+          </a:xfrm>
+          <a:prstGeom prst="rect">
+            <a:avLst/>
+          </a:prstGeom>
+          <a:ln w="12700">
+            <a:miter lim="400000"/>
+          </a:ln>
+        </p:spPr>
+      </p:pic>
+      <p:sp>
+        <p:nvSpPr>
+          <p:cNvPr id="907" name="TextBox 30"/>
+          <p:cNvSpPr txBox="1"/>
+          <p:nvPr/>
+        </p:nvSpPr>
+        <p:spPr>
+          <a:xfrm>
+            <a:off x="3074637" y="3200507"/>
+            <a:ext cx="5242560" cy="396241"/>
+          </a:xfrm>
+          <a:prstGeom prst="rect">
+            <a:avLst/>
+          </a:prstGeom>
+          <a:ln w="12700">
+            <a:miter lim="400000"/>
+          </a:ln>
+          <a:extLst>
+            <a:ext uri="{C572A759-6A51-4108-AA02-DFA0A04FC94B}">
+              <ma14:wrappingTextBoxFlag xmlns:ma14="http://schemas.microsoft.com/office/mac/drawingml/2011/main" val="1"/>
+            </a:ext>
+          </a:extLst>
+        </p:spPr>
+        <p:txBody>
+          <a:bodyPr lIns="45719" rIns="45719">
+            <a:spAutoFit/>
+          </a:bodyPr>
+          <a:lstStyle>
+            <a:lvl1pPr>
+              <a:defRPr sz="2000"/>
+            </a:lvl1pPr>
+          </a:lstStyle>
+          <a:p>
+            <a:pPr/>
+            <a:r>
+              <a:t>(simultaneously update all     )</a:t>
+            </a:r>
+          </a:p>
+        </p:txBody>
+      </p:sp>
+      <p:sp>
+        <p:nvSpPr>
+          <p:cNvPr id="908" name="TextBox 31"/>
+          <p:cNvSpPr txBox="1"/>
+          <p:nvPr/>
+        </p:nvSpPr>
+        <p:spPr>
+          <a:xfrm>
+            <a:off x="598136" y="2078886"/>
+            <a:ext cx="2575562" cy="396241"/>
+          </a:xfrm>
+          <a:prstGeom prst="rect">
+            <a:avLst/>
+          </a:prstGeom>
+          <a:ln w="12700">
+            <a:miter lim="400000"/>
+          </a:ln>
+          <a:extLst>
+            <a:ext uri="{C572A759-6A51-4108-AA02-DFA0A04FC94B}">
+              <ma14:wrappingTextBoxFlag xmlns:ma14="http://schemas.microsoft.com/office/mac/drawingml/2011/main" val="1"/>
+            </a:ext>
+          </a:extLst>
+        </p:spPr>
+        <p:txBody>
+          <a:bodyPr lIns="45719" rIns="45719">
+            <a:spAutoFit/>
+          </a:bodyPr>
+          <a:lstStyle>
+            <a:lvl1pPr>
+              <a:defRPr sz="2000"/>
+            </a:lvl1pPr>
+          </a:lstStyle>
+          <a:p>
+            <a:pPr/>
+            <a:r>
+              <a:t>Repeat</a:t>
+            </a:r>
+          </a:p>
+        </p:txBody>
+      </p:sp>
+      <p:pic>
+        <p:nvPicPr>
+          <p:cNvPr id="909" name="Picture 3" descr="Picture 3"/>
+          <p:cNvPicPr>
+            <a:picLocks noChangeAspect="1"/>
+          </p:cNvPicPr>
+          <p:nvPr/>
+        </p:nvPicPr>
+        <p:blipFill>
+          <a:blip r:embed="rId5">
+            <a:extLst/>
+          </a:blip>
+          <a:stretch>
+            <a:fillRect/>
+          </a:stretch>
+        </p:blipFill>
+        <p:spPr>
+          <a:xfrm>
+            <a:off x="6125209" y="3300347"/>
+            <a:ext cx="186691" cy="255271"/>
+          </a:xfrm>
+          <a:prstGeom prst="rect">
+            <a:avLst/>
+          </a:prstGeom>
+          <a:ln w="12700">
+            <a:miter lim="400000"/>
+          </a:ln>
+        </p:spPr>
+      </p:pic>
+      <p:pic>
+        <p:nvPicPr>
+          <p:cNvPr id="910" name="Picture 33" descr="Picture 33"/>
+          <p:cNvPicPr>
+            <a:picLocks noChangeAspect="1"/>
+          </p:cNvPicPr>
+          <p:nvPr/>
+        </p:nvPicPr>
+        <p:blipFill>
+          <a:blip r:embed="rId6">
+            <a:extLst/>
+          </a:blip>
+          <a:stretch>
+            <a:fillRect/>
+          </a:stretch>
+        </p:blipFill>
+        <p:spPr>
+          <a:xfrm>
+            <a:off x="1513679" y="2135053"/>
+            <a:ext cx="109729" cy="304039"/>
+          </a:xfrm>
+          <a:prstGeom prst="rect">
+            <a:avLst/>
+          </a:prstGeom>
+          <a:ln w="12700">
+            <a:miter lim="400000"/>
+          </a:ln>
+        </p:spPr>
+      </p:pic>
+      <p:pic>
+        <p:nvPicPr>
+          <p:cNvPr id="911" name="Picture 34" descr="Picture 34"/>
+          <p:cNvPicPr>
+            <a:picLocks noChangeAspect="1"/>
+          </p:cNvPicPr>
+          <p:nvPr/>
+        </p:nvPicPr>
+        <p:blipFill>
+          <a:blip r:embed="rId7">
+            <a:extLst/>
+          </a:blip>
+          <a:stretch>
+            <a:fillRect/>
+          </a:stretch>
+        </p:blipFill>
+        <p:spPr>
+          <a:xfrm>
+            <a:off x="971516" y="3410711"/>
+            <a:ext cx="109729" cy="304039"/>
+          </a:xfrm>
+          <a:prstGeom prst="rect">
+            <a:avLst/>
+          </a:prstGeom>
+          <a:ln w="12700">
+            <a:miter lim="400000"/>
+          </a:ln>
+        </p:spPr>
+      </p:pic>
+      <p:sp>
+        <p:nvSpPr>
+          <p:cNvPr id="912" name="TextBox 14"/>
+          <p:cNvSpPr txBox="1"/>
+          <p:nvPr/>
+        </p:nvSpPr>
+        <p:spPr>
+          <a:xfrm>
+            <a:off x="451548" y="4171950"/>
+            <a:ext cx="7585745" cy="459740"/>
+          </a:xfrm>
+          <a:prstGeom prst="rect">
+            <a:avLst/>
+          </a:prstGeom>
+          <a:ln w="12700">
+            <a:miter lim="400000"/>
+          </a:ln>
+          <a:extLst>
+            <a:ext uri="{C572A759-6A51-4108-AA02-DFA0A04FC94B}">
+              <ma14:wrappingTextBoxFlag xmlns:ma14="http://schemas.microsoft.com/office/mac/drawingml/2011/main" val="1"/>
+            </a:ext>
+          </a:extLst>
+        </p:spPr>
+        <p:txBody>
+          <a:bodyPr lIns="45719" rIns="45719">
+            <a:spAutoFit/>
+          </a:bodyPr>
+          <a:lstStyle>
+            <a:lvl1pPr>
+              <a:defRPr sz="2400"/>
+            </a:lvl1pPr>
+          </a:lstStyle>
+          <a:p>
+            <a:pPr/>
+            <a:r>
+              <a:t>Algorithm looks identical to linear regression!</a:t>
+            </a:r>
+          </a:p>
+        </p:txBody>
+      </p:sp>
+    </p:spTree>
+  </p:cSld>
+  <p:clrMapOvr>
+    <a:masterClrMapping/>
+  </p:clrMapOvr>
+  <p:transition xmlns:p14="http://schemas.microsoft.com/office/powerpoint/2010/main" spd="med" advClick="1"/>
+  <p:timing>
+    <p:tnLst>
+      <p:par>
+        <p:cTn id="1" nodeType="tmRoot" restart="never" dur="indefinite" fill="hold">
+          <p:childTnLst>
+            <p:seq concurrent="1" prevAc="none" nextAc="seek">
+              <p:cTn id="2" nodeType="mainSeq" dur="indefinite" fill="hold">
+                <p:childTnLst>
+                  <p:par>
+                    <p:cTn id="3" fill="hold">
+                      <p:stCondLst>
+                        <p:cond delay="indefinite"/>
+                      </p:stCondLst>
+                      <p:childTnLst>
+                        <p:par>
+                          <p:cTn id="4" fill="hold">
+                            <p:stCondLst>
+                              <p:cond delay="0"/>
+                            </p:stCondLst>
+                            <p:childTnLst>
+                              <p:par>
+                                <p:cTn id="5" presetClass="entr" nodeType="clickEffect" presetSubtype="0" presetID="1" grpId="1" fill="hold">
+                                  <p:stCondLst>
+                                    <p:cond delay="0"/>
+                                  </p:stCondLst>
+                                  <p:iterate type="el" backwards="0">
+                                    <p:tmAbs val="0"/>
+                                  </p:iterate>
+                                  <p:childTnLst>
+                                    <p:set>
+                                      <p:cBhvr>
+                                        <p:cTn id="6" fill="hold"/>
+                                        <p:tgtEl>
+                                          <p:spTgt spid="912"/>
+                                        </p:tgtEl>
+                                        <p:attrNameLst>
+                                          <p:attrName>style.visibility</p:attrName>
+                                        </p:attrNameLst>
+                                      </p:cBhvr>
+                                      <p:to>
+                                        <p:strVal val="visible"/>
+                                      </p:to>
+                                    </p:set>
+                                  </p:childTnLst>
+                                </p:cTn>
+                              </p:par>
+                            </p:childTnLst>
+                          </p:cTn>
+                        </p:par>
+                      </p:childTnLst>
+                    </p:cTn>
+                  </p:par>
+                </p:childTnLst>
+              </p:cTn>
+              <p:prevCondLst>
+                <p:cond evt="onPrev">
+                  <p:tgtEl>
+                    <p:sldTgt/>
+                  </p:tgtEl>
+                </p:cond>
+              </p:prevCondLst>
+              <p:nextCondLst>
+                <p:cond evt="onNext">
+                  <p:tgtEl>
+                    <p:sldTgt/>
+                  </p:tgtEl>
+                </p:cond>
+              </p:nextCondLst>
+            </p:seq>
+          </p:childTnLst>
+        </p:cTn>
+      </p:par>
+    </p:tnLst>
+    <p:bldLst>
+      <p:bldP build="whole" bldLvl="1" animBg="1" rev="0" advAuto="0" spid="912" grpId="1"/>
+    </p:bldLst>
+  </p:timing>
+</p:sld>
+</file>
+
+<file path=ppt/slides/slide23.xml><?xml version="1.0" encoding="utf-8"?>
+<p:sld xmlns:a="http://schemas.openxmlformats.org/drawingml/2006/main" xmlns:r="http://schemas.openxmlformats.org/officeDocument/2006/relationships" xmlns:p="http://schemas.openxmlformats.org/presentationml/2006/main" xmlns:m="http://schemas.openxmlformats.org/officeDocument/2006/math" xmlns:a14="http://schemas.microsoft.com/office/drawing/2010/main" showMasterSp="1" showMasterPhAnim="1">
+  <p:cSld>
+    <p:spTree>
+      <p:nvGrpSpPr>
+        <p:cNvPr id="1" name=""/>
+        <p:cNvGrpSpPr/>
+        <p:nvPr/>
+      </p:nvGrpSpPr>
+      <p:grpSpPr>
+        <a:xfrm>
+          <a:off x="0" y="0"/>
+          <a:ext cx="0" cy="0"/>
+          <a:chOff x="0" y="0"/>
+          <a:chExt cx="0" cy="0"/>
+        </a:xfrm>
+      </p:grpSpPr>
+      <p:sp>
+        <p:nvSpPr>
+          <p:cNvPr id="914" name="TextBox 19"/>
+          <p:cNvSpPr txBox="1"/>
+          <p:nvPr/>
+        </p:nvSpPr>
+        <p:spPr>
+          <a:xfrm>
+            <a:off x="426719" y="285750"/>
+            <a:ext cx="8482739" cy="459741"/>
+          </a:xfrm>
+          <a:prstGeom prst="rect">
+            <a:avLst/>
+          </a:prstGeom>
+          <a:ln w="12700">
+            <a:miter lim="400000"/>
+          </a:ln>
+          <a:extLst>
+            <a:ext uri="{C572A759-6A51-4108-AA02-DFA0A04FC94B}">
+              <ma14:wrappingTextBoxFlag xmlns:ma14="http://schemas.microsoft.com/office/mac/drawingml/2011/main" val="1"/>
+            </a:ext>
+          </a:extLst>
+        </p:spPr>
+        <p:txBody>
+          <a:bodyPr lIns="45719" rIns="45719">
+            <a:spAutoFit/>
+          </a:bodyPr>
+          <a:lstStyle/>
+          <a:p>
+            <a:pPr>
+              <a:defRPr sz="2400"/>
+            </a:pPr>
+            <a:r>
+              <a:t>Negative log likelihood is equal to </a:t>
+            </a:r>
+            <a:r>
+              <a:rPr b="1"/>
+              <a:t>binary cross entropy</a:t>
+            </a:r>
+          </a:p>
+        </p:txBody>
+      </p:sp>
+      <p:sp>
+        <p:nvSpPr>
+          <p:cNvPr id="915" name="Text"/>
+          <p:cNvSpPr txBox="1"/>
+          <p:nvPr/>
+        </p:nvSpPr>
+        <p:spPr>
+          <a:xfrm>
+            <a:off x="7145022" y="4438780"/>
+            <a:ext cx="127001" cy="752138"/>
+          </a:xfrm>
+          <a:prstGeom prst="rect">
+            <a:avLst/>
+          </a:prstGeom>
+          <a:ln w="12700">
+            <a:miter lim="400000"/>
+          </a:ln>
+          <a:extLst>
+            <a:ext uri="{C572A759-6A51-4108-AA02-DFA0A04FC94B}">
+              <ma14:wrappingTextBoxFlag xmlns:ma14="http://schemas.microsoft.com/office/mac/drawingml/2011/main" val="1"/>
+            </a:ext>
+          </a:extLst>
+        </p:spPr>
+        <p:txBody>
           <a:bodyPr wrap="none" lIns="45719" rIns="45719">
             <a:spAutoFit/>
           </a:bodyPr>
@@ -22947,7 +24417,7 @@
       </p:sp>
       <p:sp>
         <p:nvSpPr>
-          <p:cNvPr id="883" name="The entropy of a distribution"/>
+          <p:cNvPr id="916" name="The entropy of a distribution"/>
           <p:cNvSpPr txBox="1"/>
           <p:nvPr/>
         </p:nvSpPr>
@@ -22988,7 +24458,7 @@
       </p:sp>
       <p:sp>
         <p:nvSpPr>
-          <p:cNvPr id="884" name="Equation"/>
+          <p:cNvPr id="917" name="Equation"/>
           <p:cNvSpPr txBox="1"/>
           <p:nvPr/>
         </p:nvSpPr>
@@ -23209,7 +24679,7 @@
       </p:sp>
       <p:pic>
         <p:nvPicPr>
-          <p:cNvPr id="885" name="Image" descr="Image"/>
+          <p:cNvPr id="918" name="Image" descr="Image"/>
           <p:cNvPicPr>
             <a:picLocks noChangeAspect="1"/>
           </p:cNvPicPr>
@@ -23245,7 +24715,7 @@
 </p:sld>
 </file>
 
-<file path=ppt/slides/slide21.xml><?xml version="1.0" encoding="utf-8"?>
+<file path=ppt/slides/slide24.xml><?xml version="1.0" encoding="utf-8"?>
 <p:sld xmlns:a="http://schemas.openxmlformats.org/drawingml/2006/main" xmlns:r="http://schemas.openxmlformats.org/officeDocument/2006/relationships" xmlns:p="http://schemas.openxmlformats.org/presentationml/2006/main" xmlns:m="http://schemas.openxmlformats.org/officeDocument/2006/math" xmlns:a14="http://schemas.microsoft.com/office/drawing/2010/main" showMasterSp="1" showMasterPhAnim="1">
   <p:cSld>
     <p:spTree>
@@ -23264,7 +24734,7 @@
       </p:grpSpPr>
       <p:sp>
         <p:nvSpPr>
-          <p:cNvPr id="887" name="TextBox 19"/>
+          <p:cNvPr id="920" name="TextBox 19"/>
           <p:cNvSpPr txBox="1"/>
           <p:nvPr/>
         </p:nvSpPr>
@@ -23306,7 +24776,7 @@
       </p:sp>
       <p:sp>
         <p:nvSpPr>
-          <p:cNvPr id="888" name="Equation"/>
+          <p:cNvPr id="921" name="Equation"/>
           <p:cNvSpPr txBox="1"/>
           <p:nvPr/>
         </p:nvSpPr>
@@ -23545,7 +25015,7 @@
       </p:sp>
       <p:sp>
         <p:nvSpPr>
-          <p:cNvPr id="889" name="The cross entropy between two probability distributions"/>
+          <p:cNvPr id="922" name="The cross entropy between two probability distributions"/>
           <p:cNvSpPr txBox="1"/>
           <p:nvPr/>
         </p:nvSpPr>
@@ -23586,7 +25056,7 @@
       </p:sp>
       <p:pic>
         <p:nvPicPr>
-          <p:cNvPr id="890" name="Image" descr="Image"/>
+          <p:cNvPr id="923" name="Image" descr="Image"/>
           <p:cNvPicPr>
             <a:picLocks noChangeAspect="1"/>
           </p:cNvPicPr>
@@ -23615,7 +25085,7 @@
       </p:pic>
       <p:sp>
         <p:nvSpPr>
-          <p:cNvPr id="891" name="cross entropy of   relative to"/>
+          <p:cNvPr id="924" name="cross entropy of   relative to"/>
           <p:cNvSpPr txBox="1"/>
           <p:nvPr/>
         </p:nvSpPr>
@@ -23742,7 +25212,7 @@
       </p:sp>
       <p:sp>
         <p:nvSpPr>
-          <p:cNvPr id="892" name="Cross entropy for two Bernoulli distributions"/>
+          <p:cNvPr id="925" name="Cross entropy for two Bernoulli distributions"/>
           <p:cNvSpPr txBox="1"/>
           <p:nvPr/>
         </p:nvSpPr>
@@ -23783,14 +25253,14 @@
       </p:sp>
       <p:sp>
         <p:nvSpPr>
-          <p:cNvPr id="893" name="Equation"/>
+          <p:cNvPr id="926" name="Equation"/>
           <p:cNvSpPr txBox="1"/>
           <p:nvPr/>
         </p:nvSpPr>
         <p:spPr>
           <a:xfrm>
             <a:off x="4683675" y="2023621"/>
-            <a:ext cx="3702737" cy="281179"/>
+            <a:ext cx="4109279" cy="421768"/>
           </a:xfrm>
           <a:prstGeom prst="rect">
             <a:avLst/>
@@ -23902,15 +25372,30 @@
                       <m:endChr m:val="]"/>
                     </m:dPr>
                     <m:e>
-                      <m:r>
-                        <a:rPr xmlns:a="http://schemas.openxmlformats.org/drawingml/2006/main" sz="1800" i="1">
-                          <a:solidFill>
-                            <a:srgbClr val="000000"/>
-                          </a:solidFill>
-                          <a:latin typeface="Cambria Math" panose="02040503050406030204" pitchFamily="18" charset="0"/>
-                        </a:rPr>
-                        <m:t>p</m:t>
-                      </m:r>
+                      <m:sSub>
+                        <m:e>
+                          <m:r>
+                            <a:rPr xmlns:a="http://schemas.openxmlformats.org/drawingml/2006/main" sz="1800" i="1">
+                              <a:solidFill>
+                                <a:srgbClr val="000000"/>
+                              </a:solidFill>
+                              <a:latin typeface="Cambria Math" panose="02040503050406030204" pitchFamily="18" charset="0"/>
+                            </a:rPr>
+                            <m:t>ψ</m:t>
+                          </m:r>
+                        </m:e>
+                        <m:sub>
+                          <m:r>
+                            <a:rPr xmlns:a="http://schemas.openxmlformats.org/drawingml/2006/main" sz="1800" i="1">
+                              <a:solidFill>
+                                <a:srgbClr val="000000"/>
+                              </a:solidFill>
+                              <a:latin typeface="Cambria Math" panose="02040503050406030204" pitchFamily="18" charset="0"/>
+                            </a:rPr>
+                            <m:t>p</m:t>
+                          </m:r>
+                        </m:sub>
+                      </m:sSub>
                       <m:r>
                         <m:rPr>
                           <m:sty m:val="p"/>
@@ -23923,15 +25408,30 @@
                         </a:rPr>
                         <m:t>log</m:t>
                       </m:r>
-                      <m:r>
-                        <a:rPr xmlns:a="http://schemas.openxmlformats.org/drawingml/2006/main" sz="1800" i="1">
-                          <a:solidFill>
-                            <a:srgbClr val="000000"/>
-                          </a:solidFill>
-                          <a:latin typeface="Cambria Math" panose="02040503050406030204" pitchFamily="18" charset="0"/>
-                        </a:rPr>
-                        <m:t>q</m:t>
-                      </m:r>
+                      <m:sSub>
+                        <m:e>
+                          <m:r>
+                            <a:rPr xmlns:a="http://schemas.openxmlformats.org/drawingml/2006/main" sz="1800" i="1">
+                              <a:solidFill>
+                                <a:srgbClr val="000000"/>
+                              </a:solidFill>
+                              <a:latin typeface="Cambria Math" panose="02040503050406030204" pitchFamily="18" charset="0"/>
+                            </a:rPr>
+                            <m:t>ψ</m:t>
+                          </m:r>
+                        </m:e>
+                        <m:sub>
+                          <m:r>
+                            <a:rPr xmlns:a="http://schemas.openxmlformats.org/drawingml/2006/main" sz="1800" i="1">
+                              <a:solidFill>
+                                <a:srgbClr val="000000"/>
+                              </a:solidFill>
+                              <a:latin typeface="Cambria Math" panose="02040503050406030204" pitchFamily="18" charset="0"/>
+                            </a:rPr>
+                            <m:t>q</m:t>
+                          </m:r>
+                        </m:sub>
+                      </m:sSub>
                       <m:r>
                         <a:rPr xmlns:a="http://schemas.openxmlformats.org/drawingml/2006/main" sz="1800" i="1">
                           <a:solidFill>
@@ -23968,15 +25468,30 @@
                         </a:rPr>
                         <m:t>-</m:t>
                       </m:r>
-                      <m:r>
-                        <a:rPr xmlns:a="http://schemas.openxmlformats.org/drawingml/2006/main" sz="1800" i="1">
-                          <a:solidFill>
-                            <a:srgbClr val="000000"/>
-                          </a:solidFill>
-                          <a:latin typeface="Cambria Math" panose="02040503050406030204" pitchFamily="18" charset="0"/>
-                        </a:rPr>
-                        <m:t>p</m:t>
-                      </m:r>
+                      <m:sSub>
+                        <m:e>
+                          <m:r>
+                            <a:rPr xmlns:a="http://schemas.openxmlformats.org/drawingml/2006/main" sz="1800" i="1">
+                              <a:solidFill>
+                                <a:srgbClr val="000000"/>
+                              </a:solidFill>
+                              <a:latin typeface="Cambria Math" panose="02040503050406030204" pitchFamily="18" charset="0"/>
+                            </a:rPr>
+                            <m:t>ψ</m:t>
+                          </m:r>
+                        </m:e>
+                        <m:sub>
+                          <m:r>
+                            <a:rPr xmlns:a="http://schemas.openxmlformats.org/drawingml/2006/main" sz="1800" i="1">
+                              <a:solidFill>
+                                <a:srgbClr val="000000"/>
+                              </a:solidFill>
+                              <a:latin typeface="Cambria Math" panose="02040503050406030204" pitchFamily="18" charset="0"/>
+                            </a:rPr>
+                            <m:t>p</m:t>
+                          </m:r>
+                        </m:sub>
+                      </m:sSub>
                       <m:r>
                         <a:rPr xmlns:a="http://schemas.openxmlformats.org/drawingml/2006/main" sz="1800" i="1">
                           <a:solidFill>
@@ -24025,15 +25540,30 @@
                         </a:rPr>
                         <m:t>-</m:t>
                       </m:r>
-                      <m:r>
-                        <a:rPr xmlns:a="http://schemas.openxmlformats.org/drawingml/2006/main" sz="1800" i="1">
-                          <a:solidFill>
-                            <a:srgbClr val="000000"/>
-                          </a:solidFill>
-                          <a:latin typeface="Cambria Math" panose="02040503050406030204" pitchFamily="18" charset="0"/>
-                        </a:rPr>
-                        <m:t>q</m:t>
-                      </m:r>
+                      <m:sSub>
+                        <m:e>
+                          <m:r>
+                            <a:rPr xmlns:a="http://schemas.openxmlformats.org/drawingml/2006/main" sz="1800" i="1">
+                              <a:solidFill>
+                                <a:srgbClr val="000000"/>
+                              </a:solidFill>
+                              <a:latin typeface="Cambria Math" panose="02040503050406030204" pitchFamily="18" charset="0"/>
+                            </a:rPr>
+                            <m:t>ψ</m:t>
+                          </m:r>
+                        </m:e>
+                        <m:sub>
+                          <m:r>
+                            <a:rPr xmlns:a="http://schemas.openxmlformats.org/drawingml/2006/main" sz="1800" i="1">
+                              <a:solidFill>
+                                <a:srgbClr val="000000"/>
+                              </a:solidFill>
+                              <a:latin typeface="Cambria Math" panose="02040503050406030204" pitchFamily="18" charset="0"/>
+                            </a:rPr>
+                            <m:t>q</m:t>
+                          </m:r>
+                        </m:sub>
+                      </m:sSub>
                       <m:r>
                         <a:rPr xmlns:a="http://schemas.openxmlformats.org/drawingml/2006/main" sz="1800" i="1">
                           <a:solidFill>
@@ -24060,7 +25590,7 @@
 </p:sld>
 </file>
 
-<file path=ppt/slides/slide22.xml><?xml version="1.0" encoding="utf-8"?>
+<file path=ppt/slides/slide25.xml><?xml version="1.0" encoding="utf-8"?>
 <p:sld xmlns:a="http://schemas.openxmlformats.org/drawingml/2006/main" xmlns:r="http://schemas.openxmlformats.org/officeDocument/2006/relationships" xmlns:p="http://schemas.openxmlformats.org/presentationml/2006/main" xmlns:m="http://schemas.openxmlformats.org/officeDocument/2006/math" xmlns:a14="http://schemas.microsoft.com/office/drawing/2010/main" showMasterSp="1" showMasterPhAnim="1">
   <p:cSld>
     <p:spTree>
@@ -24079,14 +25609,14 @@
       </p:grpSpPr>
       <p:sp>
         <p:nvSpPr>
-          <p:cNvPr id="895" name="TextBox 19"/>
+          <p:cNvPr id="928" name="Cross entropy for two Bernoulli distributions"/>
           <p:cNvSpPr txBox="1"/>
           <p:nvPr/>
         </p:nvSpPr>
         <p:spPr>
           <a:xfrm>
-            <a:off x="426719" y="285750"/>
-            <a:ext cx="8482739" cy="459741"/>
+            <a:off x="319088" y="1501248"/>
+            <a:ext cx="3702737" cy="701041"/>
           </a:xfrm>
           <a:prstGeom prst="rect">
             <a:avLst/>
@@ -24104,31 +25634,31 @@
           <a:bodyPr lIns="45719" rIns="45719">
             <a:spAutoFit/>
           </a:bodyPr>
-          <a:lstStyle/>
-          <a:p>
-            <a:pPr>
-              <a:defRPr sz="2400"/>
-            </a:pPr>
-            <a:r>
-              <a:t>Negative log likelihood is equal to </a:t>
-            </a:r>
-            <a:r>
-              <a:rPr b="1"/>
-              <a:t>binary cross entropy</a:t>
+          <a:lstStyle>
+            <a:lvl1pPr marL="228600" indent="-228600">
+              <a:buSzPct val="100000"/>
+              <a:buChar char="•"/>
+              <a:defRPr sz="2000"/>
+            </a:lvl1pPr>
+          </a:lstStyle>
+          <a:p>
+            <a:pPr/>
+            <a:r>
+              <a:t>Cross entropy for two Bernoulli distributions</a:t>
             </a:r>
           </a:p>
         </p:txBody>
       </p:sp>
       <p:sp>
         <p:nvSpPr>
-          <p:cNvPr id="896" name="Text"/>
+          <p:cNvPr id="929" name="Consider the data point   as the distribution…"/>
           <p:cNvSpPr txBox="1"/>
           <p:nvPr/>
         </p:nvSpPr>
         <p:spPr>
           <a:xfrm>
-            <a:off x="7018023" y="2025779"/>
-            <a:ext cx="127001" cy="752139"/>
+            <a:off x="319088" y="2390248"/>
+            <a:ext cx="3702737" cy="1675914"/>
           </a:xfrm>
           <a:prstGeom prst="rect">
             <a:avLst/>
@@ -24143,6 +25673,1794 @@
           </a:extLst>
         </p:spPr>
         <p:txBody>
+          <a:bodyPr lIns="45719" rIns="45719">
+            <a:spAutoFit/>
+          </a:bodyPr>
+          <a:lstStyle/>
+          <a:p>
+            <a:pPr marL="228600" indent="-228600">
+              <a:buSzPct val="100000"/>
+              <a:buChar char="•"/>
+              <a:defRPr sz="2000"/>
+            </a:pPr>
+            <a:r>
+              <a:t>Consider the data point </a:t>
+            </a:r>
+            <a14:m>
+              <m:oMath>
+                <m:r>
+                  <a:rPr xmlns:a="http://schemas.openxmlformats.org/drawingml/2006/main" sz="2400" i="1">
+                    <a:solidFill>
+                      <a:srgbClr val="000000"/>
+                    </a:solidFill>
+                    <a:latin typeface="Cambria Math" panose="02040503050406030204" pitchFamily="18" charset="0"/>
+                  </a:rPr>
+                  <m:t>i</m:t>
+                </m:r>
+              </m:oMath>
+            </a14:m>
+            <a:r>
+              <a:t> as the distribution </a:t>
+            </a:r>
+            <a14:m>
+              <m:oMath>
+                <m:r>
+                  <a:rPr xmlns:a="http://schemas.openxmlformats.org/drawingml/2006/main" sz="2400" i="1">
+                    <a:solidFill>
+                      <a:srgbClr val="000000"/>
+                    </a:solidFill>
+                    <a:latin typeface="Cambria Math" panose="02040503050406030204" pitchFamily="18" charset="0"/>
+                  </a:rPr>
+                  <m:t>p</m:t>
+                </m:r>
+              </m:oMath>
+            </a14:m>
+          </a:p>
+          <a:p>
+            <a:pPr marL="228600" indent="-228600">
+              <a:buSzPct val="100000"/>
+              <a:buChar char="•"/>
+              <a:defRPr sz="2000"/>
+            </a:pPr>
+            <a:r>
+              <a:t>Distribution </a:t>
+            </a:r>
+            <a14:m>
+              <m:oMath>
+                <m:r>
+                  <a:rPr xmlns:a="http://schemas.openxmlformats.org/drawingml/2006/main" sz="2400" i="1">
+                    <a:solidFill>
+                      <a:srgbClr val="000000"/>
+                    </a:solidFill>
+                    <a:latin typeface="Cambria Math" panose="02040503050406030204" pitchFamily="18" charset="0"/>
+                  </a:rPr>
+                  <m:t>q</m:t>
+                </m:r>
+              </m:oMath>
+            </a14:m>
+            <a:r>
+              <a:t> is the modeled distribution with probability </a:t>
+            </a:r>
+            <a14:m>
+              <m:oMath>
+                <m:sSub>
+                  <m:e>
+                    <m:r>
+                      <a:rPr xmlns:a="http://schemas.openxmlformats.org/drawingml/2006/main" sz="2400" i="1">
+                        <a:solidFill>
+                          <a:srgbClr val="000000"/>
+                        </a:solidFill>
+                        <a:latin typeface="Cambria Math" panose="02040503050406030204" pitchFamily="18" charset="0"/>
+                      </a:rPr>
+                      <m:t>h</m:t>
+                    </m:r>
+                  </m:e>
+                  <m:sub>
+                    <m:r>
+                      <a:rPr xmlns:a="http://schemas.openxmlformats.org/drawingml/2006/main" sz="2400" i="1">
+                        <a:solidFill>
+                          <a:srgbClr val="000000"/>
+                        </a:solidFill>
+                        <a:latin typeface="Cambria Math" panose="02040503050406030204" pitchFamily="18" charset="0"/>
+                      </a:rPr>
+                      <m:t>θ</m:t>
+                    </m:r>
+                  </m:sub>
+                </m:sSub>
+                <m:r>
+                  <a:rPr xmlns:a="http://schemas.openxmlformats.org/drawingml/2006/main" sz="2400" i="1">
+                    <a:solidFill>
+                      <a:srgbClr val="000000"/>
+                    </a:solidFill>
+                    <a:latin typeface="Cambria Math" panose="02040503050406030204" pitchFamily="18" charset="0"/>
+                  </a:rPr>
+                  <m:t>(</m:t>
+                </m:r>
+                <m:sSub>
+                  <m:e>
+                    <m:r>
+                      <a:rPr xmlns:a="http://schemas.openxmlformats.org/drawingml/2006/main" sz="2400" i="1">
+                        <a:solidFill>
+                          <a:srgbClr val="000000"/>
+                        </a:solidFill>
+                        <a:latin typeface="Cambria Math" panose="02040503050406030204" pitchFamily="18" charset="0"/>
+                      </a:rPr>
+                      <m:t>x</m:t>
+                    </m:r>
+                  </m:e>
+                  <m:sub>
+                    <m:r>
+                      <a:rPr xmlns:a="http://schemas.openxmlformats.org/drawingml/2006/main" sz="2400" i="1">
+                        <a:solidFill>
+                          <a:srgbClr val="000000"/>
+                        </a:solidFill>
+                        <a:latin typeface="Cambria Math" panose="02040503050406030204" pitchFamily="18" charset="0"/>
+                      </a:rPr>
+                      <m:t>i</m:t>
+                    </m:r>
+                  </m:sub>
+                </m:sSub>
+                <m:r>
+                  <a:rPr xmlns:a="http://schemas.openxmlformats.org/drawingml/2006/main" sz="2400" i="1">
+                    <a:solidFill>
+                      <a:srgbClr val="000000"/>
+                    </a:solidFill>
+                    <a:latin typeface="Cambria Math" panose="02040503050406030204" pitchFamily="18" charset="0"/>
+                  </a:rPr>
+                  <m:t>)</m:t>
+                </m:r>
+              </m:oMath>
+            </a14:m>
+          </a:p>
+        </p:txBody>
+      </p:sp>
+      <p:sp>
+        <p:nvSpPr>
+          <p:cNvPr id="930" name="Equation"/>
+          <p:cNvSpPr txBox="1"/>
+          <p:nvPr/>
+        </p:nvSpPr>
+        <p:spPr>
+          <a:xfrm>
+            <a:off x="4516616" y="2815352"/>
+            <a:ext cx="4497249" cy="281179"/>
+          </a:xfrm>
+          <a:prstGeom prst="rect">
+            <a:avLst/>
+          </a:prstGeom>
+          <a:ln w="12700">
+            <a:miter lim="400000"/>
+          </a:ln>
+        </p:spPr>
+        <p:txBody>
+          <a:bodyPr wrap="none" lIns="0" tIns="0" rIns="0" bIns="0">
+            <a:spAutoFit/>
+          </a:bodyPr>
+          <a:lstStyle/>
+          <a:p>
+            <a:pPr latinLnBrk="1"/>
+            <a14:m>
+              <m:oMathPara>
+                <m:oMathParaPr>
+                  <m:jc m:val="centerGroup"/>
+                </m:oMathParaPr>
+                <m:oMath>
+                  <m:r>
+                    <m:rPr>
+                      <m:sty m:val="p"/>
+                      <m:scr m:val="double-struck"/>
+                    </m:rPr>
+                    <a:rPr xmlns:a="http://schemas.openxmlformats.org/drawingml/2006/main" sz="1800" i="1">
+                      <a:solidFill>
+                        <a:srgbClr val="000000"/>
+                      </a:solidFill>
+                      <a:latin typeface="Cambria Math" panose="02040503050406030204" pitchFamily="18" charset="0"/>
+                    </a:rPr>
+                    <m:t>H</m:t>
+                  </m:r>
+                  <m:r>
+                    <a:rPr xmlns:a="http://schemas.openxmlformats.org/drawingml/2006/main" sz="1800" i="1">
+                      <a:solidFill>
+                        <a:srgbClr val="000000"/>
+                      </a:solidFill>
+                      <a:latin typeface="Cambria Math" panose="02040503050406030204" pitchFamily="18" charset="0"/>
+                    </a:rPr>
+                    <m:t>(</m:t>
+                  </m:r>
+                  <m:r>
+                    <a:rPr xmlns:a="http://schemas.openxmlformats.org/drawingml/2006/main" sz="1800" i="1">
+                      <a:solidFill>
+                        <a:srgbClr val="000000"/>
+                      </a:solidFill>
+                      <a:latin typeface="Cambria Math" panose="02040503050406030204" pitchFamily="18" charset="0"/>
+                    </a:rPr>
+                    <m:t>p</m:t>
+                  </m:r>
+                  <m:r>
+                    <a:rPr xmlns:a="http://schemas.openxmlformats.org/drawingml/2006/main" sz="1800" i="1">
+                      <a:solidFill>
+                        <a:srgbClr val="000000"/>
+                      </a:solidFill>
+                      <a:latin typeface="Cambria Math" panose="02040503050406030204" pitchFamily="18" charset="0"/>
+                    </a:rPr>
+                    <m:t>,</m:t>
+                  </m:r>
+                  <m:r>
+                    <a:rPr xmlns:a="http://schemas.openxmlformats.org/drawingml/2006/main" sz="1800" i="1">
+                      <a:solidFill>
+                        <a:srgbClr val="000000"/>
+                      </a:solidFill>
+                      <a:latin typeface="Cambria Math" panose="02040503050406030204" pitchFamily="18" charset="0"/>
+                    </a:rPr>
+                    <m:t>q</m:t>
+                  </m:r>
+                  <m:r>
+                    <a:rPr xmlns:a="http://schemas.openxmlformats.org/drawingml/2006/main" sz="1800" i="1">
+                      <a:solidFill>
+                        <a:srgbClr val="000000"/>
+                      </a:solidFill>
+                      <a:latin typeface="Cambria Math" panose="02040503050406030204" pitchFamily="18" charset="0"/>
+                    </a:rPr>
+                    <m:t>)</m:t>
+                  </m:r>
+                  <m:r>
+                    <a:rPr xmlns:a="http://schemas.openxmlformats.org/drawingml/2006/main" sz="1800" i="1">
+                      <a:solidFill>
+                        <a:srgbClr val="000000"/>
+                      </a:solidFill>
+                      <a:latin typeface="Cambria Math" panose="02040503050406030204" pitchFamily="18" charset="0"/>
+                    </a:rPr>
+                    <m:t>=</m:t>
+                  </m:r>
+                  <m:r>
+                    <a:rPr xmlns:a="http://schemas.openxmlformats.org/drawingml/2006/main" sz="1800" i="1">
+                      <a:solidFill>
+                        <a:srgbClr val="000000"/>
+                      </a:solidFill>
+                      <a:latin typeface="Cambria Math" panose="02040503050406030204" pitchFamily="18" charset="0"/>
+                    </a:rPr>
+                    <m:t>-</m:t>
+                  </m:r>
+                  <m:d>
+                    <m:dPr>
+                      <m:ctrlPr>
+                        <a:rPr xmlns:a="http://schemas.openxmlformats.org/drawingml/2006/main" sz="1800" i="1">
+                          <a:solidFill>
+                            <a:srgbClr val="000000"/>
+                          </a:solidFill>
+                          <a:latin typeface="Cambria Math" panose="02040503050406030204" pitchFamily="18" charset="0"/>
+                        </a:rPr>
+                      </m:ctrlPr>
+                      <m:begChr m:val="["/>
+                      <m:endChr m:val="]"/>
+                    </m:dPr>
+                    <m:e>
+                      <m:sSub>
+                        <m:e>
+                          <m:r>
+                            <a:rPr xmlns:a="http://schemas.openxmlformats.org/drawingml/2006/main" sz="1800" i="1">
+                              <a:solidFill>
+                                <a:srgbClr val="000000"/>
+                              </a:solidFill>
+                              <a:latin typeface="Cambria Math" panose="02040503050406030204" pitchFamily="18" charset="0"/>
+                            </a:rPr>
+                            <m:t>y</m:t>
+                          </m:r>
+                        </m:e>
+                        <m:sub>
+                          <m:r>
+                            <a:rPr xmlns:a="http://schemas.openxmlformats.org/drawingml/2006/main" sz="1800" i="1">
+                              <a:solidFill>
+                                <a:srgbClr val="000000"/>
+                              </a:solidFill>
+                              <a:latin typeface="Cambria Math" panose="02040503050406030204" pitchFamily="18" charset="0"/>
+                            </a:rPr>
+                            <m:t>i</m:t>
+                          </m:r>
+                        </m:sub>
+                      </m:sSub>
+                      <m:r>
+                        <m:rPr>
+                          <m:sty m:val="p"/>
+                        </m:rPr>
+                        <a:rPr xmlns:a="http://schemas.openxmlformats.org/drawingml/2006/main" sz="1800" i="1">
+                          <a:solidFill>
+                            <a:srgbClr val="000000"/>
+                          </a:solidFill>
+                          <a:latin typeface="Cambria Math" panose="02040503050406030204" pitchFamily="18" charset="0"/>
+                        </a:rPr>
+                        <m:t>log</m:t>
+                      </m:r>
+                      <m:sSub>
+                        <m:e>
+                          <m:r>
+                            <a:rPr xmlns:a="http://schemas.openxmlformats.org/drawingml/2006/main" sz="1800" i="1">
+                              <a:solidFill>
+                                <a:srgbClr val="000000"/>
+                              </a:solidFill>
+                              <a:latin typeface="Cambria Math" panose="02040503050406030204" pitchFamily="18" charset="0"/>
+                            </a:rPr>
+                            <m:t>h</m:t>
+                          </m:r>
+                        </m:e>
+                        <m:sub>
+                          <m:r>
+                            <a:rPr xmlns:a="http://schemas.openxmlformats.org/drawingml/2006/main" sz="1800" i="1">
+                              <a:solidFill>
+                                <a:srgbClr val="000000"/>
+                              </a:solidFill>
+                              <a:latin typeface="Cambria Math" panose="02040503050406030204" pitchFamily="18" charset="0"/>
+                            </a:rPr>
+                            <m:t>θ</m:t>
+                          </m:r>
+                        </m:sub>
+                      </m:sSub>
+                      <m:r>
+                        <a:rPr xmlns:a="http://schemas.openxmlformats.org/drawingml/2006/main" sz="1800" i="1">
+                          <a:solidFill>
+                            <a:srgbClr val="000000"/>
+                          </a:solidFill>
+                          <a:latin typeface="Cambria Math" panose="02040503050406030204" pitchFamily="18" charset="0"/>
+                        </a:rPr>
+                        <m:t>(</m:t>
+                      </m:r>
+                      <m:sSub>
+                        <m:e>
+                          <m:r>
+                            <a:rPr xmlns:a="http://schemas.openxmlformats.org/drawingml/2006/main" sz="1800" i="1">
+                              <a:solidFill>
+                                <a:srgbClr val="000000"/>
+                              </a:solidFill>
+                              <a:latin typeface="Cambria Math" panose="02040503050406030204" pitchFamily="18" charset="0"/>
+                            </a:rPr>
+                            <m:t>x</m:t>
+                          </m:r>
+                        </m:e>
+                        <m:sub>
+                          <m:r>
+                            <a:rPr xmlns:a="http://schemas.openxmlformats.org/drawingml/2006/main" sz="1800" i="1">
+                              <a:solidFill>
+                                <a:srgbClr val="000000"/>
+                              </a:solidFill>
+                              <a:latin typeface="Cambria Math" panose="02040503050406030204" pitchFamily="18" charset="0"/>
+                            </a:rPr>
+                            <m:t>i</m:t>
+                          </m:r>
+                        </m:sub>
+                      </m:sSub>
+                      <m:r>
+                        <a:rPr xmlns:a="http://schemas.openxmlformats.org/drawingml/2006/main" sz="1800" i="1">
+                          <a:solidFill>
+                            <a:srgbClr val="000000"/>
+                          </a:solidFill>
+                          <a:latin typeface="Cambria Math" panose="02040503050406030204" pitchFamily="18" charset="0"/>
+                        </a:rPr>
+                        <m:t>)</m:t>
+                      </m:r>
+                      <m:r>
+                        <a:rPr xmlns:a="http://schemas.openxmlformats.org/drawingml/2006/main" sz="1800" i="1">
+                          <a:solidFill>
+                            <a:srgbClr val="000000"/>
+                          </a:solidFill>
+                          <a:latin typeface="Cambria Math" panose="02040503050406030204" pitchFamily="18" charset="0"/>
+                        </a:rPr>
+                        <m:t>+</m:t>
+                      </m:r>
+                      <m:r>
+                        <a:rPr xmlns:a="http://schemas.openxmlformats.org/drawingml/2006/main" sz="1800" i="1">
+                          <a:solidFill>
+                            <a:srgbClr val="000000"/>
+                          </a:solidFill>
+                          <a:latin typeface="Cambria Math" panose="02040503050406030204" pitchFamily="18" charset="0"/>
+                        </a:rPr>
+                        <m:t>(</m:t>
+                      </m:r>
+                      <m:r>
+                        <a:rPr xmlns:a="http://schemas.openxmlformats.org/drawingml/2006/main" sz="1800" i="1">
+                          <a:solidFill>
+                            <a:srgbClr val="000000"/>
+                          </a:solidFill>
+                          <a:latin typeface="Cambria Math" panose="02040503050406030204" pitchFamily="18" charset="0"/>
+                        </a:rPr>
+                        <m:t>1</m:t>
+                      </m:r>
+                      <m:r>
+                        <a:rPr xmlns:a="http://schemas.openxmlformats.org/drawingml/2006/main" sz="1800" i="1">
+                          <a:solidFill>
+                            <a:srgbClr val="000000"/>
+                          </a:solidFill>
+                          <a:latin typeface="Cambria Math" panose="02040503050406030204" pitchFamily="18" charset="0"/>
+                        </a:rPr>
+                        <m:t>-</m:t>
+                      </m:r>
+                      <m:sSub>
+                        <m:e>
+                          <m:r>
+                            <a:rPr xmlns:a="http://schemas.openxmlformats.org/drawingml/2006/main" sz="1800" i="1">
+                              <a:solidFill>
+                                <a:srgbClr val="000000"/>
+                              </a:solidFill>
+                              <a:latin typeface="Cambria Math" panose="02040503050406030204" pitchFamily="18" charset="0"/>
+                            </a:rPr>
+                            <m:t>y</m:t>
+                          </m:r>
+                        </m:e>
+                        <m:sub>
+                          <m:r>
+                            <a:rPr xmlns:a="http://schemas.openxmlformats.org/drawingml/2006/main" sz="1800" i="1">
+                              <a:solidFill>
+                                <a:srgbClr val="000000"/>
+                              </a:solidFill>
+                              <a:latin typeface="Cambria Math" panose="02040503050406030204" pitchFamily="18" charset="0"/>
+                            </a:rPr>
+                            <m:t>i</m:t>
+                          </m:r>
+                        </m:sub>
+                      </m:sSub>
+                      <m:r>
+                        <a:rPr xmlns:a="http://schemas.openxmlformats.org/drawingml/2006/main" sz="1800" i="1">
+                          <a:solidFill>
+                            <a:srgbClr val="000000"/>
+                          </a:solidFill>
+                          <a:latin typeface="Cambria Math" panose="02040503050406030204" pitchFamily="18" charset="0"/>
+                        </a:rPr>
+                        <m:t>)</m:t>
+                      </m:r>
+                      <m:r>
+                        <m:rPr>
+                          <m:sty m:val="p"/>
+                        </m:rPr>
+                        <a:rPr xmlns:a="http://schemas.openxmlformats.org/drawingml/2006/main" sz="1800" i="1">
+                          <a:solidFill>
+                            <a:srgbClr val="000000"/>
+                          </a:solidFill>
+                          <a:latin typeface="Cambria Math" panose="02040503050406030204" pitchFamily="18" charset="0"/>
+                        </a:rPr>
+                        <m:t>log</m:t>
+                      </m:r>
+                      <m:r>
+                        <a:rPr xmlns:a="http://schemas.openxmlformats.org/drawingml/2006/main" sz="1800" i="1">
+                          <a:solidFill>
+                            <a:srgbClr val="000000"/>
+                          </a:solidFill>
+                          <a:latin typeface="Cambria Math" panose="02040503050406030204" pitchFamily="18" charset="0"/>
+                        </a:rPr>
+                        <m:t>(</m:t>
+                      </m:r>
+                      <m:r>
+                        <a:rPr xmlns:a="http://schemas.openxmlformats.org/drawingml/2006/main" sz="1800" i="1">
+                          <a:solidFill>
+                            <a:srgbClr val="000000"/>
+                          </a:solidFill>
+                          <a:latin typeface="Cambria Math" panose="02040503050406030204" pitchFamily="18" charset="0"/>
+                        </a:rPr>
+                        <m:t>1</m:t>
+                      </m:r>
+                      <m:r>
+                        <a:rPr xmlns:a="http://schemas.openxmlformats.org/drawingml/2006/main" sz="1800" i="1">
+                          <a:solidFill>
+                            <a:srgbClr val="000000"/>
+                          </a:solidFill>
+                          <a:latin typeface="Cambria Math" panose="02040503050406030204" pitchFamily="18" charset="0"/>
+                        </a:rPr>
+                        <m:t>-</m:t>
+                      </m:r>
+                      <m:sSub>
+                        <m:e>
+                          <m:r>
+                            <a:rPr xmlns:a="http://schemas.openxmlformats.org/drawingml/2006/main" sz="1800" i="1">
+                              <a:solidFill>
+                                <a:srgbClr val="000000"/>
+                              </a:solidFill>
+                              <a:latin typeface="Cambria Math" panose="02040503050406030204" pitchFamily="18" charset="0"/>
+                            </a:rPr>
+                            <m:t>h</m:t>
+                          </m:r>
+                        </m:e>
+                        <m:sub>
+                          <m:r>
+                            <a:rPr xmlns:a="http://schemas.openxmlformats.org/drawingml/2006/main" sz="1800" i="1">
+                              <a:solidFill>
+                                <a:srgbClr val="000000"/>
+                              </a:solidFill>
+                              <a:latin typeface="Cambria Math" panose="02040503050406030204" pitchFamily="18" charset="0"/>
+                            </a:rPr>
+                            <m:t>θ</m:t>
+                          </m:r>
+                        </m:sub>
+                      </m:sSub>
+                      <m:r>
+                        <a:rPr xmlns:a="http://schemas.openxmlformats.org/drawingml/2006/main" sz="1800" i="1">
+                          <a:solidFill>
+                            <a:srgbClr val="000000"/>
+                          </a:solidFill>
+                          <a:latin typeface="Cambria Math" panose="02040503050406030204" pitchFamily="18" charset="0"/>
+                        </a:rPr>
+                        <m:t>(</m:t>
+                      </m:r>
+                      <m:sSub>
+                        <m:e>
+                          <m:r>
+                            <a:rPr xmlns:a="http://schemas.openxmlformats.org/drawingml/2006/main" sz="1800" i="1">
+                              <a:solidFill>
+                                <a:srgbClr val="000000"/>
+                              </a:solidFill>
+                              <a:latin typeface="Cambria Math" panose="02040503050406030204" pitchFamily="18" charset="0"/>
+                            </a:rPr>
+                            <m:t>x</m:t>
+                          </m:r>
+                        </m:e>
+                        <m:sub>
+                          <m:r>
+                            <a:rPr xmlns:a="http://schemas.openxmlformats.org/drawingml/2006/main" sz="1800" i="1">
+                              <a:solidFill>
+                                <a:srgbClr val="000000"/>
+                              </a:solidFill>
+                              <a:latin typeface="Cambria Math" panose="02040503050406030204" pitchFamily="18" charset="0"/>
+                            </a:rPr>
+                            <m:t>i</m:t>
+                          </m:r>
+                        </m:sub>
+                      </m:sSub>
+                      <m:r>
+                        <a:rPr xmlns:a="http://schemas.openxmlformats.org/drawingml/2006/main" sz="1800" i="1">
+                          <a:solidFill>
+                            <a:srgbClr val="000000"/>
+                          </a:solidFill>
+                          <a:latin typeface="Cambria Math" panose="02040503050406030204" pitchFamily="18" charset="0"/>
+                        </a:rPr>
+                        <m:t>)</m:t>
+                      </m:r>
+                      <m:r>
+                        <a:rPr xmlns:a="http://schemas.openxmlformats.org/drawingml/2006/main" sz="1800" i="1">
+                          <a:solidFill>
+                            <a:srgbClr val="000000"/>
+                          </a:solidFill>
+                          <a:latin typeface="Cambria Math" panose="02040503050406030204" pitchFamily="18" charset="0"/>
+                        </a:rPr>
+                        <m:t>)</m:t>
+                      </m:r>
+                    </m:e>
+                  </m:d>
+                </m:oMath>
+              </m:oMathPara>
+            </a14:m>
+          </a:p>
+        </p:txBody>
+      </p:sp>
+      <p:sp>
+        <p:nvSpPr>
+          <p:cNvPr id="931" name="TextBox 19"/>
+          <p:cNvSpPr txBox="1"/>
+          <p:nvPr/>
+        </p:nvSpPr>
+        <p:spPr>
+          <a:xfrm>
+            <a:off x="426719" y="285750"/>
+            <a:ext cx="8482739" cy="459741"/>
+          </a:xfrm>
+          <a:prstGeom prst="rect">
+            <a:avLst/>
+          </a:prstGeom>
+          <a:ln w="12700">
+            <a:miter lim="400000"/>
+          </a:ln>
+          <a:extLst>
+            <a:ext uri="{C572A759-6A51-4108-AA02-DFA0A04FC94B}">
+              <ma14:wrappingTextBoxFlag xmlns:ma14="http://schemas.microsoft.com/office/mac/drawingml/2011/main" val="1"/>
+            </a:ext>
+          </a:extLst>
+        </p:spPr>
+        <p:txBody>
+          <a:bodyPr lIns="45719" rIns="45719">
+            <a:spAutoFit/>
+          </a:bodyPr>
+          <a:lstStyle/>
+          <a:p>
+            <a:pPr>
+              <a:defRPr sz="2400"/>
+            </a:pPr>
+            <a:r>
+              <a:t>Negative log likelihood is equal to </a:t>
+            </a:r>
+            <a:r>
+              <a:rPr b="1"/>
+              <a:t>binary cross entropy</a:t>
+            </a:r>
+          </a:p>
+        </p:txBody>
+      </p:sp>
+      <p:sp>
+        <p:nvSpPr>
+          <p:cNvPr id="932" name="Equation"/>
+          <p:cNvSpPr txBox="1"/>
+          <p:nvPr/>
+        </p:nvSpPr>
+        <p:spPr>
+          <a:xfrm>
+            <a:off x="4443652" y="3596036"/>
+            <a:ext cx="3241048" cy="715402"/>
+          </a:xfrm>
+          <a:prstGeom prst="rect">
+            <a:avLst/>
+          </a:prstGeom>
+          <a:ln w="12700">
+            <a:miter lim="400000"/>
+          </a:ln>
+        </p:spPr>
+        <p:txBody>
+          <a:bodyPr wrap="none" lIns="0" tIns="0" rIns="0" bIns="0">
+            <a:spAutoFit/>
+          </a:bodyPr>
+          <a:lstStyle/>
+          <a:p>
+            <a:pPr latinLnBrk="1"/>
+            <a14:m>
+              <m:oMathPara>
+                <m:oMathParaPr>
+                  <m:jc m:val="centerGroup"/>
+                </m:oMathParaPr>
+                <m:oMath>
+                  <m:r>
+                    <m:rPr>
+                      <m:nor/>
+                    </m:rPr>
+                    <a:rPr xmlns:a="http://schemas.openxmlformats.org/drawingml/2006/main" sz="2100" i="1">
+                      <a:solidFill>
+                        <a:srgbClr val="000000"/>
+                      </a:solidFill>
+                      <a:latin typeface="Cambria Math" panose="02040503050406030204" pitchFamily="18" charset="0"/>
+                    </a:rPr>
+                    <m:t>NLL</m:t>
+                  </m:r>
+                  <m:r>
+                    <a:rPr xmlns:a="http://schemas.openxmlformats.org/drawingml/2006/main" sz="2100" i="1">
+                      <a:solidFill>
+                        <a:srgbClr val="000000"/>
+                      </a:solidFill>
+                      <a:latin typeface="Cambria Math" panose="02040503050406030204" pitchFamily="18" charset="0"/>
+                    </a:rPr>
+                    <m:t>(</m:t>
+                  </m:r>
+                  <m:r>
+                    <a:rPr xmlns:a="http://schemas.openxmlformats.org/drawingml/2006/main" sz="2100" i="1">
+                      <a:solidFill>
+                        <a:srgbClr val="000000"/>
+                      </a:solidFill>
+                      <a:latin typeface="Cambria Math" panose="02040503050406030204" pitchFamily="18" charset="0"/>
+                    </a:rPr>
+                    <m:t>θ</m:t>
+                  </m:r>
+                  <m:r>
+                    <a:rPr xmlns:a="http://schemas.openxmlformats.org/drawingml/2006/main" sz="2100" i="1">
+                      <a:solidFill>
+                        <a:srgbClr val="000000"/>
+                      </a:solidFill>
+                      <a:latin typeface="Cambria Math" panose="02040503050406030204" pitchFamily="18" charset="0"/>
+                    </a:rPr>
+                    <m:t>)</m:t>
+                  </m:r>
+                  <m:r>
+                    <a:rPr xmlns:a="http://schemas.openxmlformats.org/drawingml/2006/main" sz="2100" i="1">
+                      <a:solidFill>
+                        <a:srgbClr val="000000"/>
+                      </a:solidFill>
+                      <a:latin typeface="Cambria Math" panose="02040503050406030204" pitchFamily="18" charset="0"/>
+                    </a:rPr>
+                    <m:t>=</m:t>
+                  </m:r>
+                  <m:r>
+                    <a:rPr xmlns:a="http://schemas.openxmlformats.org/drawingml/2006/main" sz="2100" i="1">
+                      <a:solidFill>
+                        <a:srgbClr val="000000"/>
+                      </a:solidFill>
+                      <a:latin typeface="Cambria Math" panose="02040503050406030204" pitchFamily="18" charset="0"/>
+                    </a:rPr>
+                    <m:t>-</m:t>
+                  </m:r>
+                  <m:f>
+                    <m:fPr>
+                      <m:ctrlPr>
+                        <a:rPr xmlns:a="http://schemas.openxmlformats.org/drawingml/2006/main" sz="2100" i="1">
+                          <a:solidFill>
+                            <a:srgbClr val="000000"/>
+                          </a:solidFill>
+                          <a:latin typeface="Cambria Math" panose="02040503050406030204" pitchFamily="18" charset="0"/>
+                        </a:rPr>
+                      </m:ctrlPr>
+                      <m:type m:val="bar"/>
+                    </m:fPr>
+                    <m:num>
+                      <m:r>
+                        <a:rPr xmlns:a="http://schemas.openxmlformats.org/drawingml/2006/main" sz="2100" i="1">
+                          <a:solidFill>
+                            <a:srgbClr val="000000"/>
+                          </a:solidFill>
+                          <a:latin typeface="Cambria Math" panose="02040503050406030204" pitchFamily="18" charset="0"/>
+                        </a:rPr>
+                        <m:t>1</m:t>
+                      </m:r>
+                    </m:num>
+                    <m:den>
+                      <m:r>
+                        <a:rPr xmlns:a="http://schemas.openxmlformats.org/drawingml/2006/main" sz="2100" i="1">
+                          <a:solidFill>
+                            <a:srgbClr val="000000"/>
+                          </a:solidFill>
+                          <a:latin typeface="Cambria Math" panose="02040503050406030204" pitchFamily="18" charset="0"/>
+                        </a:rPr>
+                        <m:t>m</m:t>
+                      </m:r>
+                    </m:den>
+                  </m:f>
+                  <m:limUpp>
+                    <m:e>
+                      <m:limLow>
+                        <m:e>
+                          <m:r>
+                            <a:rPr xmlns:a="http://schemas.openxmlformats.org/drawingml/2006/main" sz="2100" i="1">
+                              <a:solidFill>
+                                <a:srgbClr val="000000"/>
+                              </a:solidFill>
+                              <a:latin typeface="Cambria Math" panose="02040503050406030204" pitchFamily="18" charset="0"/>
+                            </a:rPr>
+                            <m:t>∑</m:t>
+                          </m:r>
+                        </m:e>
+                        <m:lim>
+                          <m:r>
+                            <a:rPr xmlns:a="http://schemas.openxmlformats.org/drawingml/2006/main" sz="2100" i="1">
+                              <a:solidFill>
+                                <a:srgbClr val="000000"/>
+                              </a:solidFill>
+                              <a:latin typeface="Cambria Math" panose="02040503050406030204" pitchFamily="18" charset="0"/>
+                            </a:rPr>
+                            <m:t>i</m:t>
+                          </m:r>
+                        </m:lim>
+                      </m:limLow>
+                    </m:e>
+                    <m:lim>
+                      <m:r>
+                        <a:rPr xmlns:a="http://schemas.openxmlformats.org/drawingml/2006/main" sz="2100" i="1">
+                          <a:solidFill>
+                            <a:srgbClr val="000000"/>
+                          </a:solidFill>
+                          <a:latin typeface="Cambria Math" panose="02040503050406030204" pitchFamily="18" charset="0"/>
+                        </a:rPr>
+                        <m:t>m</m:t>
+                      </m:r>
+                    </m:lim>
+                  </m:limUpp>
+                  <m:r>
+                    <m:rPr>
+                      <m:sty m:val="p"/>
+                      <m:scr m:val="double-struck"/>
+                    </m:rPr>
+                    <a:rPr xmlns:a="http://schemas.openxmlformats.org/drawingml/2006/main" sz="2100" i="1">
+                      <a:solidFill>
+                        <a:srgbClr val="000000"/>
+                      </a:solidFill>
+                      <a:latin typeface="Cambria Math" panose="02040503050406030204" pitchFamily="18" charset="0"/>
+                    </a:rPr>
+                    <m:t>H</m:t>
+                  </m:r>
+                  <m:r>
+                    <a:rPr xmlns:a="http://schemas.openxmlformats.org/drawingml/2006/main" sz="2100" i="1">
+                      <a:solidFill>
+                        <a:srgbClr val="000000"/>
+                      </a:solidFill>
+                      <a:latin typeface="Cambria Math" panose="02040503050406030204" pitchFamily="18" charset="0"/>
+                    </a:rPr>
+                    <m:t>(</m:t>
+                  </m:r>
+                  <m:sSub>
+                    <m:e>
+                      <m:r>
+                        <a:rPr xmlns:a="http://schemas.openxmlformats.org/drawingml/2006/main" sz="2100" i="1">
+                          <a:solidFill>
+                            <a:srgbClr val="000000"/>
+                          </a:solidFill>
+                          <a:latin typeface="Cambria Math" panose="02040503050406030204" pitchFamily="18" charset="0"/>
+                        </a:rPr>
+                        <m:t>y</m:t>
+                      </m:r>
+                    </m:e>
+                    <m:sub>
+                      <m:r>
+                        <a:rPr xmlns:a="http://schemas.openxmlformats.org/drawingml/2006/main" sz="2100" i="1">
+                          <a:solidFill>
+                            <a:srgbClr val="000000"/>
+                          </a:solidFill>
+                          <a:latin typeface="Cambria Math" panose="02040503050406030204" pitchFamily="18" charset="0"/>
+                        </a:rPr>
+                        <m:t>i</m:t>
+                      </m:r>
+                    </m:sub>
+                  </m:sSub>
+                  <m:r>
+                    <a:rPr xmlns:a="http://schemas.openxmlformats.org/drawingml/2006/main" sz="2100" i="1">
+                      <a:solidFill>
+                        <a:srgbClr val="000000"/>
+                      </a:solidFill>
+                      <a:latin typeface="Cambria Math" panose="02040503050406030204" pitchFamily="18" charset="0"/>
+                    </a:rPr>
+                    <m:t>,</m:t>
+                  </m:r>
+                  <m:sSub>
+                    <m:e>
+                      <m:r>
+                        <a:rPr xmlns:a="http://schemas.openxmlformats.org/drawingml/2006/main" sz="2100" i="1">
+                          <a:solidFill>
+                            <a:srgbClr val="000000"/>
+                          </a:solidFill>
+                          <a:latin typeface="Cambria Math" panose="02040503050406030204" pitchFamily="18" charset="0"/>
+                        </a:rPr>
+                        <m:t>h</m:t>
+                      </m:r>
+                    </m:e>
+                    <m:sub>
+                      <m:r>
+                        <a:rPr xmlns:a="http://schemas.openxmlformats.org/drawingml/2006/main" sz="2100" i="1">
+                          <a:solidFill>
+                            <a:srgbClr val="000000"/>
+                          </a:solidFill>
+                          <a:latin typeface="Cambria Math" panose="02040503050406030204" pitchFamily="18" charset="0"/>
+                        </a:rPr>
+                        <m:t>θ</m:t>
+                      </m:r>
+                    </m:sub>
+                  </m:sSub>
+                  <m:r>
+                    <a:rPr xmlns:a="http://schemas.openxmlformats.org/drawingml/2006/main" sz="2100" i="1">
+                      <a:solidFill>
+                        <a:srgbClr val="000000"/>
+                      </a:solidFill>
+                      <a:latin typeface="Cambria Math" panose="02040503050406030204" pitchFamily="18" charset="0"/>
+                    </a:rPr>
+                    <m:t>(</m:t>
+                  </m:r>
+                  <m:sSub>
+                    <m:e>
+                      <m:r>
+                        <a:rPr xmlns:a="http://schemas.openxmlformats.org/drawingml/2006/main" sz="2100" i="1">
+                          <a:solidFill>
+                            <a:srgbClr val="000000"/>
+                          </a:solidFill>
+                          <a:latin typeface="Cambria Math" panose="02040503050406030204" pitchFamily="18" charset="0"/>
+                        </a:rPr>
+                        <m:t>x</m:t>
+                      </m:r>
+                    </m:e>
+                    <m:sub>
+                      <m:r>
+                        <a:rPr xmlns:a="http://schemas.openxmlformats.org/drawingml/2006/main" sz="2100" i="1">
+                          <a:solidFill>
+                            <a:srgbClr val="000000"/>
+                          </a:solidFill>
+                          <a:latin typeface="Cambria Math" panose="02040503050406030204" pitchFamily="18" charset="0"/>
+                        </a:rPr>
+                        <m:t>i</m:t>
+                      </m:r>
+                    </m:sub>
+                  </m:sSub>
+                  <m:r>
+                    <a:rPr xmlns:a="http://schemas.openxmlformats.org/drawingml/2006/main" sz="2100" i="1">
+                      <a:solidFill>
+                        <a:srgbClr val="000000"/>
+                      </a:solidFill>
+                      <a:latin typeface="Cambria Math" panose="02040503050406030204" pitchFamily="18" charset="0"/>
+                    </a:rPr>
+                    <m:t>)</m:t>
+                  </m:r>
+                  <m:r>
+                    <a:rPr xmlns:a="http://schemas.openxmlformats.org/drawingml/2006/main" sz="2100" i="1">
+                      <a:solidFill>
+                        <a:srgbClr val="000000"/>
+                      </a:solidFill>
+                      <a:latin typeface="Cambria Math" panose="02040503050406030204" pitchFamily="18" charset="0"/>
+                    </a:rPr>
+                    <m:t>)</m:t>
+                  </m:r>
+                </m:oMath>
+              </m:oMathPara>
+            </a14:m>
+            <a:endParaRPr sz="2100"/>
+          </a:p>
+        </p:txBody>
+      </p:sp>
+      <p:sp>
+        <p:nvSpPr>
+          <p:cNvPr id="933" name="Equation"/>
+          <p:cNvSpPr txBox="1"/>
+          <p:nvPr/>
+        </p:nvSpPr>
+        <p:spPr>
+          <a:xfrm>
+            <a:off x="4462524" y="4351208"/>
+            <a:ext cx="4563341" cy="545069"/>
+          </a:xfrm>
+          <a:prstGeom prst="rect">
+            <a:avLst/>
+          </a:prstGeom>
+          <a:ln w="12700">
+            <a:miter lim="400000"/>
+          </a:ln>
+        </p:spPr>
+        <p:txBody>
+          <a:bodyPr wrap="none" lIns="0" tIns="0" rIns="0" bIns="0">
+            <a:spAutoFit/>
+          </a:bodyPr>
+          <a:lstStyle/>
+          <a:p>
+            <a:pPr latinLnBrk="1"/>
+            <a14:m>
+              <m:oMathPara>
+                <m:oMathParaPr>
+                  <m:jc m:val="centerGroup"/>
+                </m:oMathParaPr>
+                <m:oMath>
+                  <m:r>
+                    <m:rPr>
+                      <m:nor/>
+                    </m:rPr>
+                    <a:rPr xmlns:a="http://schemas.openxmlformats.org/drawingml/2006/main" sz="1600" i="1">
+                      <a:solidFill>
+                        <a:srgbClr val="000000"/>
+                      </a:solidFill>
+                      <a:latin typeface="Cambria Math" panose="02040503050406030204" pitchFamily="18" charset="0"/>
+                    </a:rPr>
+                    <m:t>NLL</m:t>
+                  </m:r>
+                  <m:r>
+                    <a:rPr xmlns:a="http://schemas.openxmlformats.org/drawingml/2006/main" sz="1600" i="1">
+                      <a:solidFill>
+                        <a:srgbClr val="000000"/>
+                      </a:solidFill>
+                      <a:latin typeface="Cambria Math" panose="02040503050406030204" pitchFamily="18" charset="0"/>
+                    </a:rPr>
+                    <m:t>(</m:t>
+                  </m:r>
+                  <m:r>
+                    <a:rPr xmlns:a="http://schemas.openxmlformats.org/drawingml/2006/main" sz="1600" i="1">
+                      <a:solidFill>
+                        <a:srgbClr val="000000"/>
+                      </a:solidFill>
+                      <a:latin typeface="Cambria Math" panose="02040503050406030204" pitchFamily="18" charset="0"/>
+                    </a:rPr>
+                    <m:t>θ</m:t>
+                  </m:r>
+                  <m:r>
+                    <a:rPr xmlns:a="http://schemas.openxmlformats.org/drawingml/2006/main" sz="1600" i="1">
+                      <a:solidFill>
+                        <a:srgbClr val="000000"/>
+                      </a:solidFill>
+                      <a:latin typeface="Cambria Math" panose="02040503050406030204" pitchFamily="18" charset="0"/>
+                    </a:rPr>
+                    <m:t>)</m:t>
+                  </m:r>
+                  <m:r>
+                    <a:rPr xmlns:a="http://schemas.openxmlformats.org/drawingml/2006/main" sz="1600" i="1">
+                      <a:solidFill>
+                        <a:srgbClr val="000000"/>
+                      </a:solidFill>
+                      <a:latin typeface="Cambria Math" panose="02040503050406030204" pitchFamily="18" charset="0"/>
+                    </a:rPr>
+                    <m:t>=</m:t>
+                  </m:r>
+                  <m:r>
+                    <a:rPr xmlns:a="http://schemas.openxmlformats.org/drawingml/2006/main" sz="1600" i="1">
+                      <a:solidFill>
+                        <a:srgbClr val="000000"/>
+                      </a:solidFill>
+                      <a:latin typeface="Cambria Math" panose="02040503050406030204" pitchFamily="18" charset="0"/>
+                    </a:rPr>
+                    <m:t>-</m:t>
+                  </m:r>
+                  <m:f>
+                    <m:fPr>
+                      <m:ctrlPr>
+                        <a:rPr xmlns:a="http://schemas.openxmlformats.org/drawingml/2006/main" sz="1600" i="1">
+                          <a:solidFill>
+                            <a:srgbClr val="000000"/>
+                          </a:solidFill>
+                          <a:latin typeface="Cambria Math" panose="02040503050406030204" pitchFamily="18" charset="0"/>
+                        </a:rPr>
+                      </m:ctrlPr>
+                      <m:type m:val="bar"/>
+                    </m:fPr>
+                    <m:num>
+                      <m:r>
+                        <a:rPr xmlns:a="http://schemas.openxmlformats.org/drawingml/2006/main" sz="1600" i="1">
+                          <a:solidFill>
+                            <a:srgbClr val="000000"/>
+                          </a:solidFill>
+                          <a:latin typeface="Cambria Math" panose="02040503050406030204" pitchFamily="18" charset="0"/>
+                        </a:rPr>
+                        <m:t>1</m:t>
+                      </m:r>
+                    </m:num>
+                    <m:den>
+                      <m:r>
+                        <a:rPr xmlns:a="http://schemas.openxmlformats.org/drawingml/2006/main" sz="1600" i="1">
+                          <a:solidFill>
+                            <a:srgbClr val="000000"/>
+                          </a:solidFill>
+                          <a:latin typeface="Cambria Math" panose="02040503050406030204" pitchFamily="18" charset="0"/>
+                        </a:rPr>
+                        <m:t>m</m:t>
+                      </m:r>
+                    </m:den>
+                  </m:f>
+                  <m:limUpp>
+                    <m:e>
+                      <m:limLow>
+                        <m:e>
+                          <m:r>
+                            <a:rPr xmlns:a="http://schemas.openxmlformats.org/drawingml/2006/main" sz="1600" i="1">
+                              <a:solidFill>
+                                <a:srgbClr val="000000"/>
+                              </a:solidFill>
+                              <a:latin typeface="Cambria Math" panose="02040503050406030204" pitchFamily="18" charset="0"/>
+                            </a:rPr>
+                            <m:t>∑</m:t>
+                          </m:r>
+                        </m:e>
+                        <m:lim>
+                          <m:r>
+                            <a:rPr xmlns:a="http://schemas.openxmlformats.org/drawingml/2006/main" sz="1600" i="1">
+                              <a:solidFill>
+                                <a:srgbClr val="000000"/>
+                              </a:solidFill>
+                              <a:latin typeface="Cambria Math" panose="02040503050406030204" pitchFamily="18" charset="0"/>
+                            </a:rPr>
+                            <m:t>i</m:t>
+                          </m:r>
+                        </m:lim>
+                      </m:limLow>
+                    </m:e>
+                    <m:lim>
+                      <m:r>
+                        <a:rPr xmlns:a="http://schemas.openxmlformats.org/drawingml/2006/main" sz="1600" i="1">
+                          <a:solidFill>
+                            <a:srgbClr val="000000"/>
+                          </a:solidFill>
+                          <a:latin typeface="Cambria Math" panose="02040503050406030204" pitchFamily="18" charset="0"/>
+                        </a:rPr>
+                        <m:t>m</m:t>
+                      </m:r>
+                    </m:lim>
+                  </m:limUpp>
+                  <m:d>
+                    <m:dPr>
+                      <m:ctrlPr>
+                        <a:rPr xmlns:a="http://schemas.openxmlformats.org/drawingml/2006/main" sz="1600" i="1">
+                          <a:solidFill>
+                            <a:srgbClr val="000000"/>
+                          </a:solidFill>
+                          <a:latin typeface="Cambria Math" panose="02040503050406030204" pitchFamily="18" charset="0"/>
+                        </a:rPr>
+                      </m:ctrlPr>
+                      <m:begChr m:val="["/>
+                      <m:endChr m:val="]"/>
+                    </m:dPr>
+                    <m:e>
+                      <m:sSub>
+                        <m:e>
+                          <m:r>
+                            <a:rPr xmlns:a="http://schemas.openxmlformats.org/drawingml/2006/main" sz="1600" i="1">
+                              <a:solidFill>
+                                <a:srgbClr val="000000"/>
+                              </a:solidFill>
+                              <a:latin typeface="Cambria Math" panose="02040503050406030204" pitchFamily="18" charset="0"/>
+                            </a:rPr>
+                            <m:t>y</m:t>
+                          </m:r>
+                        </m:e>
+                        <m:sub>
+                          <m:r>
+                            <a:rPr xmlns:a="http://schemas.openxmlformats.org/drawingml/2006/main" sz="1600" i="1">
+                              <a:solidFill>
+                                <a:srgbClr val="000000"/>
+                              </a:solidFill>
+                              <a:latin typeface="Cambria Math" panose="02040503050406030204" pitchFamily="18" charset="0"/>
+                            </a:rPr>
+                            <m:t>i</m:t>
+                          </m:r>
+                        </m:sub>
+                      </m:sSub>
+                      <m:r>
+                        <m:rPr>
+                          <m:sty m:val="p"/>
+                        </m:rPr>
+                        <a:rPr xmlns:a="http://schemas.openxmlformats.org/drawingml/2006/main" sz="1600" i="1">
+                          <a:solidFill>
+                            <a:srgbClr val="000000"/>
+                          </a:solidFill>
+                          <a:latin typeface="Cambria Math" panose="02040503050406030204" pitchFamily="18" charset="0"/>
+                        </a:rPr>
+                        <m:t>log</m:t>
+                      </m:r>
+                      <m:sSub>
+                        <m:e>
+                          <m:r>
+                            <a:rPr xmlns:a="http://schemas.openxmlformats.org/drawingml/2006/main" sz="1600" i="1">
+                              <a:solidFill>
+                                <a:srgbClr val="000000"/>
+                              </a:solidFill>
+                              <a:latin typeface="Cambria Math" panose="02040503050406030204" pitchFamily="18" charset="0"/>
+                            </a:rPr>
+                            <m:t>h</m:t>
+                          </m:r>
+                        </m:e>
+                        <m:sub>
+                          <m:r>
+                            <a:rPr xmlns:a="http://schemas.openxmlformats.org/drawingml/2006/main" sz="1600" i="1">
+                              <a:solidFill>
+                                <a:srgbClr val="000000"/>
+                              </a:solidFill>
+                              <a:latin typeface="Cambria Math" panose="02040503050406030204" pitchFamily="18" charset="0"/>
+                            </a:rPr>
+                            <m:t>θ</m:t>
+                          </m:r>
+                        </m:sub>
+                      </m:sSub>
+                      <m:r>
+                        <a:rPr xmlns:a="http://schemas.openxmlformats.org/drawingml/2006/main" sz="1600" i="1">
+                          <a:solidFill>
+                            <a:srgbClr val="000000"/>
+                          </a:solidFill>
+                          <a:latin typeface="Cambria Math" panose="02040503050406030204" pitchFamily="18" charset="0"/>
+                        </a:rPr>
+                        <m:t>(</m:t>
+                      </m:r>
+                      <m:sSub>
+                        <m:e>
+                          <m:r>
+                            <a:rPr xmlns:a="http://schemas.openxmlformats.org/drawingml/2006/main" sz="1600" i="1">
+                              <a:solidFill>
+                                <a:srgbClr val="000000"/>
+                              </a:solidFill>
+                              <a:latin typeface="Cambria Math" panose="02040503050406030204" pitchFamily="18" charset="0"/>
+                            </a:rPr>
+                            <m:t>x</m:t>
+                          </m:r>
+                        </m:e>
+                        <m:sub>
+                          <m:r>
+                            <a:rPr xmlns:a="http://schemas.openxmlformats.org/drawingml/2006/main" sz="1600" i="1">
+                              <a:solidFill>
+                                <a:srgbClr val="000000"/>
+                              </a:solidFill>
+                              <a:latin typeface="Cambria Math" panose="02040503050406030204" pitchFamily="18" charset="0"/>
+                            </a:rPr>
+                            <m:t>i</m:t>
+                          </m:r>
+                        </m:sub>
+                      </m:sSub>
+                      <m:r>
+                        <a:rPr xmlns:a="http://schemas.openxmlformats.org/drawingml/2006/main" sz="1600" i="1">
+                          <a:solidFill>
+                            <a:srgbClr val="000000"/>
+                          </a:solidFill>
+                          <a:latin typeface="Cambria Math" panose="02040503050406030204" pitchFamily="18" charset="0"/>
+                        </a:rPr>
+                        <m:t>)</m:t>
+                      </m:r>
+                      <m:r>
+                        <a:rPr xmlns:a="http://schemas.openxmlformats.org/drawingml/2006/main" sz="1600" i="1">
+                          <a:solidFill>
+                            <a:srgbClr val="000000"/>
+                          </a:solidFill>
+                          <a:latin typeface="Cambria Math" panose="02040503050406030204" pitchFamily="18" charset="0"/>
+                        </a:rPr>
+                        <m:t>+</m:t>
+                      </m:r>
+                      <m:r>
+                        <a:rPr xmlns:a="http://schemas.openxmlformats.org/drawingml/2006/main" sz="1600" i="1">
+                          <a:solidFill>
+                            <a:srgbClr val="000000"/>
+                          </a:solidFill>
+                          <a:latin typeface="Cambria Math" panose="02040503050406030204" pitchFamily="18" charset="0"/>
+                        </a:rPr>
+                        <m:t>(</m:t>
+                      </m:r>
+                      <m:r>
+                        <a:rPr xmlns:a="http://schemas.openxmlformats.org/drawingml/2006/main" sz="1600" i="1">
+                          <a:solidFill>
+                            <a:srgbClr val="000000"/>
+                          </a:solidFill>
+                          <a:latin typeface="Cambria Math" panose="02040503050406030204" pitchFamily="18" charset="0"/>
+                        </a:rPr>
+                        <m:t>1</m:t>
+                      </m:r>
+                      <m:r>
+                        <a:rPr xmlns:a="http://schemas.openxmlformats.org/drawingml/2006/main" sz="1600" i="1">
+                          <a:solidFill>
+                            <a:srgbClr val="000000"/>
+                          </a:solidFill>
+                          <a:latin typeface="Cambria Math" panose="02040503050406030204" pitchFamily="18" charset="0"/>
+                        </a:rPr>
+                        <m:t>-</m:t>
+                      </m:r>
+                      <m:sSub>
+                        <m:e>
+                          <m:r>
+                            <a:rPr xmlns:a="http://schemas.openxmlformats.org/drawingml/2006/main" sz="1600" i="1">
+                              <a:solidFill>
+                                <a:srgbClr val="000000"/>
+                              </a:solidFill>
+                              <a:latin typeface="Cambria Math" panose="02040503050406030204" pitchFamily="18" charset="0"/>
+                            </a:rPr>
+                            <m:t>y</m:t>
+                          </m:r>
+                        </m:e>
+                        <m:sub>
+                          <m:r>
+                            <a:rPr xmlns:a="http://schemas.openxmlformats.org/drawingml/2006/main" sz="1600" i="1">
+                              <a:solidFill>
+                                <a:srgbClr val="000000"/>
+                              </a:solidFill>
+                              <a:latin typeface="Cambria Math" panose="02040503050406030204" pitchFamily="18" charset="0"/>
+                            </a:rPr>
+                            <m:t>i</m:t>
+                          </m:r>
+                        </m:sub>
+                      </m:sSub>
+                      <m:r>
+                        <a:rPr xmlns:a="http://schemas.openxmlformats.org/drawingml/2006/main" sz="1600" i="1">
+                          <a:solidFill>
+                            <a:srgbClr val="000000"/>
+                          </a:solidFill>
+                          <a:latin typeface="Cambria Math" panose="02040503050406030204" pitchFamily="18" charset="0"/>
+                        </a:rPr>
+                        <m:t>)</m:t>
+                      </m:r>
+                      <m:r>
+                        <m:rPr>
+                          <m:sty m:val="p"/>
+                        </m:rPr>
+                        <a:rPr xmlns:a="http://schemas.openxmlformats.org/drawingml/2006/main" sz="1600" i="1">
+                          <a:solidFill>
+                            <a:srgbClr val="000000"/>
+                          </a:solidFill>
+                          <a:latin typeface="Cambria Math" panose="02040503050406030204" pitchFamily="18" charset="0"/>
+                        </a:rPr>
+                        <m:t>log</m:t>
+                      </m:r>
+                      <m:r>
+                        <a:rPr xmlns:a="http://schemas.openxmlformats.org/drawingml/2006/main" sz="1600" i="1">
+                          <a:solidFill>
+                            <a:srgbClr val="000000"/>
+                          </a:solidFill>
+                          <a:latin typeface="Cambria Math" panose="02040503050406030204" pitchFamily="18" charset="0"/>
+                        </a:rPr>
+                        <m:t>(</m:t>
+                      </m:r>
+                      <m:r>
+                        <a:rPr xmlns:a="http://schemas.openxmlformats.org/drawingml/2006/main" sz="1600" i="1">
+                          <a:solidFill>
+                            <a:srgbClr val="000000"/>
+                          </a:solidFill>
+                          <a:latin typeface="Cambria Math" panose="02040503050406030204" pitchFamily="18" charset="0"/>
+                        </a:rPr>
+                        <m:t>1</m:t>
+                      </m:r>
+                      <m:r>
+                        <a:rPr xmlns:a="http://schemas.openxmlformats.org/drawingml/2006/main" sz="1600" i="1">
+                          <a:solidFill>
+                            <a:srgbClr val="000000"/>
+                          </a:solidFill>
+                          <a:latin typeface="Cambria Math" panose="02040503050406030204" pitchFamily="18" charset="0"/>
+                        </a:rPr>
+                        <m:t>-</m:t>
+                      </m:r>
+                      <m:sSub>
+                        <m:e>
+                          <m:r>
+                            <a:rPr xmlns:a="http://schemas.openxmlformats.org/drawingml/2006/main" sz="1600" i="1">
+                              <a:solidFill>
+                                <a:srgbClr val="000000"/>
+                              </a:solidFill>
+                              <a:latin typeface="Cambria Math" panose="02040503050406030204" pitchFamily="18" charset="0"/>
+                            </a:rPr>
+                            <m:t>h</m:t>
+                          </m:r>
+                        </m:e>
+                        <m:sub>
+                          <m:r>
+                            <a:rPr xmlns:a="http://schemas.openxmlformats.org/drawingml/2006/main" sz="1600" i="1">
+                              <a:solidFill>
+                                <a:srgbClr val="000000"/>
+                              </a:solidFill>
+                              <a:latin typeface="Cambria Math" panose="02040503050406030204" pitchFamily="18" charset="0"/>
+                            </a:rPr>
+                            <m:t>θ</m:t>
+                          </m:r>
+                        </m:sub>
+                      </m:sSub>
+                      <m:r>
+                        <a:rPr xmlns:a="http://schemas.openxmlformats.org/drawingml/2006/main" sz="1600" i="1">
+                          <a:solidFill>
+                            <a:srgbClr val="000000"/>
+                          </a:solidFill>
+                          <a:latin typeface="Cambria Math" panose="02040503050406030204" pitchFamily="18" charset="0"/>
+                        </a:rPr>
+                        <m:t>(</m:t>
+                      </m:r>
+                      <m:sSub>
+                        <m:e>
+                          <m:r>
+                            <a:rPr xmlns:a="http://schemas.openxmlformats.org/drawingml/2006/main" sz="1600" i="1">
+                              <a:solidFill>
+                                <a:srgbClr val="000000"/>
+                              </a:solidFill>
+                              <a:latin typeface="Cambria Math" panose="02040503050406030204" pitchFamily="18" charset="0"/>
+                            </a:rPr>
+                            <m:t>x</m:t>
+                          </m:r>
+                        </m:e>
+                        <m:sub>
+                          <m:r>
+                            <a:rPr xmlns:a="http://schemas.openxmlformats.org/drawingml/2006/main" sz="1600" i="1">
+                              <a:solidFill>
+                                <a:srgbClr val="000000"/>
+                              </a:solidFill>
+                              <a:latin typeface="Cambria Math" panose="02040503050406030204" pitchFamily="18" charset="0"/>
+                            </a:rPr>
+                            <m:t>i</m:t>
+                          </m:r>
+                        </m:sub>
+                      </m:sSub>
+                      <m:r>
+                        <a:rPr xmlns:a="http://schemas.openxmlformats.org/drawingml/2006/main" sz="1600" i="1">
+                          <a:solidFill>
+                            <a:srgbClr val="000000"/>
+                          </a:solidFill>
+                          <a:latin typeface="Cambria Math" panose="02040503050406030204" pitchFamily="18" charset="0"/>
+                        </a:rPr>
+                        <m:t>)</m:t>
+                      </m:r>
+                      <m:r>
+                        <a:rPr xmlns:a="http://schemas.openxmlformats.org/drawingml/2006/main" sz="1600" i="1">
+                          <a:solidFill>
+                            <a:srgbClr val="000000"/>
+                          </a:solidFill>
+                          <a:latin typeface="Cambria Math" panose="02040503050406030204" pitchFamily="18" charset="0"/>
+                        </a:rPr>
+                        <m:t>)</m:t>
+                      </m:r>
+                    </m:e>
+                  </m:d>
+                </m:oMath>
+              </m:oMathPara>
+            </a14:m>
+            <a:endParaRPr sz="1600"/>
+          </a:p>
+        </p:txBody>
+      </p:sp>
+      <p:sp>
+        <p:nvSpPr>
+          <p:cNvPr id="934" name="Equation"/>
+          <p:cNvSpPr txBox="1"/>
+          <p:nvPr/>
+        </p:nvSpPr>
+        <p:spPr>
+          <a:xfrm>
+            <a:off x="4521115" y="1640885"/>
+            <a:ext cx="4109279" cy="421768"/>
+          </a:xfrm>
+          <a:prstGeom prst="rect">
+            <a:avLst/>
+          </a:prstGeom>
+          <a:ln w="12700">
+            <a:miter lim="400000"/>
+          </a:ln>
+        </p:spPr>
+        <p:txBody>
+          <a:bodyPr wrap="none" lIns="0" tIns="0" rIns="0" bIns="0">
+            <a:spAutoFit/>
+          </a:bodyPr>
+          <a:lstStyle/>
+          <a:p>
+            <a:pPr latinLnBrk="1"/>
+            <a14:m>
+              <m:oMathPara>
+                <m:oMathParaPr>
+                  <m:jc m:val="centerGroup"/>
+                </m:oMathParaPr>
+                <m:oMath>
+                  <m:r>
+                    <m:rPr>
+                      <m:sty m:val="p"/>
+                      <m:scr m:val="double-struck"/>
+                    </m:rPr>
+                    <a:rPr xmlns:a="http://schemas.openxmlformats.org/drawingml/2006/main" sz="1800" i="1">
+                      <a:solidFill>
+                        <a:srgbClr val="000000"/>
+                      </a:solidFill>
+                      <a:latin typeface="Cambria Math" panose="02040503050406030204" pitchFamily="18" charset="0"/>
+                    </a:rPr>
+                    <m:t>H</m:t>
+                  </m:r>
+                  <m:r>
+                    <a:rPr xmlns:a="http://schemas.openxmlformats.org/drawingml/2006/main" sz="1800" i="1">
+                      <a:solidFill>
+                        <a:srgbClr val="000000"/>
+                      </a:solidFill>
+                      <a:latin typeface="Cambria Math" panose="02040503050406030204" pitchFamily="18" charset="0"/>
+                    </a:rPr>
+                    <m:t>(</m:t>
+                  </m:r>
+                  <m:r>
+                    <a:rPr xmlns:a="http://schemas.openxmlformats.org/drawingml/2006/main" sz="1800" i="1">
+                      <a:solidFill>
+                        <a:srgbClr val="000000"/>
+                      </a:solidFill>
+                      <a:latin typeface="Cambria Math" panose="02040503050406030204" pitchFamily="18" charset="0"/>
+                    </a:rPr>
+                    <m:t>p</m:t>
+                  </m:r>
+                  <m:r>
+                    <a:rPr xmlns:a="http://schemas.openxmlformats.org/drawingml/2006/main" sz="1800" i="1">
+                      <a:solidFill>
+                        <a:srgbClr val="000000"/>
+                      </a:solidFill>
+                      <a:latin typeface="Cambria Math" panose="02040503050406030204" pitchFamily="18" charset="0"/>
+                    </a:rPr>
+                    <m:t>,</m:t>
+                  </m:r>
+                  <m:r>
+                    <a:rPr xmlns:a="http://schemas.openxmlformats.org/drawingml/2006/main" sz="1800" i="1">
+                      <a:solidFill>
+                        <a:srgbClr val="000000"/>
+                      </a:solidFill>
+                      <a:latin typeface="Cambria Math" panose="02040503050406030204" pitchFamily="18" charset="0"/>
+                    </a:rPr>
+                    <m:t>q</m:t>
+                  </m:r>
+                  <m:r>
+                    <a:rPr xmlns:a="http://schemas.openxmlformats.org/drawingml/2006/main" sz="1800" i="1">
+                      <a:solidFill>
+                        <a:srgbClr val="000000"/>
+                      </a:solidFill>
+                      <a:latin typeface="Cambria Math" panose="02040503050406030204" pitchFamily="18" charset="0"/>
+                    </a:rPr>
+                    <m:t>)</m:t>
+                  </m:r>
+                  <m:r>
+                    <a:rPr xmlns:a="http://schemas.openxmlformats.org/drawingml/2006/main" sz="1800" i="1">
+                      <a:solidFill>
+                        <a:srgbClr val="000000"/>
+                      </a:solidFill>
+                      <a:latin typeface="Cambria Math" panose="02040503050406030204" pitchFamily="18" charset="0"/>
+                    </a:rPr>
+                    <m:t>=</m:t>
+                  </m:r>
+                  <m:r>
+                    <a:rPr xmlns:a="http://schemas.openxmlformats.org/drawingml/2006/main" sz="1800" i="1">
+                      <a:solidFill>
+                        <a:srgbClr val="000000"/>
+                      </a:solidFill>
+                      <a:latin typeface="Cambria Math" panose="02040503050406030204" pitchFamily="18" charset="0"/>
+                    </a:rPr>
+                    <m:t>-</m:t>
+                  </m:r>
+                  <m:d>
+                    <m:dPr>
+                      <m:ctrlPr>
+                        <a:rPr xmlns:a="http://schemas.openxmlformats.org/drawingml/2006/main" sz="1800" i="1">
+                          <a:solidFill>
+                            <a:srgbClr val="000000"/>
+                          </a:solidFill>
+                          <a:latin typeface="Cambria Math" panose="02040503050406030204" pitchFamily="18" charset="0"/>
+                        </a:rPr>
+                      </m:ctrlPr>
+                      <m:begChr m:val="["/>
+                      <m:endChr m:val="]"/>
+                    </m:dPr>
+                    <m:e>
+                      <m:sSub>
+                        <m:e>
+                          <m:r>
+                            <a:rPr xmlns:a="http://schemas.openxmlformats.org/drawingml/2006/main" sz="1800" i="1">
+                              <a:solidFill>
+                                <a:srgbClr val="000000"/>
+                              </a:solidFill>
+                              <a:latin typeface="Cambria Math" panose="02040503050406030204" pitchFamily="18" charset="0"/>
+                            </a:rPr>
+                            <m:t>ψ</m:t>
+                          </m:r>
+                        </m:e>
+                        <m:sub>
+                          <m:r>
+                            <a:rPr xmlns:a="http://schemas.openxmlformats.org/drawingml/2006/main" sz="1800" i="1">
+                              <a:solidFill>
+                                <a:srgbClr val="000000"/>
+                              </a:solidFill>
+                              <a:latin typeface="Cambria Math" panose="02040503050406030204" pitchFamily="18" charset="0"/>
+                            </a:rPr>
+                            <m:t>p</m:t>
+                          </m:r>
+                        </m:sub>
+                      </m:sSub>
+                      <m:r>
+                        <m:rPr>
+                          <m:sty m:val="p"/>
+                        </m:rPr>
+                        <a:rPr xmlns:a="http://schemas.openxmlformats.org/drawingml/2006/main" sz="1800" i="1">
+                          <a:solidFill>
+                            <a:srgbClr val="000000"/>
+                          </a:solidFill>
+                          <a:latin typeface="Cambria Math" panose="02040503050406030204" pitchFamily="18" charset="0"/>
+                        </a:rPr>
+                        <m:t>log</m:t>
+                      </m:r>
+                      <m:sSub>
+                        <m:e>
+                          <m:r>
+                            <a:rPr xmlns:a="http://schemas.openxmlformats.org/drawingml/2006/main" sz="1800" i="1">
+                              <a:solidFill>
+                                <a:srgbClr val="000000"/>
+                              </a:solidFill>
+                              <a:latin typeface="Cambria Math" panose="02040503050406030204" pitchFamily="18" charset="0"/>
+                            </a:rPr>
+                            <m:t>ψ</m:t>
+                          </m:r>
+                        </m:e>
+                        <m:sub>
+                          <m:r>
+                            <a:rPr xmlns:a="http://schemas.openxmlformats.org/drawingml/2006/main" sz="1800" i="1">
+                              <a:solidFill>
+                                <a:srgbClr val="000000"/>
+                              </a:solidFill>
+                              <a:latin typeface="Cambria Math" panose="02040503050406030204" pitchFamily="18" charset="0"/>
+                            </a:rPr>
+                            <m:t>q</m:t>
+                          </m:r>
+                        </m:sub>
+                      </m:sSub>
+                      <m:r>
+                        <a:rPr xmlns:a="http://schemas.openxmlformats.org/drawingml/2006/main" sz="1800" i="1">
+                          <a:solidFill>
+                            <a:srgbClr val="000000"/>
+                          </a:solidFill>
+                          <a:latin typeface="Cambria Math" panose="02040503050406030204" pitchFamily="18" charset="0"/>
+                        </a:rPr>
+                        <m:t>+</m:t>
+                      </m:r>
+                      <m:r>
+                        <a:rPr xmlns:a="http://schemas.openxmlformats.org/drawingml/2006/main" sz="1800" i="1">
+                          <a:solidFill>
+                            <a:srgbClr val="000000"/>
+                          </a:solidFill>
+                          <a:latin typeface="Cambria Math" panose="02040503050406030204" pitchFamily="18" charset="0"/>
+                        </a:rPr>
+                        <m:t>(</m:t>
+                      </m:r>
+                      <m:r>
+                        <a:rPr xmlns:a="http://schemas.openxmlformats.org/drawingml/2006/main" sz="1800" i="1">
+                          <a:solidFill>
+                            <a:srgbClr val="000000"/>
+                          </a:solidFill>
+                          <a:latin typeface="Cambria Math" panose="02040503050406030204" pitchFamily="18" charset="0"/>
+                        </a:rPr>
+                        <m:t>1</m:t>
+                      </m:r>
+                      <m:r>
+                        <a:rPr xmlns:a="http://schemas.openxmlformats.org/drawingml/2006/main" sz="1800" i="1">
+                          <a:solidFill>
+                            <a:srgbClr val="000000"/>
+                          </a:solidFill>
+                          <a:latin typeface="Cambria Math" panose="02040503050406030204" pitchFamily="18" charset="0"/>
+                        </a:rPr>
+                        <m:t>-</m:t>
+                      </m:r>
+                      <m:sSub>
+                        <m:e>
+                          <m:r>
+                            <a:rPr xmlns:a="http://schemas.openxmlformats.org/drawingml/2006/main" sz="1800" i="1">
+                              <a:solidFill>
+                                <a:srgbClr val="000000"/>
+                              </a:solidFill>
+                              <a:latin typeface="Cambria Math" panose="02040503050406030204" pitchFamily="18" charset="0"/>
+                            </a:rPr>
+                            <m:t>ψ</m:t>
+                          </m:r>
+                        </m:e>
+                        <m:sub>
+                          <m:r>
+                            <a:rPr xmlns:a="http://schemas.openxmlformats.org/drawingml/2006/main" sz="1800" i="1">
+                              <a:solidFill>
+                                <a:srgbClr val="000000"/>
+                              </a:solidFill>
+                              <a:latin typeface="Cambria Math" panose="02040503050406030204" pitchFamily="18" charset="0"/>
+                            </a:rPr>
+                            <m:t>p</m:t>
+                          </m:r>
+                        </m:sub>
+                      </m:sSub>
+                      <m:r>
+                        <a:rPr xmlns:a="http://schemas.openxmlformats.org/drawingml/2006/main" sz="1800" i="1">
+                          <a:solidFill>
+                            <a:srgbClr val="000000"/>
+                          </a:solidFill>
+                          <a:latin typeface="Cambria Math" panose="02040503050406030204" pitchFamily="18" charset="0"/>
+                        </a:rPr>
+                        <m:t>)</m:t>
+                      </m:r>
+                      <m:r>
+                        <m:rPr>
+                          <m:sty m:val="p"/>
+                        </m:rPr>
+                        <a:rPr xmlns:a="http://schemas.openxmlformats.org/drawingml/2006/main" sz="1800" i="1">
+                          <a:solidFill>
+                            <a:srgbClr val="000000"/>
+                          </a:solidFill>
+                          <a:latin typeface="Cambria Math" panose="02040503050406030204" pitchFamily="18" charset="0"/>
+                        </a:rPr>
+                        <m:t>log</m:t>
+                      </m:r>
+                      <m:r>
+                        <a:rPr xmlns:a="http://schemas.openxmlformats.org/drawingml/2006/main" sz="1800" i="1">
+                          <a:solidFill>
+                            <a:srgbClr val="000000"/>
+                          </a:solidFill>
+                          <a:latin typeface="Cambria Math" panose="02040503050406030204" pitchFamily="18" charset="0"/>
+                        </a:rPr>
+                        <m:t>(</m:t>
+                      </m:r>
+                      <m:r>
+                        <a:rPr xmlns:a="http://schemas.openxmlformats.org/drawingml/2006/main" sz="1800" i="1">
+                          <a:solidFill>
+                            <a:srgbClr val="000000"/>
+                          </a:solidFill>
+                          <a:latin typeface="Cambria Math" panose="02040503050406030204" pitchFamily="18" charset="0"/>
+                        </a:rPr>
+                        <m:t>1</m:t>
+                      </m:r>
+                      <m:r>
+                        <a:rPr xmlns:a="http://schemas.openxmlformats.org/drawingml/2006/main" sz="1800" i="1">
+                          <a:solidFill>
+                            <a:srgbClr val="000000"/>
+                          </a:solidFill>
+                          <a:latin typeface="Cambria Math" panose="02040503050406030204" pitchFamily="18" charset="0"/>
+                        </a:rPr>
+                        <m:t>-</m:t>
+                      </m:r>
+                      <m:sSub>
+                        <m:e>
+                          <m:r>
+                            <a:rPr xmlns:a="http://schemas.openxmlformats.org/drawingml/2006/main" sz="1800" i="1">
+                              <a:solidFill>
+                                <a:srgbClr val="000000"/>
+                              </a:solidFill>
+                              <a:latin typeface="Cambria Math" panose="02040503050406030204" pitchFamily="18" charset="0"/>
+                            </a:rPr>
+                            <m:t>ψ</m:t>
+                          </m:r>
+                        </m:e>
+                        <m:sub>
+                          <m:r>
+                            <a:rPr xmlns:a="http://schemas.openxmlformats.org/drawingml/2006/main" sz="1800" i="1">
+                              <a:solidFill>
+                                <a:srgbClr val="000000"/>
+                              </a:solidFill>
+                              <a:latin typeface="Cambria Math" panose="02040503050406030204" pitchFamily="18" charset="0"/>
+                            </a:rPr>
+                            <m:t>q</m:t>
+                          </m:r>
+                        </m:sub>
+                      </m:sSub>
+                      <m:r>
+                        <a:rPr xmlns:a="http://schemas.openxmlformats.org/drawingml/2006/main" sz="1800" i="1">
+                          <a:solidFill>
+                            <a:srgbClr val="000000"/>
+                          </a:solidFill>
+                          <a:latin typeface="Cambria Math" panose="02040503050406030204" pitchFamily="18" charset="0"/>
+                        </a:rPr>
+                        <m:t>)</m:t>
+                      </m:r>
+                    </m:e>
+                  </m:d>
+                </m:oMath>
+              </m:oMathPara>
+            </a14:m>
+          </a:p>
+        </p:txBody>
+      </p:sp>
+    </p:spTree>
+  </p:cSld>
+  <p:clrMapOvr>
+    <a:masterClrMapping/>
+  </p:clrMapOvr>
+  <p:transition xmlns:p14="http://schemas.microsoft.com/office/powerpoint/2010/main" spd="med" advClick="1"/>
+</p:sld>
+</file>
+
+<file path=ppt/slides/slide26.xml><?xml version="1.0" encoding="utf-8"?>
+<p:sld xmlns:a="http://schemas.openxmlformats.org/drawingml/2006/main" xmlns:r="http://schemas.openxmlformats.org/officeDocument/2006/relationships" xmlns:p="http://schemas.openxmlformats.org/presentationml/2006/main" xmlns:m="http://schemas.openxmlformats.org/officeDocument/2006/math" xmlns:a14="http://schemas.microsoft.com/office/drawing/2010/main" showMasterSp="1" showMasterPhAnim="1">
+  <p:cSld>
+    <p:spTree>
+      <p:nvGrpSpPr>
+        <p:cNvPr id="1" name=""/>
+        <p:cNvGrpSpPr/>
+        <p:nvPr/>
+      </p:nvGrpSpPr>
+      <p:grpSpPr>
+        <a:xfrm>
+          <a:off x="0" y="0"/>
+          <a:ext cx="0" cy="0"/>
+          <a:chOff x="0" y="0"/>
+          <a:chExt cx="0" cy="0"/>
+        </a:xfrm>
+      </p:grpSpPr>
+      <p:sp>
+        <p:nvSpPr>
+          <p:cNvPr id="936" name="TextBox 19"/>
+          <p:cNvSpPr txBox="1"/>
+          <p:nvPr/>
+        </p:nvSpPr>
+        <p:spPr>
+          <a:xfrm>
+            <a:off x="426719" y="285750"/>
+            <a:ext cx="8482739" cy="459741"/>
+          </a:xfrm>
+          <a:prstGeom prst="rect">
+            <a:avLst/>
+          </a:prstGeom>
+          <a:ln w="12700">
+            <a:miter lim="400000"/>
+          </a:ln>
+          <a:extLst>
+            <a:ext uri="{C572A759-6A51-4108-AA02-DFA0A04FC94B}">
+              <ma14:wrappingTextBoxFlag xmlns:ma14="http://schemas.microsoft.com/office/mac/drawingml/2011/main" val="1"/>
+            </a:ext>
+          </a:extLst>
+        </p:spPr>
+        <p:txBody>
+          <a:bodyPr lIns="45719" rIns="45719">
+            <a:spAutoFit/>
+          </a:bodyPr>
+          <a:lstStyle/>
+          <a:p>
+            <a:pPr>
+              <a:defRPr sz="2400"/>
+            </a:pPr>
+            <a:r>
+              <a:t>Negative log likelihood is equal to </a:t>
+            </a:r>
+            <a:r>
+              <a:rPr b="1"/>
+              <a:t>binary cross entropy</a:t>
+            </a:r>
+          </a:p>
+        </p:txBody>
+      </p:sp>
+      <p:sp>
+        <p:nvSpPr>
+          <p:cNvPr id="937" name="Text"/>
+          <p:cNvSpPr txBox="1"/>
+          <p:nvPr/>
+        </p:nvSpPr>
+        <p:spPr>
+          <a:xfrm>
+            <a:off x="7018023" y="2025779"/>
+            <a:ext cx="127001" cy="752139"/>
+          </a:xfrm>
+          <a:prstGeom prst="rect">
+            <a:avLst/>
+          </a:prstGeom>
+          <a:ln w="12700">
+            <a:miter lim="400000"/>
+          </a:ln>
+          <a:extLst>
+            <a:ext uri="{C572A759-6A51-4108-AA02-DFA0A04FC94B}">
+              <ma14:wrappingTextBoxFlag xmlns:ma14="http://schemas.microsoft.com/office/mac/drawingml/2011/main" val="1"/>
+            </a:ext>
+          </a:extLst>
+        </p:spPr>
+        <p:txBody>
           <a:bodyPr wrap="none" lIns="45719" rIns="45719">
             <a:spAutoFit/>
           </a:bodyPr>
@@ -24160,7 +27478,7 @@
       </p:sp>
       <p:sp>
         <p:nvSpPr>
-          <p:cNvPr id="897" name="Equation"/>
+          <p:cNvPr id="938" name="Equation"/>
           <p:cNvSpPr txBox="1"/>
           <p:nvPr/>
         </p:nvSpPr>
@@ -24387,14 +27705,14 @@
       </p:sp>
       <p:sp>
         <p:nvSpPr>
-          <p:cNvPr id="898" name="Equal to the entropy of   and the KL divergence between   and"/>
+          <p:cNvPr id="939" name="Cross entropy also equal to the entropy of   and the KL divergence between   and"/>
           <p:cNvSpPr txBox="1"/>
           <p:nvPr/>
         </p:nvSpPr>
         <p:spPr>
           <a:xfrm>
             <a:off x="319088" y="1484629"/>
-            <a:ext cx="3702737" cy="673568"/>
+            <a:ext cx="3702737" cy="952968"/>
           </a:xfrm>
           <a:prstGeom prst="rect">
             <a:avLst/>
@@ -24419,7 +27737,7 @@
               <a:buChar char="•"/>
             </a:pPr>
             <a:r>
-              <a:t>Equal to the entropy of </a:t>
+              <a:t>Cross entropy also equal to the entropy of </a:t>
             </a:r>
             <a14:m>
               <m:oMath>
@@ -24471,7 +27789,7 @@
       </p:sp>
       <p:sp>
         <p:nvSpPr>
-          <p:cNvPr id="899" name="Equation"/>
+          <p:cNvPr id="940" name="Equation"/>
           <p:cNvSpPr txBox="1"/>
           <p:nvPr/>
         </p:nvSpPr>
@@ -24770,7 +28088,7 @@
       </p:sp>
       <p:sp>
         <p:nvSpPr>
-          <p:cNvPr id="900" name="Equation"/>
+          <p:cNvPr id="941" name="Equation"/>
           <p:cNvSpPr txBox="1"/>
           <p:nvPr/>
         </p:nvSpPr>
@@ -26018,2763 +29336,6 @@
 </p:sld>
 </file>
 
-<file path=ppt/slides/slide23.xml><?xml version="1.0" encoding="utf-8"?>
-<p:sld xmlns:a="http://schemas.openxmlformats.org/drawingml/2006/main" xmlns:r="http://schemas.openxmlformats.org/officeDocument/2006/relationships" xmlns:p="http://schemas.openxmlformats.org/presentationml/2006/main" xmlns:m="http://schemas.openxmlformats.org/officeDocument/2006/math" xmlns:a14="http://schemas.microsoft.com/office/drawing/2010/main" showMasterSp="1" showMasterPhAnim="1">
-  <p:cSld>
-    <p:spTree>
-      <p:nvGrpSpPr>
-        <p:cNvPr id="1" name=""/>
-        <p:cNvGrpSpPr/>
-        <p:nvPr/>
-      </p:nvGrpSpPr>
-      <p:grpSpPr>
-        <a:xfrm>
-          <a:off x="0" y="0"/>
-          <a:ext cx="0" cy="0"/>
-          <a:chOff x="0" y="0"/>
-          <a:chExt cx="0" cy="0"/>
-        </a:xfrm>
-      </p:grpSpPr>
-      <p:sp>
-        <p:nvSpPr>
-          <p:cNvPr id="902" name="Equation"/>
-          <p:cNvSpPr txBox="1"/>
-          <p:nvPr/>
-        </p:nvSpPr>
-        <p:spPr>
-          <a:xfrm>
-            <a:off x="4493175" y="1697442"/>
-            <a:ext cx="3702737" cy="281179"/>
-          </a:xfrm>
-          <a:prstGeom prst="rect">
-            <a:avLst/>
-          </a:prstGeom>
-          <a:ln w="12700">
-            <a:miter lim="400000"/>
-          </a:ln>
-        </p:spPr>
-        <p:txBody>
-          <a:bodyPr wrap="none" lIns="0" tIns="0" rIns="0" bIns="0">
-            <a:spAutoFit/>
-          </a:bodyPr>
-          <a:lstStyle/>
-          <a:p>
-            <a:pPr latinLnBrk="1"/>
-            <a14:m>
-              <m:oMathPara>
-                <m:oMathParaPr>
-                  <m:jc m:val="centerGroup"/>
-                </m:oMathParaPr>
-                <m:oMath>
-                  <m:r>
-                    <m:rPr>
-                      <m:sty m:val="p"/>
-                      <m:scr m:val="double-struck"/>
-                    </m:rPr>
-                    <a:rPr xmlns:a="http://schemas.openxmlformats.org/drawingml/2006/main" sz="1800" i="1">
-                      <a:solidFill>
-                        <a:srgbClr val="000000"/>
-                      </a:solidFill>
-                      <a:latin typeface="Cambria Math" panose="02040503050406030204" pitchFamily="18" charset="0"/>
-                    </a:rPr>
-                    <m:t>H</m:t>
-                  </m:r>
-                  <m:r>
-                    <a:rPr xmlns:a="http://schemas.openxmlformats.org/drawingml/2006/main" sz="1800" i="1">
-                      <a:solidFill>
-                        <a:srgbClr val="000000"/>
-                      </a:solidFill>
-                      <a:latin typeface="Cambria Math" panose="02040503050406030204" pitchFamily="18" charset="0"/>
-                    </a:rPr>
-                    <m:t>(</m:t>
-                  </m:r>
-                  <m:r>
-                    <a:rPr xmlns:a="http://schemas.openxmlformats.org/drawingml/2006/main" sz="1800" i="1">
-                      <a:solidFill>
-                        <a:srgbClr val="000000"/>
-                      </a:solidFill>
-                      <a:latin typeface="Cambria Math" panose="02040503050406030204" pitchFamily="18" charset="0"/>
-                    </a:rPr>
-                    <m:t>p</m:t>
-                  </m:r>
-                  <m:r>
-                    <a:rPr xmlns:a="http://schemas.openxmlformats.org/drawingml/2006/main" sz="1800" i="1">
-                      <a:solidFill>
-                        <a:srgbClr val="000000"/>
-                      </a:solidFill>
-                      <a:latin typeface="Cambria Math" panose="02040503050406030204" pitchFamily="18" charset="0"/>
-                    </a:rPr>
-                    <m:t>,</m:t>
-                  </m:r>
-                  <m:r>
-                    <a:rPr xmlns:a="http://schemas.openxmlformats.org/drawingml/2006/main" sz="1800" i="1">
-                      <a:solidFill>
-                        <a:srgbClr val="000000"/>
-                      </a:solidFill>
-                      <a:latin typeface="Cambria Math" panose="02040503050406030204" pitchFamily="18" charset="0"/>
-                    </a:rPr>
-                    <m:t>q</m:t>
-                  </m:r>
-                  <m:r>
-                    <a:rPr xmlns:a="http://schemas.openxmlformats.org/drawingml/2006/main" sz="1800" i="1">
-                      <a:solidFill>
-                        <a:srgbClr val="000000"/>
-                      </a:solidFill>
-                      <a:latin typeface="Cambria Math" panose="02040503050406030204" pitchFamily="18" charset="0"/>
-                    </a:rPr>
-                    <m:t>)</m:t>
-                  </m:r>
-                  <m:r>
-                    <a:rPr xmlns:a="http://schemas.openxmlformats.org/drawingml/2006/main" sz="1800" i="1">
-                      <a:solidFill>
-                        <a:srgbClr val="000000"/>
-                      </a:solidFill>
-                      <a:latin typeface="Cambria Math" panose="02040503050406030204" pitchFamily="18" charset="0"/>
-                    </a:rPr>
-                    <m:t>=</m:t>
-                  </m:r>
-                  <m:r>
-                    <a:rPr xmlns:a="http://schemas.openxmlformats.org/drawingml/2006/main" sz="1800" i="1">
-                      <a:solidFill>
-                        <a:srgbClr val="000000"/>
-                      </a:solidFill>
-                      <a:latin typeface="Cambria Math" panose="02040503050406030204" pitchFamily="18" charset="0"/>
-                    </a:rPr>
-                    <m:t>-</m:t>
-                  </m:r>
-                  <m:d>
-                    <m:dPr>
-                      <m:ctrlPr>
-                        <a:rPr xmlns:a="http://schemas.openxmlformats.org/drawingml/2006/main" sz="1800" i="1">
-                          <a:solidFill>
-                            <a:srgbClr val="000000"/>
-                          </a:solidFill>
-                          <a:latin typeface="Cambria Math" panose="02040503050406030204" pitchFamily="18" charset="0"/>
-                        </a:rPr>
-                      </m:ctrlPr>
-                      <m:begChr m:val="["/>
-                      <m:endChr m:val="]"/>
-                    </m:dPr>
-                    <m:e>
-                      <m:r>
-                        <a:rPr xmlns:a="http://schemas.openxmlformats.org/drawingml/2006/main" sz="1800" i="1">
-                          <a:solidFill>
-                            <a:srgbClr val="000000"/>
-                          </a:solidFill>
-                          <a:latin typeface="Cambria Math" panose="02040503050406030204" pitchFamily="18" charset="0"/>
-                        </a:rPr>
-                        <m:t>p</m:t>
-                      </m:r>
-                      <m:r>
-                        <m:rPr>
-                          <m:sty m:val="p"/>
-                        </m:rPr>
-                        <a:rPr xmlns:a="http://schemas.openxmlformats.org/drawingml/2006/main" sz="1800" i="1">
-                          <a:solidFill>
-                            <a:srgbClr val="000000"/>
-                          </a:solidFill>
-                          <a:latin typeface="Cambria Math" panose="02040503050406030204" pitchFamily="18" charset="0"/>
-                        </a:rPr>
-                        <m:t>log</m:t>
-                      </m:r>
-                      <m:r>
-                        <a:rPr xmlns:a="http://schemas.openxmlformats.org/drawingml/2006/main" sz="1800" i="1">
-                          <a:solidFill>
-                            <a:srgbClr val="000000"/>
-                          </a:solidFill>
-                          <a:latin typeface="Cambria Math" panose="02040503050406030204" pitchFamily="18" charset="0"/>
-                        </a:rPr>
-                        <m:t>q</m:t>
-                      </m:r>
-                      <m:r>
-                        <a:rPr xmlns:a="http://schemas.openxmlformats.org/drawingml/2006/main" sz="1800" i="1">
-                          <a:solidFill>
-                            <a:srgbClr val="000000"/>
-                          </a:solidFill>
-                          <a:latin typeface="Cambria Math" panose="02040503050406030204" pitchFamily="18" charset="0"/>
-                        </a:rPr>
-                        <m:t>+</m:t>
-                      </m:r>
-                      <m:r>
-                        <a:rPr xmlns:a="http://schemas.openxmlformats.org/drawingml/2006/main" sz="1800" i="1">
-                          <a:solidFill>
-                            <a:srgbClr val="000000"/>
-                          </a:solidFill>
-                          <a:latin typeface="Cambria Math" panose="02040503050406030204" pitchFamily="18" charset="0"/>
-                        </a:rPr>
-                        <m:t>(</m:t>
-                      </m:r>
-                      <m:r>
-                        <a:rPr xmlns:a="http://schemas.openxmlformats.org/drawingml/2006/main" sz="1800" i="1">
-                          <a:solidFill>
-                            <a:srgbClr val="000000"/>
-                          </a:solidFill>
-                          <a:latin typeface="Cambria Math" panose="02040503050406030204" pitchFamily="18" charset="0"/>
-                        </a:rPr>
-                        <m:t>1</m:t>
-                      </m:r>
-                      <m:r>
-                        <a:rPr xmlns:a="http://schemas.openxmlformats.org/drawingml/2006/main" sz="1800" i="1">
-                          <a:solidFill>
-                            <a:srgbClr val="000000"/>
-                          </a:solidFill>
-                          <a:latin typeface="Cambria Math" panose="02040503050406030204" pitchFamily="18" charset="0"/>
-                        </a:rPr>
-                        <m:t>-</m:t>
-                      </m:r>
-                      <m:r>
-                        <a:rPr xmlns:a="http://schemas.openxmlformats.org/drawingml/2006/main" sz="1800" i="1">
-                          <a:solidFill>
-                            <a:srgbClr val="000000"/>
-                          </a:solidFill>
-                          <a:latin typeface="Cambria Math" panose="02040503050406030204" pitchFamily="18" charset="0"/>
-                        </a:rPr>
-                        <m:t>p</m:t>
-                      </m:r>
-                      <m:r>
-                        <a:rPr xmlns:a="http://schemas.openxmlformats.org/drawingml/2006/main" sz="1800" i="1">
-                          <a:solidFill>
-                            <a:srgbClr val="000000"/>
-                          </a:solidFill>
-                          <a:latin typeface="Cambria Math" panose="02040503050406030204" pitchFamily="18" charset="0"/>
-                        </a:rPr>
-                        <m:t>)</m:t>
-                      </m:r>
-                      <m:r>
-                        <m:rPr>
-                          <m:sty m:val="p"/>
-                        </m:rPr>
-                        <a:rPr xmlns:a="http://schemas.openxmlformats.org/drawingml/2006/main" sz="1800" i="1">
-                          <a:solidFill>
-                            <a:srgbClr val="000000"/>
-                          </a:solidFill>
-                          <a:latin typeface="Cambria Math" panose="02040503050406030204" pitchFamily="18" charset="0"/>
-                        </a:rPr>
-                        <m:t>log</m:t>
-                      </m:r>
-                      <m:r>
-                        <a:rPr xmlns:a="http://schemas.openxmlformats.org/drawingml/2006/main" sz="1800" i="1">
-                          <a:solidFill>
-                            <a:srgbClr val="000000"/>
-                          </a:solidFill>
-                          <a:latin typeface="Cambria Math" panose="02040503050406030204" pitchFamily="18" charset="0"/>
-                        </a:rPr>
-                        <m:t>(</m:t>
-                      </m:r>
-                      <m:r>
-                        <a:rPr xmlns:a="http://schemas.openxmlformats.org/drawingml/2006/main" sz="1800" i="1">
-                          <a:solidFill>
-                            <a:srgbClr val="000000"/>
-                          </a:solidFill>
-                          <a:latin typeface="Cambria Math" panose="02040503050406030204" pitchFamily="18" charset="0"/>
-                        </a:rPr>
-                        <m:t>1</m:t>
-                      </m:r>
-                      <m:r>
-                        <a:rPr xmlns:a="http://schemas.openxmlformats.org/drawingml/2006/main" sz="1800" i="1">
-                          <a:solidFill>
-                            <a:srgbClr val="000000"/>
-                          </a:solidFill>
-                          <a:latin typeface="Cambria Math" panose="02040503050406030204" pitchFamily="18" charset="0"/>
-                        </a:rPr>
-                        <m:t>-</m:t>
-                      </m:r>
-                      <m:r>
-                        <a:rPr xmlns:a="http://schemas.openxmlformats.org/drawingml/2006/main" sz="1800" i="1">
-                          <a:solidFill>
-                            <a:srgbClr val="000000"/>
-                          </a:solidFill>
-                          <a:latin typeface="Cambria Math" panose="02040503050406030204" pitchFamily="18" charset="0"/>
-                        </a:rPr>
-                        <m:t>q</m:t>
-                      </m:r>
-                      <m:r>
-                        <a:rPr xmlns:a="http://schemas.openxmlformats.org/drawingml/2006/main" sz="1800" i="1">
-                          <a:solidFill>
-                            <a:srgbClr val="000000"/>
-                          </a:solidFill>
-                          <a:latin typeface="Cambria Math" panose="02040503050406030204" pitchFamily="18" charset="0"/>
-                        </a:rPr>
-                        <m:t>)</m:t>
-                      </m:r>
-                    </m:e>
-                  </m:d>
-                </m:oMath>
-              </m:oMathPara>
-            </a14:m>
-          </a:p>
-        </p:txBody>
-      </p:sp>
-      <p:sp>
-        <p:nvSpPr>
-          <p:cNvPr id="903" name="Cross entropy for two Bernoulli distributions"/>
-          <p:cNvSpPr txBox="1"/>
-          <p:nvPr/>
-        </p:nvSpPr>
-        <p:spPr>
-          <a:xfrm>
-            <a:off x="319088" y="1501248"/>
-            <a:ext cx="3702737" cy="701041"/>
-          </a:xfrm>
-          <a:prstGeom prst="rect">
-            <a:avLst/>
-          </a:prstGeom>
-          <a:ln w="12700">
-            <a:miter lim="400000"/>
-          </a:ln>
-          <a:extLst>
-            <a:ext uri="{C572A759-6A51-4108-AA02-DFA0A04FC94B}">
-              <ma14:wrappingTextBoxFlag xmlns:ma14="http://schemas.microsoft.com/office/mac/drawingml/2011/main" val="1"/>
-            </a:ext>
-          </a:extLst>
-        </p:spPr>
-        <p:txBody>
-          <a:bodyPr lIns="45719" rIns="45719">
-            <a:spAutoFit/>
-          </a:bodyPr>
-          <a:lstStyle>
-            <a:lvl1pPr marL="228600" indent="-228600">
-              <a:buSzPct val="100000"/>
-              <a:buChar char="•"/>
-              <a:defRPr sz="2000"/>
-            </a:lvl1pPr>
-          </a:lstStyle>
-          <a:p>
-            <a:pPr/>
-            <a:r>
-              <a:t>Cross entropy for two Bernoulli distributions</a:t>
-            </a:r>
-          </a:p>
-        </p:txBody>
-      </p:sp>
-      <p:sp>
-        <p:nvSpPr>
-          <p:cNvPr id="904" name="Consider the data point   as the distribution…"/>
-          <p:cNvSpPr txBox="1"/>
-          <p:nvPr/>
-        </p:nvSpPr>
-        <p:spPr>
-          <a:xfrm>
-            <a:off x="319088" y="2644248"/>
-            <a:ext cx="3702737" cy="1675914"/>
-          </a:xfrm>
-          <a:prstGeom prst="rect">
-            <a:avLst/>
-          </a:prstGeom>
-          <a:ln w="12700">
-            <a:miter lim="400000"/>
-          </a:ln>
-          <a:extLst>
-            <a:ext uri="{C572A759-6A51-4108-AA02-DFA0A04FC94B}">
-              <ma14:wrappingTextBoxFlag xmlns:ma14="http://schemas.microsoft.com/office/mac/drawingml/2011/main" val="1"/>
-            </a:ext>
-          </a:extLst>
-        </p:spPr>
-        <p:txBody>
-          <a:bodyPr lIns="45719" rIns="45719">
-            <a:spAutoFit/>
-          </a:bodyPr>
-          <a:lstStyle/>
-          <a:p>
-            <a:pPr marL="228600" indent="-228600">
-              <a:buSzPct val="100000"/>
-              <a:buChar char="•"/>
-              <a:defRPr sz="2000"/>
-            </a:pPr>
-            <a:r>
-              <a:t>Consider the data point </a:t>
-            </a:r>
-            <a14:m>
-              <m:oMath>
-                <m:r>
-                  <a:rPr xmlns:a="http://schemas.openxmlformats.org/drawingml/2006/main" sz="2400" i="1">
-                    <a:solidFill>
-                      <a:srgbClr val="000000"/>
-                    </a:solidFill>
-                    <a:latin typeface="Cambria Math" panose="02040503050406030204" pitchFamily="18" charset="0"/>
-                  </a:rPr>
-                  <m:t>i</m:t>
-                </m:r>
-              </m:oMath>
-            </a14:m>
-            <a:r>
-              <a:t> as the distribution </a:t>
-            </a:r>
-            <a14:m>
-              <m:oMath>
-                <m:r>
-                  <a:rPr xmlns:a="http://schemas.openxmlformats.org/drawingml/2006/main" sz="2400" i="1">
-                    <a:solidFill>
-                      <a:srgbClr val="000000"/>
-                    </a:solidFill>
-                    <a:latin typeface="Cambria Math" panose="02040503050406030204" pitchFamily="18" charset="0"/>
-                  </a:rPr>
-                  <m:t>p</m:t>
-                </m:r>
-              </m:oMath>
-            </a14:m>
-          </a:p>
-          <a:p>
-            <a:pPr marL="228600" indent="-228600">
-              <a:buSzPct val="100000"/>
-              <a:buChar char="•"/>
-              <a:defRPr sz="2000"/>
-            </a:pPr>
-            <a:r>
-              <a:t>Distribution </a:t>
-            </a:r>
-            <a14:m>
-              <m:oMath>
-                <m:r>
-                  <a:rPr xmlns:a="http://schemas.openxmlformats.org/drawingml/2006/main" sz="2400" i="1">
-                    <a:solidFill>
-                      <a:srgbClr val="000000"/>
-                    </a:solidFill>
-                    <a:latin typeface="Cambria Math" panose="02040503050406030204" pitchFamily="18" charset="0"/>
-                  </a:rPr>
-                  <m:t>q</m:t>
-                </m:r>
-              </m:oMath>
-            </a14:m>
-            <a:r>
-              <a:t> is the modeled distribution with probability </a:t>
-            </a:r>
-            <a14:m>
-              <m:oMath>
-                <m:sSub>
-                  <m:e>
-                    <m:r>
-                      <a:rPr xmlns:a="http://schemas.openxmlformats.org/drawingml/2006/main" sz="2400" i="1">
-                        <a:solidFill>
-                          <a:srgbClr val="000000"/>
-                        </a:solidFill>
-                        <a:latin typeface="Cambria Math" panose="02040503050406030204" pitchFamily="18" charset="0"/>
-                      </a:rPr>
-                      <m:t>h</m:t>
-                    </m:r>
-                  </m:e>
-                  <m:sub>
-                    <m:r>
-                      <a:rPr xmlns:a="http://schemas.openxmlformats.org/drawingml/2006/main" sz="2400" i="1">
-                        <a:solidFill>
-                          <a:srgbClr val="000000"/>
-                        </a:solidFill>
-                        <a:latin typeface="Cambria Math" panose="02040503050406030204" pitchFamily="18" charset="0"/>
-                      </a:rPr>
-                      <m:t>θ</m:t>
-                    </m:r>
-                  </m:sub>
-                </m:sSub>
-                <m:r>
-                  <a:rPr xmlns:a="http://schemas.openxmlformats.org/drawingml/2006/main" sz="2400" i="1">
-                    <a:solidFill>
-                      <a:srgbClr val="000000"/>
-                    </a:solidFill>
-                    <a:latin typeface="Cambria Math" panose="02040503050406030204" pitchFamily="18" charset="0"/>
-                  </a:rPr>
-                  <m:t>(</m:t>
-                </m:r>
-                <m:sSub>
-                  <m:e>
-                    <m:r>
-                      <a:rPr xmlns:a="http://schemas.openxmlformats.org/drawingml/2006/main" sz="2400" i="1">
-                        <a:solidFill>
-                          <a:srgbClr val="000000"/>
-                        </a:solidFill>
-                        <a:latin typeface="Cambria Math" panose="02040503050406030204" pitchFamily="18" charset="0"/>
-                      </a:rPr>
-                      <m:t>x</m:t>
-                    </m:r>
-                  </m:e>
-                  <m:sub>
-                    <m:r>
-                      <a:rPr xmlns:a="http://schemas.openxmlformats.org/drawingml/2006/main" sz="2400" i="1">
-                        <a:solidFill>
-                          <a:srgbClr val="000000"/>
-                        </a:solidFill>
-                        <a:latin typeface="Cambria Math" panose="02040503050406030204" pitchFamily="18" charset="0"/>
-                      </a:rPr>
-                      <m:t>i</m:t>
-                    </m:r>
-                  </m:sub>
-                </m:sSub>
-                <m:r>
-                  <a:rPr xmlns:a="http://schemas.openxmlformats.org/drawingml/2006/main" sz="2400" i="1">
-                    <a:solidFill>
-                      <a:srgbClr val="000000"/>
-                    </a:solidFill>
-                    <a:latin typeface="Cambria Math" panose="02040503050406030204" pitchFamily="18" charset="0"/>
-                  </a:rPr>
-                  <m:t>)</m:t>
-                </m:r>
-              </m:oMath>
-            </a14:m>
-          </a:p>
-        </p:txBody>
-      </p:sp>
-      <p:sp>
-        <p:nvSpPr>
-          <p:cNvPr id="905" name="Equation"/>
-          <p:cNvSpPr txBox="1"/>
-          <p:nvPr/>
-        </p:nvSpPr>
-        <p:spPr>
-          <a:xfrm>
-            <a:off x="4516617" y="3069352"/>
-            <a:ext cx="4497248" cy="281179"/>
-          </a:xfrm>
-          <a:prstGeom prst="rect">
-            <a:avLst/>
-          </a:prstGeom>
-          <a:ln w="12700">
-            <a:miter lim="400000"/>
-          </a:ln>
-        </p:spPr>
-        <p:txBody>
-          <a:bodyPr wrap="none" lIns="0" tIns="0" rIns="0" bIns="0">
-            <a:spAutoFit/>
-          </a:bodyPr>
-          <a:lstStyle/>
-          <a:p>
-            <a:pPr latinLnBrk="1"/>
-            <a14:m>
-              <m:oMathPara>
-                <m:oMathParaPr>
-                  <m:jc m:val="centerGroup"/>
-                </m:oMathParaPr>
-                <m:oMath>
-                  <m:r>
-                    <m:rPr>
-                      <m:sty m:val="p"/>
-                      <m:scr m:val="double-struck"/>
-                    </m:rPr>
-                    <a:rPr xmlns:a="http://schemas.openxmlformats.org/drawingml/2006/main" sz="1800" i="1">
-                      <a:solidFill>
-                        <a:srgbClr val="000000"/>
-                      </a:solidFill>
-                      <a:latin typeface="Cambria Math" panose="02040503050406030204" pitchFamily="18" charset="0"/>
-                    </a:rPr>
-                    <m:t>H</m:t>
-                  </m:r>
-                  <m:r>
-                    <a:rPr xmlns:a="http://schemas.openxmlformats.org/drawingml/2006/main" sz="1800" i="1">
-                      <a:solidFill>
-                        <a:srgbClr val="000000"/>
-                      </a:solidFill>
-                      <a:latin typeface="Cambria Math" panose="02040503050406030204" pitchFamily="18" charset="0"/>
-                    </a:rPr>
-                    <m:t>(</m:t>
-                  </m:r>
-                  <m:r>
-                    <a:rPr xmlns:a="http://schemas.openxmlformats.org/drawingml/2006/main" sz="1800" i="1">
-                      <a:solidFill>
-                        <a:srgbClr val="000000"/>
-                      </a:solidFill>
-                      <a:latin typeface="Cambria Math" panose="02040503050406030204" pitchFamily="18" charset="0"/>
-                    </a:rPr>
-                    <m:t>p</m:t>
-                  </m:r>
-                  <m:r>
-                    <a:rPr xmlns:a="http://schemas.openxmlformats.org/drawingml/2006/main" sz="1800" i="1">
-                      <a:solidFill>
-                        <a:srgbClr val="000000"/>
-                      </a:solidFill>
-                      <a:latin typeface="Cambria Math" panose="02040503050406030204" pitchFamily="18" charset="0"/>
-                    </a:rPr>
-                    <m:t>,</m:t>
-                  </m:r>
-                  <m:r>
-                    <a:rPr xmlns:a="http://schemas.openxmlformats.org/drawingml/2006/main" sz="1800" i="1">
-                      <a:solidFill>
-                        <a:srgbClr val="000000"/>
-                      </a:solidFill>
-                      <a:latin typeface="Cambria Math" panose="02040503050406030204" pitchFamily="18" charset="0"/>
-                    </a:rPr>
-                    <m:t>q</m:t>
-                  </m:r>
-                  <m:r>
-                    <a:rPr xmlns:a="http://schemas.openxmlformats.org/drawingml/2006/main" sz="1800" i="1">
-                      <a:solidFill>
-                        <a:srgbClr val="000000"/>
-                      </a:solidFill>
-                      <a:latin typeface="Cambria Math" panose="02040503050406030204" pitchFamily="18" charset="0"/>
-                    </a:rPr>
-                    <m:t>)</m:t>
-                  </m:r>
-                  <m:r>
-                    <a:rPr xmlns:a="http://schemas.openxmlformats.org/drawingml/2006/main" sz="1800" i="1">
-                      <a:solidFill>
-                        <a:srgbClr val="000000"/>
-                      </a:solidFill>
-                      <a:latin typeface="Cambria Math" panose="02040503050406030204" pitchFamily="18" charset="0"/>
-                    </a:rPr>
-                    <m:t>=</m:t>
-                  </m:r>
-                  <m:r>
-                    <a:rPr xmlns:a="http://schemas.openxmlformats.org/drawingml/2006/main" sz="1800" i="1">
-                      <a:solidFill>
-                        <a:srgbClr val="000000"/>
-                      </a:solidFill>
-                      <a:latin typeface="Cambria Math" panose="02040503050406030204" pitchFamily="18" charset="0"/>
-                    </a:rPr>
-                    <m:t>-</m:t>
-                  </m:r>
-                  <m:d>
-                    <m:dPr>
-                      <m:ctrlPr>
-                        <a:rPr xmlns:a="http://schemas.openxmlformats.org/drawingml/2006/main" sz="1800" i="1">
-                          <a:solidFill>
-                            <a:srgbClr val="000000"/>
-                          </a:solidFill>
-                          <a:latin typeface="Cambria Math" panose="02040503050406030204" pitchFamily="18" charset="0"/>
-                        </a:rPr>
-                      </m:ctrlPr>
-                      <m:begChr m:val="["/>
-                      <m:endChr m:val="]"/>
-                    </m:dPr>
-                    <m:e>
-                      <m:sSub>
-                        <m:e>
-                          <m:r>
-                            <a:rPr xmlns:a="http://schemas.openxmlformats.org/drawingml/2006/main" sz="1800" i="1">
-                              <a:solidFill>
-                                <a:srgbClr val="000000"/>
-                              </a:solidFill>
-                              <a:latin typeface="Cambria Math" panose="02040503050406030204" pitchFamily="18" charset="0"/>
-                            </a:rPr>
-                            <m:t>y</m:t>
-                          </m:r>
-                        </m:e>
-                        <m:sub>
-                          <m:r>
-                            <a:rPr xmlns:a="http://schemas.openxmlformats.org/drawingml/2006/main" sz="1800" i="1">
-                              <a:solidFill>
-                                <a:srgbClr val="000000"/>
-                              </a:solidFill>
-                              <a:latin typeface="Cambria Math" panose="02040503050406030204" pitchFamily="18" charset="0"/>
-                            </a:rPr>
-                            <m:t>i</m:t>
-                          </m:r>
-                        </m:sub>
-                      </m:sSub>
-                      <m:r>
-                        <m:rPr>
-                          <m:sty m:val="p"/>
-                        </m:rPr>
-                        <a:rPr xmlns:a="http://schemas.openxmlformats.org/drawingml/2006/main" sz="1800" i="1">
-                          <a:solidFill>
-                            <a:srgbClr val="000000"/>
-                          </a:solidFill>
-                          <a:latin typeface="Cambria Math" panose="02040503050406030204" pitchFamily="18" charset="0"/>
-                        </a:rPr>
-                        <m:t>log</m:t>
-                      </m:r>
-                      <m:sSub>
-                        <m:e>
-                          <m:r>
-                            <a:rPr xmlns:a="http://schemas.openxmlformats.org/drawingml/2006/main" sz="1800" i="1">
-                              <a:solidFill>
-                                <a:srgbClr val="000000"/>
-                              </a:solidFill>
-                              <a:latin typeface="Cambria Math" panose="02040503050406030204" pitchFamily="18" charset="0"/>
-                            </a:rPr>
-                            <m:t>h</m:t>
-                          </m:r>
-                        </m:e>
-                        <m:sub>
-                          <m:r>
-                            <a:rPr xmlns:a="http://schemas.openxmlformats.org/drawingml/2006/main" sz="1800" i="1">
-                              <a:solidFill>
-                                <a:srgbClr val="000000"/>
-                              </a:solidFill>
-                              <a:latin typeface="Cambria Math" panose="02040503050406030204" pitchFamily="18" charset="0"/>
-                            </a:rPr>
-                            <m:t>θ</m:t>
-                          </m:r>
-                        </m:sub>
-                      </m:sSub>
-                      <m:r>
-                        <a:rPr xmlns:a="http://schemas.openxmlformats.org/drawingml/2006/main" sz="1800" i="1">
-                          <a:solidFill>
-                            <a:srgbClr val="000000"/>
-                          </a:solidFill>
-                          <a:latin typeface="Cambria Math" panose="02040503050406030204" pitchFamily="18" charset="0"/>
-                        </a:rPr>
-                        <m:t>(</m:t>
-                      </m:r>
-                      <m:sSub>
-                        <m:e>
-                          <m:r>
-                            <a:rPr xmlns:a="http://schemas.openxmlformats.org/drawingml/2006/main" sz="1800" i="1">
-                              <a:solidFill>
-                                <a:srgbClr val="000000"/>
-                              </a:solidFill>
-                              <a:latin typeface="Cambria Math" panose="02040503050406030204" pitchFamily="18" charset="0"/>
-                            </a:rPr>
-                            <m:t>x</m:t>
-                          </m:r>
-                        </m:e>
-                        <m:sub>
-                          <m:r>
-                            <a:rPr xmlns:a="http://schemas.openxmlformats.org/drawingml/2006/main" sz="1800" i="1">
-                              <a:solidFill>
-                                <a:srgbClr val="000000"/>
-                              </a:solidFill>
-                              <a:latin typeface="Cambria Math" panose="02040503050406030204" pitchFamily="18" charset="0"/>
-                            </a:rPr>
-                            <m:t>i</m:t>
-                          </m:r>
-                        </m:sub>
-                      </m:sSub>
-                      <m:r>
-                        <a:rPr xmlns:a="http://schemas.openxmlformats.org/drawingml/2006/main" sz="1800" i="1">
-                          <a:solidFill>
-                            <a:srgbClr val="000000"/>
-                          </a:solidFill>
-                          <a:latin typeface="Cambria Math" panose="02040503050406030204" pitchFamily="18" charset="0"/>
-                        </a:rPr>
-                        <m:t>)</m:t>
-                      </m:r>
-                      <m:r>
-                        <a:rPr xmlns:a="http://schemas.openxmlformats.org/drawingml/2006/main" sz="1800" i="1">
-                          <a:solidFill>
-                            <a:srgbClr val="000000"/>
-                          </a:solidFill>
-                          <a:latin typeface="Cambria Math" panose="02040503050406030204" pitchFamily="18" charset="0"/>
-                        </a:rPr>
-                        <m:t>+</m:t>
-                      </m:r>
-                      <m:r>
-                        <a:rPr xmlns:a="http://schemas.openxmlformats.org/drawingml/2006/main" sz="1800" i="1">
-                          <a:solidFill>
-                            <a:srgbClr val="000000"/>
-                          </a:solidFill>
-                          <a:latin typeface="Cambria Math" panose="02040503050406030204" pitchFamily="18" charset="0"/>
-                        </a:rPr>
-                        <m:t>(</m:t>
-                      </m:r>
-                      <m:r>
-                        <a:rPr xmlns:a="http://schemas.openxmlformats.org/drawingml/2006/main" sz="1800" i="1">
-                          <a:solidFill>
-                            <a:srgbClr val="000000"/>
-                          </a:solidFill>
-                          <a:latin typeface="Cambria Math" panose="02040503050406030204" pitchFamily="18" charset="0"/>
-                        </a:rPr>
-                        <m:t>1</m:t>
-                      </m:r>
-                      <m:r>
-                        <a:rPr xmlns:a="http://schemas.openxmlformats.org/drawingml/2006/main" sz="1800" i="1">
-                          <a:solidFill>
-                            <a:srgbClr val="000000"/>
-                          </a:solidFill>
-                          <a:latin typeface="Cambria Math" panose="02040503050406030204" pitchFamily="18" charset="0"/>
-                        </a:rPr>
-                        <m:t>-</m:t>
-                      </m:r>
-                      <m:sSub>
-                        <m:e>
-                          <m:r>
-                            <a:rPr xmlns:a="http://schemas.openxmlformats.org/drawingml/2006/main" sz="1800" i="1">
-                              <a:solidFill>
-                                <a:srgbClr val="000000"/>
-                              </a:solidFill>
-                              <a:latin typeface="Cambria Math" panose="02040503050406030204" pitchFamily="18" charset="0"/>
-                            </a:rPr>
-                            <m:t>y</m:t>
-                          </m:r>
-                        </m:e>
-                        <m:sub>
-                          <m:r>
-                            <a:rPr xmlns:a="http://schemas.openxmlformats.org/drawingml/2006/main" sz="1800" i="1">
-                              <a:solidFill>
-                                <a:srgbClr val="000000"/>
-                              </a:solidFill>
-                              <a:latin typeface="Cambria Math" panose="02040503050406030204" pitchFamily="18" charset="0"/>
-                            </a:rPr>
-                            <m:t>i</m:t>
-                          </m:r>
-                        </m:sub>
-                      </m:sSub>
-                      <m:r>
-                        <a:rPr xmlns:a="http://schemas.openxmlformats.org/drawingml/2006/main" sz="1800" i="1">
-                          <a:solidFill>
-                            <a:srgbClr val="000000"/>
-                          </a:solidFill>
-                          <a:latin typeface="Cambria Math" panose="02040503050406030204" pitchFamily="18" charset="0"/>
-                        </a:rPr>
-                        <m:t>)</m:t>
-                      </m:r>
-                      <m:r>
-                        <m:rPr>
-                          <m:sty m:val="p"/>
-                        </m:rPr>
-                        <a:rPr xmlns:a="http://schemas.openxmlformats.org/drawingml/2006/main" sz="1800" i="1">
-                          <a:solidFill>
-                            <a:srgbClr val="000000"/>
-                          </a:solidFill>
-                          <a:latin typeface="Cambria Math" panose="02040503050406030204" pitchFamily="18" charset="0"/>
-                        </a:rPr>
-                        <m:t>log</m:t>
-                      </m:r>
-                      <m:r>
-                        <a:rPr xmlns:a="http://schemas.openxmlformats.org/drawingml/2006/main" sz="1800" i="1">
-                          <a:solidFill>
-                            <a:srgbClr val="000000"/>
-                          </a:solidFill>
-                          <a:latin typeface="Cambria Math" panose="02040503050406030204" pitchFamily="18" charset="0"/>
-                        </a:rPr>
-                        <m:t>(</m:t>
-                      </m:r>
-                      <m:r>
-                        <a:rPr xmlns:a="http://schemas.openxmlformats.org/drawingml/2006/main" sz="1800" i="1">
-                          <a:solidFill>
-                            <a:srgbClr val="000000"/>
-                          </a:solidFill>
-                          <a:latin typeface="Cambria Math" panose="02040503050406030204" pitchFamily="18" charset="0"/>
-                        </a:rPr>
-                        <m:t>1</m:t>
-                      </m:r>
-                      <m:r>
-                        <a:rPr xmlns:a="http://schemas.openxmlformats.org/drawingml/2006/main" sz="1800" i="1">
-                          <a:solidFill>
-                            <a:srgbClr val="000000"/>
-                          </a:solidFill>
-                          <a:latin typeface="Cambria Math" panose="02040503050406030204" pitchFamily="18" charset="0"/>
-                        </a:rPr>
-                        <m:t>-</m:t>
-                      </m:r>
-                      <m:sSub>
-                        <m:e>
-                          <m:r>
-                            <a:rPr xmlns:a="http://schemas.openxmlformats.org/drawingml/2006/main" sz="1800" i="1">
-                              <a:solidFill>
-                                <a:srgbClr val="000000"/>
-                              </a:solidFill>
-                              <a:latin typeface="Cambria Math" panose="02040503050406030204" pitchFamily="18" charset="0"/>
-                            </a:rPr>
-                            <m:t>h</m:t>
-                          </m:r>
-                        </m:e>
-                        <m:sub>
-                          <m:r>
-                            <a:rPr xmlns:a="http://schemas.openxmlformats.org/drawingml/2006/main" sz="1800" i="1">
-                              <a:solidFill>
-                                <a:srgbClr val="000000"/>
-                              </a:solidFill>
-                              <a:latin typeface="Cambria Math" panose="02040503050406030204" pitchFamily="18" charset="0"/>
-                            </a:rPr>
-                            <m:t>θ</m:t>
-                          </m:r>
-                        </m:sub>
-                      </m:sSub>
-                      <m:r>
-                        <a:rPr xmlns:a="http://schemas.openxmlformats.org/drawingml/2006/main" sz="1800" i="1">
-                          <a:solidFill>
-                            <a:srgbClr val="000000"/>
-                          </a:solidFill>
-                          <a:latin typeface="Cambria Math" panose="02040503050406030204" pitchFamily="18" charset="0"/>
-                        </a:rPr>
-                        <m:t>(</m:t>
-                      </m:r>
-                      <m:sSub>
-                        <m:e>
-                          <m:r>
-                            <a:rPr xmlns:a="http://schemas.openxmlformats.org/drawingml/2006/main" sz="1800" i="1">
-                              <a:solidFill>
-                                <a:srgbClr val="000000"/>
-                              </a:solidFill>
-                              <a:latin typeface="Cambria Math" panose="02040503050406030204" pitchFamily="18" charset="0"/>
-                            </a:rPr>
-                            <m:t>x</m:t>
-                          </m:r>
-                        </m:e>
-                        <m:sub>
-                          <m:r>
-                            <a:rPr xmlns:a="http://schemas.openxmlformats.org/drawingml/2006/main" sz="1800" i="1">
-                              <a:solidFill>
-                                <a:srgbClr val="000000"/>
-                              </a:solidFill>
-                              <a:latin typeface="Cambria Math" panose="02040503050406030204" pitchFamily="18" charset="0"/>
-                            </a:rPr>
-                            <m:t>i</m:t>
-                          </m:r>
-                        </m:sub>
-                      </m:sSub>
-                      <m:r>
-                        <a:rPr xmlns:a="http://schemas.openxmlformats.org/drawingml/2006/main" sz="1800" i="1">
-                          <a:solidFill>
-                            <a:srgbClr val="000000"/>
-                          </a:solidFill>
-                          <a:latin typeface="Cambria Math" panose="02040503050406030204" pitchFamily="18" charset="0"/>
-                        </a:rPr>
-                        <m:t>)</m:t>
-                      </m:r>
-                      <m:r>
-                        <a:rPr xmlns:a="http://schemas.openxmlformats.org/drawingml/2006/main" sz="1800" i="1">
-                          <a:solidFill>
-                            <a:srgbClr val="000000"/>
-                          </a:solidFill>
-                          <a:latin typeface="Cambria Math" panose="02040503050406030204" pitchFamily="18" charset="0"/>
-                        </a:rPr>
-                        <m:t>)</m:t>
-                      </m:r>
-                    </m:e>
-                  </m:d>
-                </m:oMath>
-              </m:oMathPara>
-            </a14:m>
-          </a:p>
-        </p:txBody>
-      </p:sp>
-      <p:sp>
-        <p:nvSpPr>
-          <p:cNvPr id="906" name="TextBox 19"/>
-          <p:cNvSpPr txBox="1"/>
-          <p:nvPr/>
-        </p:nvSpPr>
-        <p:spPr>
-          <a:xfrm>
-            <a:off x="426719" y="285750"/>
-            <a:ext cx="8482739" cy="459741"/>
-          </a:xfrm>
-          <a:prstGeom prst="rect">
-            <a:avLst/>
-          </a:prstGeom>
-          <a:ln w="12700">
-            <a:miter lim="400000"/>
-          </a:ln>
-          <a:extLst>
-            <a:ext uri="{C572A759-6A51-4108-AA02-DFA0A04FC94B}">
-              <ma14:wrappingTextBoxFlag xmlns:ma14="http://schemas.microsoft.com/office/mac/drawingml/2011/main" val="1"/>
-            </a:ext>
-          </a:extLst>
-        </p:spPr>
-        <p:txBody>
-          <a:bodyPr lIns="45719" rIns="45719">
-            <a:spAutoFit/>
-          </a:bodyPr>
-          <a:lstStyle/>
-          <a:p>
-            <a:pPr>
-              <a:defRPr sz="2400"/>
-            </a:pPr>
-            <a:r>
-              <a:t>Negative log likelihood is equal to </a:t>
-            </a:r>
-            <a:r>
-              <a:rPr b="1"/>
-              <a:t>binary cross entropy</a:t>
-            </a:r>
-          </a:p>
-        </p:txBody>
-      </p:sp>
-      <p:sp>
-        <p:nvSpPr>
-          <p:cNvPr id="907" name="Equation"/>
-          <p:cNvSpPr txBox="1"/>
-          <p:nvPr/>
-        </p:nvSpPr>
-        <p:spPr>
-          <a:xfrm>
-            <a:off x="4870372" y="4098961"/>
-            <a:ext cx="3694721" cy="817603"/>
-          </a:xfrm>
-          <a:prstGeom prst="rect">
-            <a:avLst/>
-          </a:prstGeom>
-          <a:ln w="12700">
-            <a:miter lim="400000"/>
-          </a:ln>
-        </p:spPr>
-        <p:txBody>
-          <a:bodyPr wrap="none" lIns="0" tIns="0" rIns="0" bIns="0">
-            <a:spAutoFit/>
-          </a:bodyPr>
-          <a:lstStyle/>
-          <a:p>
-            <a:pPr latinLnBrk="1"/>
-            <a14:m>
-              <m:oMathPara>
-                <m:oMathParaPr>
-                  <m:jc m:val="centerGroup"/>
-                </m:oMathParaPr>
-                <m:oMath>
-                  <m:r>
-                    <m:rPr>
-                      <m:nor/>
-                    </m:rPr>
-                    <a:rPr xmlns:a="http://schemas.openxmlformats.org/drawingml/2006/main" sz="2400" i="1">
-                      <a:solidFill>
-                        <a:srgbClr val="000000"/>
-                      </a:solidFill>
-                      <a:latin typeface="Cambria Math" panose="02040503050406030204" pitchFamily="18" charset="0"/>
-                    </a:rPr>
-                    <m:t>NLL</m:t>
-                  </m:r>
-                  <m:r>
-                    <a:rPr xmlns:a="http://schemas.openxmlformats.org/drawingml/2006/main" sz="2400" i="1">
-                      <a:solidFill>
-                        <a:srgbClr val="000000"/>
-                      </a:solidFill>
-                      <a:latin typeface="Cambria Math" panose="02040503050406030204" pitchFamily="18" charset="0"/>
-                    </a:rPr>
-                    <m:t>(</m:t>
-                  </m:r>
-                  <m:r>
-                    <a:rPr xmlns:a="http://schemas.openxmlformats.org/drawingml/2006/main" sz="2400" i="1">
-                      <a:solidFill>
-                        <a:srgbClr val="000000"/>
-                      </a:solidFill>
-                      <a:latin typeface="Cambria Math" panose="02040503050406030204" pitchFamily="18" charset="0"/>
-                    </a:rPr>
-                    <m:t>θ</m:t>
-                  </m:r>
-                  <m:r>
-                    <a:rPr xmlns:a="http://schemas.openxmlformats.org/drawingml/2006/main" sz="2400" i="1">
-                      <a:solidFill>
-                        <a:srgbClr val="000000"/>
-                      </a:solidFill>
-                      <a:latin typeface="Cambria Math" panose="02040503050406030204" pitchFamily="18" charset="0"/>
-                    </a:rPr>
-                    <m:t>)</m:t>
-                  </m:r>
-                  <m:r>
-                    <a:rPr xmlns:a="http://schemas.openxmlformats.org/drawingml/2006/main" sz="2400" i="1">
-                      <a:solidFill>
-                        <a:srgbClr val="000000"/>
-                      </a:solidFill>
-                      <a:latin typeface="Cambria Math" panose="02040503050406030204" pitchFamily="18" charset="0"/>
-                    </a:rPr>
-                    <m:t>=</m:t>
-                  </m:r>
-                  <m:r>
-                    <a:rPr xmlns:a="http://schemas.openxmlformats.org/drawingml/2006/main" sz="2400" i="1">
-                      <a:solidFill>
-                        <a:srgbClr val="000000"/>
-                      </a:solidFill>
-                      <a:latin typeface="Cambria Math" panose="02040503050406030204" pitchFamily="18" charset="0"/>
-                    </a:rPr>
-                    <m:t>-</m:t>
-                  </m:r>
-                  <m:f>
-                    <m:fPr>
-                      <m:ctrlPr>
-                        <a:rPr xmlns:a="http://schemas.openxmlformats.org/drawingml/2006/main" sz="2400" i="1">
-                          <a:solidFill>
-                            <a:srgbClr val="000000"/>
-                          </a:solidFill>
-                          <a:latin typeface="Cambria Math" panose="02040503050406030204" pitchFamily="18" charset="0"/>
-                        </a:rPr>
-                      </m:ctrlPr>
-                      <m:type m:val="bar"/>
-                    </m:fPr>
-                    <m:num>
-                      <m:r>
-                        <a:rPr xmlns:a="http://schemas.openxmlformats.org/drawingml/2006/main" sz="2400" i="1">
-                          <a:solidFill>
-                            <a:srgbClr val="000000"/>
-                          </a:solidFill>
-                          <a:latin typeface="Cambria Math" panose="02040503050406030204" pitchFamily="18" charset="0"/>
-                        </a:rPr>
-                        <m:t>1</m:t>
-                      </m:r>
-                    </m:num>
-                    <m:den>
-                      <m:r>
-                        <a:rPr xmlns:a="http://schemas.openxmlformats.org/drawingml/2006/main" sz="2400" i="1">
-                          <a:solidFill>
-                            <a:srgbClr val="000000"/>
-                          </a:solidFill>
-                          <a:latin typeface="Cambria Math" panose="02040503050406030204" pitchFamily="18" charset="0"/>
-                        </a:rPr>
-                        <m:t>m</m:t>
-                      </m:r>
-                    </m:den>
-                  </m:f>
-                  <m:limUpp>
-                    <m:e>
-                      <m:limLow>
-                        <m:e>
-                          <m:r>
-                            <a:rPr xmlns:a="http://schemas.openxmlformats.org/drawingml/2006/main" sz="2400" i="1">
-                              <a:solidFill>
-                                <a:srgbClr val="000000"/>
-                              </a:solidFill>
-                              <a:latin typeface="Cambria Math" panose="02040503050406030204" pitchFamily="18" charset="0"/>
-                            </a:rPr>
-                            <m:t>∑</m:t>
-                          </m:r>
-                        </m:e>
-                        <m:lim>
-                          <m:r>
-                            <a:rPr xmlns:a="http://schemas.openxmlformats.org/drawingml/2006/main" sz="2400" i="1">
-                              <a:solidFill>
-                                <a:srgbClr val="000000"/>
-                              </a:solidFill>
-                              <a:latin typeface="Cambria Math" panose="02040503050406030204" pitchFamily="18" charset="0"/>
-                            </a:rPr>
-                            <m:t>i</m:t>
-                          </m:r>
-                        </m:lim>
-                      </m:limLow>
-                    </m:e>
-                    <m:lim>
-                      <m:r>
-                        <a:rPr xmlns:a="http://schemas.openxmlformats.org/drawingml/2006/main" sz="2400" i="1">
-                          <a:solidFill>
-                            <a:srgbClr val="000000"/>
-                          </a:solidFill>
-                          <a:latin typeface="Cambria Math" panose="02040503050406030204" pitchFamily="18" charset="0"/>
-                        </a:rPr>
-                        <m:t>m</m:t>
-                      </m:r>
-                    </m:lim>
-                  </m:limUpp>
-                  <m:r>
-                    <m:rPr>
-                      <m:sty m:val="p"/>
-                      <m:scr m:val="double-struck"/>
-                    </m:rPr>
-                    <a:rPr xmlns:a="http://schemas.openxmlformats.org/drawingml/2006/main" sz="2400" i="1">
-                      <a:solidFill>
-                        <a:srgbClr val="000000"/>
-                      </a:solidFill>
-                      <a:latin typeface="Cambria Math" panose="02040503050406030204" pitchFamily="18" charset="0"/>
-                    </a:rPr>
-                    <m:t>H</m:t>
-                  </m:r>
-                  <m:r>
-                    <a:rPr xmlns:a="http://schemas.openxmlformats.org/drawingml/2006/main" sz="2400" i="1">
-                      <a:solidFill>
-                        <a:srgbClr val="000000"/>
-                      </a:solidFill>
-                      <a:latin typeface="Cambria Math" panose="02040503050406030204" pitchFamily="18" charset="0"/>
-                    </a:rPr>
-                    <m:t>(</m:t>
-                  </m:r>
-                  <m:sSub>
-                    <m:e>
-                      <m:r>
-                        <a:rPr xmlns:a="http://schemas.openxmlformats.org/drawingml/2006/main" sz="2400" i="1">
-                          <a:solidFill>
-                            <a:srgbClr val="000000"/>
-                          </a:solidFill>
-                          <a:latin typeface="Cambria Math" panose="02040503050406030204" pitchFamily="18" charset="0"/>
-                        </a:rPr>
-                        <m:t>y</m:t>
-                      </m:r>
-                    </m:e>
-                    <m:sub>
-                      <m:r>
-                        <a:rPr xmlns:a="http://schemas.openxmlformats.org/drawingml/2006/main" sz="2400" i="1">
-                          <a:solidFill>
-                            <a:srgbClr val="000000"/>
-                          </a:solidFill>
-                          <a:latin typeface="Cambria Math" panose="02040503050406030204" pitchFamily="18" charset="0"/>
-                        </a:rPr>
-                        <m:t>i</m:t>
-                      </m:r>
-                    </m:sub>
-                  </m:sSub>
-                  <m:r>
-                    <a:rPr xmlns:a="http://schemas.openxmlformats.org/drawingml/2006/main" sz="2400" i="1">
-                      <a:solidFill>
-                        <a:srgbClr val="000000"/>
-                      </a:solidFill>
-                      <a:latin typeface="Cambria Math" panose="02040503050406030204" pitchFamily="18" charset="0"/>
-                    </a:rPr>
-                    <m:t>,</m:t>
-                  </m:r>
-                  <m:sSub>
-                    <m:e>
-                      <m:r>
-                        <a:rPr xmlns:a="http://schemas.openxmlformats.org/drawingml/2006/main" sz="2400" i="1">
-                          <a:solidFill>
-                            <a:srgbClr val="000000"/>
-                          </a:solidFill>
-                          <a:latin typeface="Cambria Math" panose="02040503050406030204" pitchFamily="18" charset="0"/>
-                        </a:rPr>
-                        <m:t>h</m:t>
-                      </m:r>
-                    </m:e>
-                    <m:sub>
-                      <m:r>
-                        <a:rPr xmlns:a="http://schemas.openxmlformats.org/drawingml/2006/main" sz="2400" i="1">
-                          <a:solidFill>
-                            <a:srgbClr val="000000"/>
-                          </a:solidFill>
-                          <a:latin typeface="Cambria Math" panose="02040503050406030204" pitchFamily="18" charset="0"/>
-                        </a:rPr>
-                        <m:t>θ</m:t>
-                      </m:r>
-                    </m:sub>
-                  </m:sSub>
-                  <m:r>
-                    <a:rPr xmlns:a="http://schemas.openxmlformats.org/drawingml/2006/main" sz="2400" i="1">
-                      <a:solidFill>
-                        <a:srgbClr val="000000"/>
-                      </a:solidFill>
-                      <a:latin typeface="Cambria Math" panose="02040503050406030204" pitchFamily="18" charset="0"/>
-                    </a:rPr>
-                    <m:t>(</m:t>
-                  </m:r>
-                  <m:sSub>
-                    <m:e>
-                      <m:r>
-                        <a:rPr xmlns:a="http://schemas.openxmlformats.org/drawingml/2006/main" sz="2400" i="1">
-                          <a:solidFill>
-                            <a:srgbClr val="000000"/>
-                          </a:solidFill>
-                          <a:latin typeface="Cambria Math" panose="02040503050406030204" pitchFamily="18" charset="0"/>
-                        </a:rPr>
-                        <m:t>x</m:t>
-                      </m:r>
-                    </m:e>
-                    <m:sub>
-                      <m:r>
-                        <a:rPr xmlns:a="http://schemas.openxmlformats.org/drawingml/2006/main" sz="2400" i="1">
-                          <a:solidFill>
-                            <a:srgbClr val="000000"/>
-                          </a:solidFill>
-                          <a:latin typeface="Cambria Math" panose="02040503050406030204" pitchFamily="18" charset="0"/>
-                        </a:rPr>
-                        <m:t>i</m:t>
-                      </m:r>
-                    </m:sub>
-                  </m:sSub>
-                  <m:r>
-                    <a:rPr xmlns:a="http://schemas.openxmlformats.org/drawingml/2006/main" sz="2400" i="1">
-                      <a:solidFill>
-                        <a:srgbClr val="000000"/>
-                      </a:solidFill>
-                      <a:latin typeface="Cambria Math" panose="02040503050406030204" pitchFamily="18" charset="0"/>
-                    </a:rPr>
-                    <m:t>)</m:t>
-                  </m:r>
-                  <m:r>
-                    <a:rPr xmlns:a="http://schemas.openxmlformats.org/drawingml/2006/main" sz="2400" i="1">
-                      <a:solidFill>
-                        <a:srgbClr val="000000"/>
-                      </a:solidFill>
-                      <a:latin typeface="Cambria Math" panose="02040503050406030204" pitchFamily="18" charset="0"/>
-                    </a:rPr>
-                    <m:t>)</m:t>
-                  </m:r>
-                </m:oMath>
-              </m:oMathPara>
-            </a14:m>
-            <a:endParaRPr sz="2400"/>
-          </a:p>
-        </p:txBody>
-      </p:sp>
-    </p:spTree>
-  </p:cSld>
-  <p:clrMapOvr>
-    <a:masterClrMapping/>
-  </p:clrMapOvr>
-  <p:transition xmlns:p14="http://schemas.microsoft.com/office/powerpoint/2010/main" spd="med" advClick="1"/>
-</p:sld>
-</file>
-
-<file path=ppt/slides/slide24.xml><?xml version="1.0" encoding="utf-8"?>
-<p:sld xmlns:a="http://schemas.openxmlformats.org/drawingml/2006/main" xmlns:r="http://schemas.openxmlformats.org/officeDocument/2006/relationships" xmlns:p="http://schemas.openxmlformats.org/presentationml/2006/main" xmlns:m="http://schemas.openxmlformats.org/officeDocument/2006/math" xmlns:a14="http://schemas.microsoft.com/office/drawing/2010/main" showMasterSp="1" showMasterPhAnim="1">
-  <p:cSld>
-    <p:spTree>
-      <p:nvGrpSpPr>
-        <p:cNvPr id="1" name=""/>
-        <p:cNvGrpSpPr/>
-        <p:nvPr/>
-      </p:nvGrpSpPr>
-      <p:grpSpPr>
-        <a:xfrm>
-          <a:off x="0" y="0"/>
-          <a:ext cx="0" cy="0"/>
-          <a:chOff x="0" y="0"/>
-          <a:chExt cx="0" cy="0"/>
-        </a:xfrm>
-      </p:grpSpPr>
-      <p:pic>
-        <p:nvPicPr>
-          <p:cNvPr id="909" name="Picture 29" descr="Picture 29"/>
-          <p:cNvPicPr>
-            <a:picLocks noChangeAspect="1"/>
-          </p:cNvPicPr>
-          <p:nvPr/>
-        </p:nvPicPr>
-        <p:blipFill>
-          <a:blip r:embed="rId2">
-            <a:extLst/>
-          </a:blip>
-          <a:stretch>
-            <a:fillRect/>
-          </a:stretch>
-        </p:blipFill>
-        <p:spPr>
-          <a:xfrm>
-            <a:off x="1520576" y="1742439"/>
-            <a:ext cx="7214618" cy="651511"/>
-          </a:xfrm>
-          <a:prstGeom prst="rect">
-            <a:avLst/>
-          </a:prstGeom>
-          <a:ln w="12700">
-            <a:miter lim="400000"/>
-          </a:ln>
-        </p:spPr>
-      </p:pic>
-      <p:sp>
-        <p:nvSpPr>
-          <p:cNvPr id="910" name="TextBox 20"/>
-          <p:cNvSpPr txBox="1"/>
-          <p:nvPr/>
-        </p:nvSpPr>
-        <p:spPr>
-          <a:xfrm>
-            <a:off x="883919" y="4135539"/>
-            <a:ext cx="5318761" cy="459741"/>
-          </a:xfrm>
-          <a:prstGeom prst="rect">
-            <a:avLst/>
-          </a:prstGeom>
-          <a:ln w="12700">
-            <a:miter lim="400000"/>
-          </a:ln>
-          <a:extLst>
-            <a:ext uri="{C572A759-6A51-4108-AA02-DFA0A04FC94B}">
-              <ma14:wrappingTextBoxFlag xmlns:ma14="http://schemas.microsoft.com/office/mac/drawingml/2011/main" val="1"/>
-            </a:ext>
-          </a:extLst>
-        </p:spPr>
-        <p:txBody>
-          <a:bodyPr lIns="45719" rIns="45719">
-            <a:spAutoFit/>
-          </a:bodyPr>
-          <a:lstStyle>
-            <a:lvl1pPr>
-              <a:defRPr sz="2400"/>
-            </a:lvl1pPr>
-          </a:lstStyle>
-          <a:p>
-            <a:pPr/>
-            <a:r>
-              <a:t>Output </a:t>
-            </a:r>
-          </a:p>
-        </p:txBody>
-      </p:sp>
-      <p:sp>
-        <p:nvSpPr>
-          <p:cNvPr id="911" name="TextBox 19"/>
-          <p:cNvSpPr txBox="1"/>
-          <p:nvPr/>
-        </p:nvSpPr>
-        <p:spPr>
-          <a:xfrm>
-            <a:off x="426719" y="158750"/>
-            <a:ext cx="8806466" cy="828041"/>
-          </a:xfrm>
-          <a:prstGeom prst="rect">
-            <a:avLst/>
-          </a:prstGeom>
-          <a:ln w="12700">
-            <a:miter lim="400000"/>
-          </a:ln>
-          <a:extLst>
-            <a:ext uri="{C572A759-6A51-4108-AA02-DFA0A04FC94B}">
-              <ma14:wrappingTextBoxFlag xmlns:ma14="http://schemas.microsoft.com/office/mac/drawingml/2011/main" val="1"/>
-            </a:ext>
-          </a:extLst>
-        </p:spPr>
-        <p:txBody>
-          <a:bodyPr lIns="45719" rIns="45719">
-            <a:spAutoFit/>
-          </a:bodyPr>
-          <a:lstStyle>
-            <a:lvl1pPr>
-              <a:defRPr b="1" sz="2400"/>
-            </a:lvl1pPr>
-          </a:lstStyle>
-          <a:p>
-            <a:pPr/>
-            <a:r>
-              <a:t>No close form solution exists for the logistic regression cost</a:t>
-            </a:r>
-          </a:p>
-        </p:txBody>
-      </p:sp>
-      <p:pic>
-        <p:nvPicPr>
-          <p:cNvPr id="912" name="Picture 3" descr="Picture 3"/>
-          <p:cNvPicPr>
-            <a:picLocks noChangeAspect="1"/>
-          </p:cNvPicPr>
-          <p:nvPr/>
-        </p:nvPicPr>
-        <p:blipFill>
-          <a:blip r:embed="rId3">
-            <a:extLst/>
-          </a:blip>
-          <a:stretch>
-            <a:fillRect/>
-          </a:stretch>
-        </p:blipFill>
-        <p:spPr>
-          <a:xfrm>
-            <a:off x="838200" y="1087705"/>
-            <a:ext cx="4169665" cy="651511"/>
-          </a:xfrm>
-          <a:prstGeom prst="rect">
-            <a:avLst/>
-          </a:prstGeom>
-          <a:ln w="12700">
-            <a:miter lim="400000"/>
-          </a:ln>
-        </p:spPr>
-      </p:pic>
-      <p:sp>
-        <p:nvSpPr>
-          <p:cNvPr id="913" name="TextBox 10"/>
-          <p:cNvSpPr txBox="1"/>
-          <p:nvPr/>
-        </p:nvSpPr>
-        <p:spPr>
-          <a:xfrm>
-            <a:off x="448980" y="2511457"/>
-            <a:ext cx="5318761" cy="459741"/>
-          </a:xfrm>
-          <a:prstGeom prst="rect">
-            <a:avLst/>
-          </a:prstGeom>
-          <a:ln w="12700">
-            <a:miter lim="400000"/>
-          </a:ln>
-          <a:extLst>
-            <a:ext uri="{C572A759-6A51-4108-AA02-DFA0A04FC94B}">
-              <ma14:wrappingTextBoxFlag xmlns:ma14="http://schemas.microsoft.com/office/mac/drawingml/2011/main" val="1"/>
-            </a:ext>
-          </a:extLst>
-        </p:spPr>
-        <p:txBody>
-          <a:bodyPr lIns="45719" rIns="45719">
-            <a:spAutoFit/>
-          </a:bodyPr>
-          <a:lstStyle>
-            <a:lvl1pPr>
-              <a:defRPr sz="2400"/>
-            </a:lvl1pPr>
-          </a:lstStyle>
-          <a:p>
-            <a:pPr/>
-            <a:r>
-              <a:t>To fit parameters    : </a:t>
-            </a:r>
-          </a:p>
-        </p:txBody>
-      </p:sp>
-      <p:pic>
-        <p:nvPicPr>
-          <p:cNvPr id="914" name="Picture 9" descr="Picture 9"/>
-          <p:cNvPicPr>
-            <a:picLocks noChangeAspect="1"/>
-          </p:cNvPicPr>
-          <p:nvPr/>
-        </p:nvPicPr>
-        <p:blipFill>
-          <a:blip r:embed="rId4">
-            <a:extLst/>
-          </a:blip>
-          <a:stretch>
-            <a:fillRect/>
-          </a:stretch>
-        </p:blipFill>
-        <p:spPr>
-          <a:xfrm>
-            <a:off x="2899105" y="2653109"/>
-            <a:ext cx="128017" cy="219457"/>
-          </a:xfrm>
-          <a:prstGeom prst="rect">
-            <a:avLst/>
-          </a:prstGeom>
-          <a:ln w="12700">
-            <a:miter lim="400000"/>
-          </a:ln>
-        </p:spPr>
-      </p:pic>
-      <p:pic>
-        <p:nvPicPr>
-          <p:cNvPr id="915" name="Picture 2" descr="Picture 2"/>
-          <p:cNvPicPr>
-            <a:picLocks noChangeAspect="1"/>
-          </p:cNvPicPr>
-          <p:nvPr/>
-        </p:nvPicPr>
-        <p:blipFill>
-          <a:blip r:embed="rId5">
-            <a:extLst/>
-          </a:blip>
-          <a:stretch>
-            <a:fillRect/>
-          </a:stretch>
-        </p:blipFill>
-        <p:spPr>
-          <a:xfrm>
-            <a:off x="1483956" y="3062529"/>
-            <a:ext cx="1104140" cy="429769"/>
-          </a:xfrm>
-          <a:prstGeom prst="rect">
-            <a:avLst/>
-          </a:prstGeom>
-          <a:ln w="12700">
-            <a:miter lim="400000"/>
-          </a:ln>
-        </p:spPr>
-      </p:pic>
-      <p:sp>
-        <p:nvSpPr>
-          <p:cNvPr id="916" name="TextBox 15"/>
-          <p:cNvSpPr txBox="1"/>
-          <p:nvPr/>
-        </p:nvSpPr>
-        <p:spPr>
-          <a:xfrm>
-            <a:off x="448980" y="3638550"/>
-            <a:ext cx="5318761" cy="459740"/>
-          </a:xfrm>
-          <a:prstGeom prst="rect">
-            <a:avLst/>
-          </a:prstGeom>
-          <a:ln w="12700">
-            <a:miter lim="400000"/>
-          </a:ln>
-          <a:extLst>
-            <a:ext uri="{C572A759-6A51-4108-AA02-DFA0A04FC94B}">
-              <ma14:wrappingTextBoxFlag xmlns:ma14="http://schemas.microsoft.com/office/mac/drawingml/2011/main" val="1"/>
-            </a:ext>
-          </a:extLst>
-        </p:spPr>
-        <p:txBody>
-          <a:bodyPr lIns="45719" rIns="45719">
-            <a:spAutoFit/>
-          </a:bodyPr>
-          <a:lstStyle>
-            <a:lvl1pPr>
-              <a:defRPr sz="2400"/>
-            </a:lvl1pPr>
-          </a:lstStyle>
-          <a:p>
-            <a:pPr/>
-            <a:r>
-              <a:t>To make a prediction given new   :</a:t>
-            </a:r>
-          </a:p>
-        </p:txBody>
-      </p:sp>
-      <p:pic>
-        <p:nvPicPr>
-          <p:cNvPr id="917" name="Picture 14" descr="Picture 14"/>
-          <p:cNvPicPr>
-            <a:picLocks noChangeAspect="1"/>
-          </p:cNvPicPr>
-          <p:nvPr/>
-        </p:nvPicPr>
-        <p:blipFill>
-          <a:blip r:embed="rId6">
-            <a:extLst/>
-          </a:blip>
-          <a:stretch>
-            <a:fillRect/>
-          </a:stretch>
-        </p:blipFill>
-        <p:spPr>
-          <a:xfrm>
-            <a:off x="4834942" y="3836329"/>
-            <a:ext cx="153163" cy="137161"/>
-          </a:xfrm>
-          <a:prstGeom prst="rect">
-            <a:avLst/>
-          </a:prstGeom>
-          <a:ln w="12700">
-            <a:miter lim="400000"/>
-          </a:ln>
-        </p:spPr>
-      </p:pic>
-      <p:pic>
-        <p:nvPicPr>
-          <p:cNvPr id="918" name="Picture 5" descr="Picture 5"/>
-          <p:cNvPicPr>
-            <a:picLocks noChangeAspect="1"/>
-          </p:cNvPicPr>
-          <p:nvPr/>
-        </p:nvPicPr>
-        <p:blipFill>
-          <a:blip r:embed="rId7">
-            <a:extLst/>
-          </a:blip>
-          <a:stretch>
-            <a:fillRect/>
-          </a:stretch>
-        </p:blipFill>
-        <p:spPr>
-          <a:xfrm>
-            <a:off x="1947560" y="4202498"/>
-            <a:ext cx="2146556" cy="438913"/>
-          </a:xfrm>
-          <a:prstGeom prst="rect">
-            <a:avLst/>
-          </a:prstGeom>
-          <a:ln w="12700">
-            <a:miter lim="400000"/>
-          </a:ln>
-        </p:spPr>
-      </p:pic>
-    </p:spTree>
-  </p:cSld>
-  <p:clrMapOvr>
-    <a:masterClrMapping/>
-  </p:clrMapOvr>
-  <p:transition xmlns:p14="http://schemas.microsoft.com/office/powerpoint/2010/main" spd="med" advClick="1"/>
-  <p:timing>
-    <p:tnLst>
-      <p:par>
-        <p:cTn id="1" nodeType="tmRoot" restart="never" dur="indefinite" fill="hold">
-          <p:childTnLst>
-            <p:seq concurrent="1" prevAc="none" nextAc="seek">
-              <p:cTn id="2" nodeType="mainSeq" dur="indefinite" fill="hold">
-                <p:childTnLst>
-                  <p:par>
-                    <p:cTn id="3" fill="hold">
-                      <p:stCondLst>
-                        <p:cond delay="indefinite"/>
-                      </p:stCondLst>
-                      <p:childTnLst>
-                        <p:par>
-                          <p:cTn id="4" fill="hold">
-                            <p:stCondLst>
-                              <p:cond delay="0"/>
-                            </p:stCondLst>
-                            <p:childTnLst>
-                              <p:par>
-                                <p:cTn id="5" presetClass="entr" nodeType="clickEffect" presetSubtype="0" presetID="1" grpId="1" fill="hold">
-                                  <p:stCondLst>
-                                    <p:cond delay="0"/>
-                                  </p:stCondLst>
-                                  <p:iterate type="el" backwards="0">
-                                    <p:tmAbs val="0"/>
-                                  </p:iterate>
-                                  <p:childTnLst>
-                                    <p:set>
-                                      <p:cBhvr>
-                                        <p:cTn id="6" fill="hold"/>
-                                        <p:tgtEl>
-                                          <p:spTgt spid="913"/>
-                                        </p:tgtEl>
-                                        <p:attrNameLst>
-                                          <p:attrName>style.visibility</p:attrName>
-                                        </p:attrNameLst>
-                                      </p:cBhvr>
-                                      <p:to>
-                                        <p:strVal val="visible"/>
-                                      </p:to>
-                                    </p:set>
-                                  </p:childTnLst>
-                                </p:cTn>
-                              </p:par>
-                            </p:childTnLst>
-                          </p:cTn>
-                        </p:par>
-                        <p:par>
-                          <p:cTn id="7" fill="hold">
-                            <p:stCondLst>
-                              <p:cond delay="0"/>
-                            </p:stCondLst>
-                            <p:childTnLst>
-                              <p:par>
-                                <p:cTn id="8" presetClass="entr" nodeType="afterEffect" presetSubtype="0" presetID="1" grpId="2" fill="hold">
-                                  <p:stCondLst>
-                                    <p:cond delay="0"/>
-                                  </p:stCondLst>
-                                  <p:iterate type="el" backwards="0">
-                                    <p:tmAbs val="0"/>
-                                  </p:iterate>
-                                  <p:childTnLst>
-                                    <p:set>
-                                      <p:cBhvr>
-                                        <p:cTn id="9" fill="hold"/>
-                                        <p:tgtEl>
-                                          <p:spTgt spid="915"/>
-                                        </p:tgtEl>
-                                        <p:attrNameLst>
-                                          <p:attrName>style.visibility</p:attrName>
-                                        </p:attrNameLst>
-                                      </p:cBhvr>
-                                      <p:to>
-                                        <p:strVal val="visible"/>
-                                      </p:to>
-                                    </p:set>
-                                  </p:childTnLst>
-                                </p:cTn>
-                              </p:par>
-                            </p:childTnLst>
-                          </p:cTn>
-                        </p:par>
-                        <p:par>
-                          <p:cTn id="10" fill="hold">
-                            <p:stCondLst>
-                              <p:cond delay="0"/>
-                            </p:stCondLst>
-                            <p:childTnLst>
-                              <p:par>
-                                <p:cTn id="11" presetClass="entr" nodeType="afterEffect" presetSubtype="0" presetID="1" grpId="3" fill="hold">
-                                  <p:stCondLst>
-                                    <p:cond delay="0"/>
-                                  </p:stCondLst>
-                                  <p:iterate type="el" backwards="0">
-                                    <p:tmAbs val="0"/>
-                                  </p:iterate>
-                                  <p:childTnLst>
-                                    <p:set>
-                                      <p:cBhvr>
-                                        <p:cTn id="12" fill="hold"/>
-                                        <p:tgtEl>
-                                          <p:spTgt spid="914"/>
-                                        </p:tgtEl>
-                                        <p:attrNameLst>
-                                          <p:attrName>style.visibility</p:attrName>
-                                        </p:attrNameLst>
-                                      </p:cBhvr>
-                                      <p:to>
-                                        <p:strVal val="visible"/>
-                                      </p:to>
-                                    </p:set>
-                                  </p:childTnLst>
-                                </p:cTn>
-                              </p:par>
-                            </p:childTnLst>
-                          </p:cTn>
-                        </p:par>
-                      </p:childTnLst>
-                    </p:cTn>
-                  </p:par>
-                  <p:par>
-                    <p:cTn id="13" fill="hold">
-                      <p:stCondLst>
-                        <p:cond delay="indefinite"/>
-                      </p:stCondLst>
-                      <p:childTnLst>
-                        <p:par>
-                          <p:cTn id="14" fill="hold">
-                            <p:stCondLst>
-                              <p:cond delay="0"/>
-                            </p:stCondLst>
-                            <p:childTnLst>
-                              <p:par>
-                                <p:cTn id="15" presetClass="entr" nodeType="clickEffect" presetSubtype="0" presetID="1" grpId="4" fill="hold">
-                                  <p:stCondLst>
-                                    <p:cond delay="0"/>
-                                  </p:stCondLst>
-                                  <p:iterate type="el" backwards="0">
-                                    <p:tmAbs val="0"/>
-                                  </p:iterate>
-                                  <p:childTnLst>
-                                    <p:set>
-                                      <p:cBhvr>
-                                        <p:cTn id="16" fill="hold"/>
-                                        <p:tgtEl>
-                                          <p:spTgt spid="916"/>
-                                        </p:tgtEl>
-                                        <p:attrNameLst>
-                                          <p:attrName>style.visibility</p:attrName>
-                                        </p:attrNameLst>
-                                      </p:cBhvr>
-                                      <p:to>
-                                        <p:strVal val="visible"/>
-                                      </p:to>
-                                    </p:set>
-                                  </p:childTnLst>
-                                </p:cTn>
-                              </p:par>
-                            </p:childTnLst>
-                          </p:cTn>
-                        </p:par>
-                        <p:par>
-                          <p:cTn id="17" fill="hold">
-                            <p:stCondLst>
-                              <p:cond delay="0"/>
-                            </p:stCondLst>
-                            <p:childTnLst>
-                              <p:par>
-                                <p:cTn id="18" presetClass="entr" nodeType="afterEffect" presetSubtype="0" presetID="1" grpId="5" fill="hold">
-                                  <p:stCondLst>
-                                    <p:cond delay="0"/>
-                                  </p:stCondLst>
-                                  <p:iterate type="el" backwards="0">
-                                    <p:tmAbs val="0"/>
-                                  </p:iterate>
-                                  <p:childTnLst>
-                                    <p:set>
-                                      <p:cBhvr>
-                                        <p:cTn id="19" fill="hold"/>
-                                        <p:tgtEl>
-                                          <p:spTgt spid="910"/>
-                                        </p:tgtEl>
-                                        <p:attrNameLst>
-                                          <p:attrName>style.visibility</p:attrName>
-                                        </p:attrNameLst>
-                                      </p:cBhvr>
-                                      <p:to>
-                                        <p:strVal val="visible"/>
-                                      </p:to>
-                                    </p:set>
-                                  </p:childTnLst>
-                                </p:cTn>
-                              </p:par>
-                            </p:childTnLst>
-                          </p:cTn>
-                        </p:par>
-                        <p:par>
-                          <p:cTn id="20" fill="hold">
-                            <p:stCondLst>
-                              <p:cond delay="0"/>
-                            </p:stCondLst>
-                            <p:childTnLst>
-                              <p:par>
-                                <p:cTn id="21" presetClass="entr" nodeType="afterEffect" presetSubtype="0" presetID="1" grpId="6" fill="hold">
-                                  <p:stCondLst>
-                                    <p:cond delay="0"/>
-                                  </p:stCondLst>
-                                  <p:iterate type="el" backwards="0">
-                                    <p:tmAbs val="0"/>
-                                  </p:iterate>
-                                  <p:childTnLst>
-                                    <p:set>
-                                      <p:cBhvr>
-                                        <p:cTn id="22" fill="hold"/>
-                                        <p:tgtEl>
-                                          <p:spTgt spid="918"/>
-                                        </p:tgtEl>
-                                        <p:attrNameLst>
-                                          <p:attrName>style.visibility</p:attrName>
-                                        </p:attrNameLst>
-                                      </p:cBhvr>
-                                      <p:to>
-                                        <p:strVal val="visible"/>
-                                      </p:to>
-                                    </p:set>
-                                  </p:childTnLst>
-                                </p:cTn>
-                              </p:par>
-                            </p:childTnLst>
-                          </p:cTn>
-                        </p:par>
-                        <p:par>
-                          <p:cTn id="23" fill="hold">
-                            <p:stCondLst>
-                              <p:cond delay="0"/>
-                            </p:stCondLst>
-                            <p:childTnLst>
-                              <p:par>
-                                <p:cTn id="24" presetClass="entr" nodeType="afterEffect" presetSubtype="0" presetID="1" grpId="7" fill="hold">
-                                  <p:stCondLst>
-                                    <p:cond delay="0"/>
-                                  </p:stCondLst>
-                                  <p:iterate type="el" backwards="0">
-                                    <p:tmAbs val="0"/>
-                                  </p:iterate>
-                                  <p:childTnLst>
-                                    <p:set>
-                                      <p:cBhvr>
-                                        <p:cTn id="25" fill="hold"/>
-                                        <p:tgtEl>
-                                          <p:spTgt spid="917"/>
-                                        </p:tgtEl>
-                                        <p:attrNameLst>
-                                          <p:attrName>style.visibility</p:attrName>
-                                        </p:attrNameLst>
-                                      </p:cBhvr>
-                                      <p:to>
-                                        <p:strVal val="visible"/>
-                                      </p:to>
-                                    </p:set>
-                                  </p:childTnLst>
-                                </p:cTn>
-                              </p:par>
-                            </p:childTnLst>
-                          </p:cTn>
-                        </p:par>
-                      </p:childTnLst>
-                    </p:cTn>
-                  </p:par>
-                </p:childTnLst>
-              </p:cTn>
-              <p:prevCondLst>
-                <p:cond evt="onPrev">
-                  <p:tgtEl>
-                    <p:sldTgt/>
-                  </p:tgtEl>
-                </p:cond>
-              </p:prevCondLst>
-              <p:nextCondLst>
-                <p:cond evt="onNext">
-                  <p:tgtEl>
-                    <p:sldTgt/>
-                  </p:tgtEl>
-                </p:cond>
-              </p:nextCondLst>
-            </p:seq>
-          </p:childTnLst>
-        </p:cTn>
-      </p:par>
-    </p:tnLst>
-    <p:bldLst>
-      <p:bldP build="whole" bldLvl="1" animBg="1" rev="0" advAuto="0" spid="915" grpId="2"/>
-      <p:bldP build="whole" bldLvl="1" animBg="1" rev="0" advAuto="0" spid="914" grpId="3"/>
-      <p:bldP build="whole" bldLvl="1" animBg="1" rev="0" advAuto="0" spid="918" grpId="6"/>
-      <p:bldP build="whole" bldLvl="1" animBg="1" rev="0" advAuto="0" spid="913" grpId="1"/>
-      <p:bldP build="whole" bldLvl="1" animBg="1" rev="0" advAuto="0" spid="917" grpId="7"/>
-      <p:bldP build="whole" bldLvl="1" animBg="1" rev="0" advAuto="0" spid="916" grpId="4"/>
-      <p:bldP build="whole" bldLvl="1" animBg="1" rev="0" advAuto="0" spid="910" grpId="5"/>
-    </p:bldLst>
-  </p:timing>
-</p:sld>
-</file>
-
-<file path=ppt/slides/slide25.xml><?xml version="1.0" encoding="utf-8"?>
-<p:sld xmlns:a="http://schemas.openxmlformats.org/drawingml/2006/main" xmlns:r="http://schemas.openxmlformats.org/officeDocument/2006/relationships" xmlns:p="http://schemas.openxmlformats.org/presentationml/2006/main" xmlns:m="http://schemas.openxmlformats.org/officeDocument/2006/math" xmlns:a14="http://schemas.microsoft.com/office/drawing/2010/main" showMasterSp="1" showMasterPhAnim="1">
-  <p:cSld>
-    <p:spTree>
-      <p:nvGrpSpPr>
-        <p:cNvPr id="1" name=""/>
-        <p:cNvGrpSpPr/>
-        <p:nvPr/>
-      </p:nvGrpSpPr>
-      <p:grpSpPr>
-        <a:xfrm>
-          <a:off x="0" y="0"/>
-          <a:ext cx="0" cy="0"/>
-          <a:chOff x="0" y="0"/>
-          <a:chExt cx="0" cy="0"/>
-        </a:xfrm>
-      </p:grpSpPr>
-      <p:sp>
-        <p:nvSpPr>
-          <p:cNvPr id="920" name="TextBox 19"/>
-          <p:cNvSpPr txBox="1"/>
-          <p:nvPr/>
-        </p:nvSpPr>
-        <p:spPr>
-          <a:xfrm>
-            <a:off x="426719" y="285750"/>
-            <a:ext cx="5318761" cy="459740"/>
-          </a:xfrm>
-          <a:prstGeom prst="rect">
-            <a:avLst/>
-          </a:prstGeom>
-          <a:ln w="12700">
-            <a:miter lim="400000"/>
-          </a:ln>
-          <a:extLst>
-            <a:ext uri="{C572A759-6A51-4108-AA02-DFA0A04FC94B}">
-              <ma14:wrappingTextBoxFlag xmlns:ma14="http://schemas.microsoft.com/office/mac/drawingml/2011/main" val="1"/>
-            </a:ext>
-          </a:extLst>
-        </p:spPr>
-        <p:txBody>
-          <a:bodyPr lIns="45719" rIns="45719">
-            <a:spAutoFit/>
-          </a:bodyPr>
-          <a:lstStyle>
-            <a:lvl1pPr>
-              <a:defRPr b="1" sz="2400"/>
-            </a:lvl1pPr>
-          </a:lstStyle>
-          <a:p>
-            <a:pPr/>
-            <a:r>
-              <a:t>Gradient Descent</a:t>
-            </a:r>
-          </a:p>
-        </p:txBody>
-      </p:sp>
-      <p:sp>
-        <p:nvSpPr>
-          <p:cNvPr id="921" name="TextBox 10"/>
-          <p:cNvSpPr txBox="1"/>
-          <p:nvPr/>
-        </p:nvSpPr>
-        <p:spPr>
-          <a:xfrm>
-            <a:off x="426719" y="1581150"/>
-            <a:ext cx="5318761" cy="459740"/>
-          </a:xfrm>
-          <a:prstGeom prst="rect">
-            <a:avLst/>
-          </a:prstGeom>
-          <a:ln w="12700">
-            <a:miter lim="400000"/>
-          </a:ln>
-          <a:extLst>
-            <a:ext uri="{C572A759-6A51-4108-AA02-DFA0A04FC94B}">
-              <ma14:wrappingTextBoxFlag xmlns:ma14="http://schemas.microsoft.com/office/mac/drawingml/2011/main" val="1"/>
-            </a:ext>
-          </a:extLst>
-        </p:spPr>
-        <p:txBody>
-          <a:bodyPr lIns="45719" rIns="45719">
-            <a:spAutoFit/>
-          </a:bodyPr>
-          <a:lstStyle>
-            <a:lvl1pPr>
-              <a:defRPr sz="2400"/>
-            </a:lvl1pPr>
-          </a:lstStyle>
-          <a:p>
-            <a:pPr/>
-            <a:r>
-              <a:t>Want                    :</a:t>
-            </a:r>
-          </a:p>
-        </p:txBody>
-      </p:sp>
-      <p:pic>
-        <p:nvPicPr>
-          <p:cNvPr id="922" name="Picture 12" descr="Picture 12"/>
-          <p:cNvPicPr>
-            <a:picLocks noChangeAspect="1"/>
-          </p:cNvPicPr>
-          <p:nvPr/>
-        </p:nvPicPr>
-        <p:blipFill>
-          <a:blip r:embed="rId2">
-            <a:extLst/>
-          </a:blip>
-          <a:stretch>
-            <a:fillRect/>
-          </a:stretch>
-        </p:blipFill>
-        <p:spPr>
-          <a:xfrm>
-            <a:off x="1265268" y="1679368"/>
-            <a:ext cx="1241298" cy="306325"/>
-          </a:xfrm>
-          <a:prstGeom prst="rect">
-            <a:avLst/>
-          </a:prstGeom>
-          <a:ln w="12700">
-            <a:miter lim="400000"/>
-          </a:ln>
-        </p:spPr>
-      </p:pic>
-      <p:pic>
-        <p:nvPicPr>
-          <p:cNvPr id="923" name="Picture 2" descr="Picture 2"/>
-          <p:cNvPicPr>
-            <a:picLocks noChangeAspect="1"/>
-          </p:cNvPicPr>
-          <p:nvPr/>
-        </p:nvPicPr>
-        <p:blipFill>
-          <a:blip r:embed="rId3">
-            <a:extLst/>
-          </a:blip>
-          <a:stretch>
-            <a:fillRect/>
-          </a:stretch>
-        </p:blipFill>
-        <p:spPr>
-          <a:xfrm>
-            <a:off x="838200" y="833705"/>
-            <a:ext cx="7879843" cy="651511"/>
-          </a:xfrm>
-          <a:prstGeom prst="rect">
-            <a:avLst/>
-          </a:prstGeom>
-          <a:ln w="12700">
-            <a:miter lim="400000"/>
-          </a:ln>
-        </p:spPr>
-      </p:pic>
-      <p:sp>
-        <p:nvSpPr>
-          <p:cNvPr id="924" name="TextBox 31"/>
-          <p:cNvSpPr txBox="1"/>
-          <p:nvPr/>
-        </p:nvSpPr>
-        <p:spPr>
-          <a:xfrm>
-            <a:off x="598136" y="2078886"/>
-            <a:ext cx="2575562" cy="396241"/>
-          </a:xfrm>
-          <a:prstGeom prst="rect">
-            <a:avLst/>
-          </a:prstGeom>
-          <a:ln w="12700">
-            <a:miter lim="400000"/>
-          </a:ln>
-          <a:extLst>
-            <a:ext uri="{C572A759-6A51-4108-AA02-DFA0A04FC94B}">
-              <ma14:wrappingTextBoxFlag xmlns:ma14="http://schemas.microsoft.com/office/mac/drawingml/2011/main" val="1"/>
-            </a:ext>
-          </a:extLst>
-        </p:spPr>
-        <p:txBody>
-          <a:bodyPr lIns="45719" rIns="45719">
-            <a:spAutoFit/>
-          </a:bodyPr>
-          <a:lstStyle>
-            <a:lvl1pPr>
-              <a:defRPr sz="2000"/>
-            </a:lvl1pPr>
-          </a:lstStyle>
-          <a:p>
-            <a:pPr/>
-            <a:r>
-              <a:t>Repeat</a:t>
-            </a:r>
-          </a:p>
-        </p:txBody>
-      </p:sp>
-      <p:pic>
-        <p:nvPicPr>
-          <p:cNvPr id="925" name="Picture 33" descr="Picture 33"/>
-          <p:cNvPicPr>
-            <a:picLocks noChangeAspect="1"/>
-          </p:cNvPicPr>
-          <p:nvPr/>
-        </p:nvPicPr>
-        <p:blipFill>
-          <a:blip r:embed="rId4">
-            <a:extLst/>
-          </a:blip>
-          <a:stretch>
-            <a:fillRect/>
-          </a:stretch>
-        </p:blipFill>
-        <p:spPr>
-          <a:xfrm>
-            <a:off x="1513679" y="2135053"/>
-            <a:ext cx="109729" cy="304039"/>
-          </a:xfrm>
-          <a:prstGeom prst="rect">
-            <a:avLst/>
-          </a:prstGeom>
-          <a:ln w="12700">
-            <a:miter lim="400000"/>
-          </a:ln>
-        </p:spPr>
-      </p:pic>
-      <p:pic>
-        <p:nvPicPr>
-          <p:cNvPr id="926" name="Picture 46" descr="Picture 46"/>
-          <p:cNvPicPr>
-            <a:picLocks noChangeAspect="1"/>
-          </p:cNvPicPr>
-          <p:nvPr/>
-        </p:nvPicPr>
-        <p:blipFill>
-          <a:blip r:embed="rId5">
-            <a:extLst/>
-          </a:blip>
-          <a:stretch>
-            <a:fillRect/>
-          </a:stretch>
-        </p:blipFill>
-        <p:spPr>
-          <a:xfrm>
-            <a:off x="971516" y="3410711"/>
-            <a:ext cx="109729" cy="304039"/>
-          </a:xfrm>
-          <a:prstGeom prst="rect">
-            <a:avLst/>
-          </a:prstGeom>
-          <a:ln w="12700">
-            <a:miter lim="400000"/>
-          </a:ln>
-        </p:spPr>
-      </p:pic>
-      <p:pic>
-        <p:nvPicPr>
-          <p:cNvPr id="927" name="Picture 4" descr="Picture 4"/>
-          <p:cNvPicPr>
-            <a:picLocks noChangeAspect="1"/>
-          </p:cNvPicPr>
-          <p:nvPr/>
-        </p:nvPicPr>
-        <p:blipFill>
-          <a:blip r:embed="rId6">
-            <a:extLst/>
-          </a:blip>
-          <a:stretch>
-            <a:fillRect/>
-          </a:stretch>
-        </p:blipFill>
-        <p:spPr>
-          <a:xfrm>
-            <a:off x="1207148" y="2627427"/>
-            <a:ext cx="2587752" cy="436628"/>
-          </a:xfrm>
-          <a:prstGeom prst="rect">
-            <a:avLst/>
-          </a:prstGeom>
-          <a:ln w="12700">
-            <a:miter lim="400000"/>
-          </a:ln>
-        </p:spPr>
-      </p:pic>
-      <p:sp>
-        <p:nvSpPr>
-          <p:cNvPr id="928" name="TextBox 48"/>
-          <p:cNvSpPr txBox="1"/>
-          <p:nvPr/>
-        </p:nvSpPr>
-        <p:spPr>
-          <a:xfrm>
-            <a:off x="3074637" y="3200507"/>
-            <a:ext cx="5242560" cy="396241"/>
-          </a:xfrm>
-          <a:prstGeom prst="rect">
-            <a:avLst/>
-          </a:prstGeom>
-          <a:ln w="12700">
-            <a:miter lim="400000"/>
-          </a:ln>
-          <a:extLst>
-            <a:ext uri="{C572A759-6A51-4108-AA02-DFA0A04FC94B}">
-              <ma14:wrappingTextBoxFlag xmlns:ma14="http://schemas.microsoft.com/office/mac/drawingml/2011/main" val="1"/>
-            </a:ext>
-          </a:extLst>
-        </p:spPr>
-        <p:txBody>
-          <a:bodyPr lIns="45719" rIns="45719">
-            <a:spAutoFit/>
-          </a:bodyPr>
-          <a:lstStyle>
-            <a:lvl1pPr>
-              <a:defRPr sz="2000"/>
-            </a:lvl1pPr>
-          </a:lstStyle>
-          <a:p>
-            <a:pPr/>
-            <a:r>
-              <a:t>(simultaneously update all     )</a:t>
-            </a:r>
-          </a:p>
-        </p:txBody>
-      </p:sp>
-      <p:pic>
-        <p:nvPicPr>
-          <p:cNvPr id="929" name="Picture 49" descr="Picture 49"/>
-          <p:cNvPicPr>
-            <a:picLocks noChangeAspect="1"/>
-          </p:cNvPicPr>
-          <p:nvPr/>
-        </p:nvPicPr>
-        <p:blipFill>
-          <a:blip r:embed="rId7">
-            <a:extLst/>
-          </a:blip>
-          <a:stretch>
-            <a:fillRect/>
-          </a:stretch>
-        </p:blipFill>
-        <p:spPr>
-          <a:xfrm>
-            <a:off x="6163309" y="3300347"/>
-            <a:ext cx="186691" cy="255271"/>
-          </a:xfrm>
-          <a:prstGeom prst="rect">
-            <a:avLst/>
-          </a:prstGeom>
-          <a:ln w="12700">
-            <a:miter lim="400000"/>
-          </a:ln>
-        </p:spPr>
-      </p:pic>
-    </p:spTree>
-  </p:cSld>
-  <p:clrMapOvr>
-    <a:masterClrMapping/>
-  </p:clrMapOvr>
-  <p:transition xmlns:p14="http://schemas.microsoft.com/office/powerpoint/2010/main" spd="med" advClick="1"/>
-</p:sld>
-</file>
-
-<file path=ppt/slides/slide26.xml><?xml version="1.0" encoding="utf-8"?>
-<p:sld xmlns:a="http://schemas.openxmlformats.org/drawingml/2006/main" xmlns:r="http://schemas.openxmlformats.org/officeDocument/2006/relationships" xmlns:p="http://schemas.openxmlformats.org/presentationml/2006/main" xmlns:m="http://schemas.openxmlformats.org/officeDocument/2006/math" xmlns:a14="http://schemas.microsoft.com/office/drawing/2010/main" showMasterSp="1" showMasterPhAnim="1">
-  <p:cSld>
-    <p:spTree>
-      <p:nvGrpSpPr>
-        <p:cNvPr id="1" name=""/>
-        <p:cNvGrpSpPr/>
-        <p:nvPr/>
-      </p:nvGrpSpPr>
-      <p:grpSpPr>
-        <a:xfrm>
-          <a:off x="0" y="0"/>
-          <a:ext cx="0" cy="0"/>
-          <a:chOff x="0" y="0"/>
-          <a:chExt cx="0" cy="0"/>
-        </a:xfrm>
-      </p:grpSpPr>
-      <p:pic>
-        <p:nvPicPr>
-          <p:cNvPr id="931" name="Picture 5" descr="Picture 5"/>
-          <p:cNvPicPr>
-            <a:picLocks noChangeAspect="1"/>
-          </p:cNvPicPr>
-          <p:nvPr/>
-        </p:nvPicPr>
-        <p:blipFill>
-          <a:blip r:embed="rId2">
-            <a:extLst/>
-          </a:blip>
-          <a:stretch>
-            <a:fillRect/>
-          </a:stretch>
-        </p:blipFill>
-        <p:spPr>
-          <a:xfrm>
-            <a:off x="1207148" y="2521960"/>
-            <a:ext cx="4528566" cy="651511"/>
-          </a:xfrm>
-          <a:prstGeom prst="rect">
-            <a:avLst/>
-          </a:prstGeom>
-          <a:ln w="12700">
-            <a:miter lim="400000"/>
-          </a:ln>
-        </p:spPr>
-      </p:pic>
-      <p:sp>
-        <p:nvSpPr>
-          <p:cNvPr id="932" name="TextBox 19"/>
-          <p:cNvSpPr txBox="1"/>
-          <p:nvPr/>
-        </p:nvSpPr>
-        <p:spPr>
-          <a:xfrm>
-            <a:off x="426719" y="285750"/>
-            <a:ext cx="5318761" cy="459740"/>
-          </a:xfrm>
-          <a:prstGeom prst="rect">
-            <a:avLst/>
-          </a:prstGeom>
-          <a:ln w="12700">
-            <a:miter lim="400000"/>
-          </a:ln>
-          <a:extLst>
-            <a:ext uri="{C572A759-6A51-4108-AA02-DFA0A04FC94B}">
-              <ma14:wrappingTextBoxFlag xmlns:ma14="http://schemas.microsoft.com/office/mac/drawingml/2011/main" val="1"/>
-            </a:ext>
-          </a:extLst>
-        </p:spPr>
-        <p:txBody>
-          <a:bodyPr lIns="45719" rIns="45719">
-            <a:spAutoFit/>
-          </a:bodyPr>
-          <a:lstStyle>
-            <a:lvl1pPr>
-              <a:defRPr b="1" sz="2400"/>
-            </a:lvl1pPr>
-          </a:lstStyle>
-          <a:p>
-            <a:pPr/>
-            <a:r>
-              <a:t>Gradient Descent</a:t>
-            </a:r>
-          </a:p>
-        </p:txBody>
-      </p:sp>
-      <p:sp>
-        <p:nvSpPr>
-          <p:cNvPr id="933" name="TextBox 10"/>
-          <p:cNvSpPr txBox="1"/>
-          <p:nvPr/>
-        </p:nvSpPr>
-        <p:spPr>
-          <a:xfrm>
-            <a:off x="426719" y="1581150"/>
-            <a:ext cx="5318761" cy="459740"/>
-          </a:xfrm>
-          <a:prstGeom prst="rect">
-            <a:avLst/>
-          </a:prstGeom>
-          <a:ln w="12700">
-            <a:miter lim="400000"/>
-          </a:ln>
-          <a:extLst>
-            <a:ext uri="{C572A759-6A51-4108-AA02-DFA0A04FC94B}">
-              <ma14:wrappingTextBoxFlag xmlns:ma14="http://schemas.microsoft.com/office/mac/drawingml/2011/main" val="1"/>
-            </a:ext>
-          </a:extLst>
-        </p:spPr>
-        <p:txBody>
-          <a:bodyPr lIns="45719" rIns="45719">
-            <a:spAutoFit/>
-          </a:bodyPr>
-          <a:lstStyle>
-            <a:lvl1pPr>
-              <a:defRPr sz="2400"/>
-            </a:lvl1pPr>
-          </a:lstStyle>
-          <a:p>
-            <a:pPr/>
-            <a:r>
-              <a:t>Want                    :</a:t>
-            </a:r>
-          </a:p>
-        </p:txBody>
-      </p:sp>
-      <p:pic>
-        <p:nvPicPr>
-          <p:cNvPr id="934" name="Picture 12" descr="Picture 12"/>
-          <p:cNvPicPr>
-            <a:picLocks noChangeAspect="1"/>
-          </p:cNvPicPr>
-          <p:nvPr/>
-        </p:nvPicPr>
-        <p:blipFill>
-          <a:blip r:embed="rId3">
-            <a:extLst/>
-          </a:blip>
-          <a:stretch>
-            <a:fillRect/>
-          </a:stretch>
-        </p:blipFill>
-        <p:spPr>
-          <a:xfrm>
-            <a:off x="1265268" y="1679368"/>
-            <a:ext cx="1241298" cy="306325"/>
-          </a:xfrm>
-          <a:prstGeom prst="rect">
-            <a:avLst/>
-          </a:prstGeom>
-          <a:ln w="12700">
-            <a:miter lim="400000"/>
-          </a:ln>
-        </p:spPr>
-      </p:pic>
-      <p:pic>
-        <p:nvPicPr>
-          <p:cNvPr id="935" name="Picture 2" descr="Picture 2"/>
-          <p:cNvPicPr>
-            <a:picLocks noChangeAspect="1"/>
-          </p:cNvPicPr>
-          <p:nvPr/>
-        </p:nvPicPr>
-        <p:blipFill>
-          <a:blip r:embed="rId4">
-            <a:extLst/>
-          </a:blip>
-          <a:stretch>
-            <a:fillRect/>
-          </a:stretch>
-        </p:blipFill>
-        <p:spPr>
-          <a:xfrm>
-            <a:off x="838200" y="833705"/>
-            <a:ext cx="7879843" cy="651511"/>
-          </a:xfrm>
-          <a:prstGeom prst="rect">
-            <a:avLst/>
-          </a:prstGeom>
-          <a:ln w="12700">
-            <a:miter lim="400000"/>
-          </a:ln>
-        </p:spPr>
-      </p:pic>
-      <p:sp>
-        <p:nvSpPr>
-          <p:cNvPr id="936" name="TextBox 30"/>
-          <p:cNvSpPr txBox="1"/>
-          <p:nvPr/>
-        </p:nvSpPr>
-        <p:spPr>
-          <a:xfrm>
-            <a:off x="3074637" y="3200507"/>
-            <a:ext cx="5242560" cy="396241"/>
-          </a:xfrm>
-          <a:prstGeom prst="rect">
-            <a:avLst/>
-          </a:prstGeom>
-          <a:ln w="12700">
-            <a:miter lim="400000"/>
-          </a:ln>
-          <a:extLst>
-            <a:ext uri="{C572A759-6A51-4108-AA02-DFA0A04FC94B}">
-              <ma14:wrappingTextBoxFlag xmlns:ma14="http://schemas.microsoft.com/office/mac/drawingml/2011/main" val="1"/>
-            </a:ext>
-          </a:extLst>
-        </p:spPr>
-        <p:txBody>
-          <a:bodyPr lIns="45719" rIns="45719">
-            <a:spAutoFit/>
-          </a:bodyPr>
-          <a:lstStyle>
-            <a:lvl1pPr>
-              <a:defRPr sz="2000"/>
-            </a:lvl1pPr>
-          </a:lstStyle>
-          <a:p>
-            <a:pPr/>
-            <a:r>
-              <a:t>(simultaneously update all     )</a:t>
-            </a:r>
-          </a:p>
-        </p:txBody>
-      </p:sp>
-      <p:sp>
-        <p:nvSpPr>
-          <p:cNvPr id="937" name="TextBox 31"/>
-          <p:cNvSpPr txBox="1"/>
-          <p:nvPr/>
-        </p:nvSpPr>
-        <p:spPr>
-          <a:xfrm>
-            <a:off x="598136" y="2078886"/>
-            <a:ext cx="2575562" cy="396241"/>
-          </a:xfrm>
-          <a:prstGeom prst="rect">
-            <a:avLst/>
-          </a:prstGeom>
-          <a:ln w="12700">
-            <a:miter lim="400000"/>
-          </a:ln>
-          <a:extLst>
-            <a:ext uri="{C572A759-6A51-4108-AA02-DFA0A04FC94B}">
-              <ma14:wrappingTextBoxFlag xmlns:ma14="http://schemas.microsoft.com/office/mac/drawingml/2011/main" val="1"/>
-            </a:ext>
-          </a:extLst>
-        </p:spPr>
-        <p:txBody>
-          <a:bodyPr lIns="45719" rIns="45719">
-            <a:spAutoFit/>
-          </a:bodyPr>
-          <a:lstStyle>
-            <a:lvl1pPr>
-              <a:defRPr sz="2000"/>
-            </a:lvl1pPr>
-          </a:lstStyle>
-          <a:p>
-            <a:pPr/>
-            <a:r>
-              <a:t>Repeat</a:t>
-            </a:r>
-          </a:p>
-        </p:txBody>
-      </p:sp>
-      <p:pic>
-        <p:nvPicPr>
-          <p:cNvPr id="938" name="Picture 3" descr="Picture 3"/>
-          <p:cNvPicPr>
-            <a:picLocks noChangeAspect="1"/>
-          </p:cNvPicPr>
-          <p:nvPr/>
-        </p:nvPicPr>
-        <p:blipFill>
-          <a:blip r:embed="rId5">
-            <a:extLst/>
-          </a:blip>
-          <a:stretch>
-            <a:fillRect/>
-          </a:stretch>
-        </p:blipFill>
-        <p:spPr>
-          <a:xfrm>
-            <a:off x="6125209" y="3300347"/>
-            <a:ext cx="186691" cy="255271"/>
-          </a:xfrm>
-          <a:prstGeom prst="rect">
-            <a:avLst/>
-          </a:prstGeom>
-          <a:ln w="12700">
-            <a:miter lim="400000"/>
-          </a:ln>
-        </p:spPr>
-      </p:pic>
-      <p:pic>
-        <p:nvPicPr>
-          <p:cNvPr id="939" name="Picture 33" descr="Picture 33"/>
-          <p:cNvPicPr>
-            <a:picLocks noChangeAspect="1"/>
-          </p:cNvPicPr>
-          <p:nvPr/>
-        </p:nvPicPr>
-        <p:blipFill>
-          <a:blip r:embed="rId6">
-            <a:extLst/>
-          </a:blip>
-          <a:stretch>
-            <a:fillRect/>
-          </a:stretch>
-        </p:blipFill>
-        <p:spPr>
-          <a:xfrm>
-            <a:off x="1513679" y="2135053"/>
-            <a:ext cx="109729" cy="304039"/>
-          </a:xfrm>
-          <a:prstGeom prst="rect">
-            <a:avLst/>
-          </a:prstGeom>
-          <a:ln w="12700">
-            <a:miter lim="400000"/>
-          </a:ln>
-        </p:spPr>
-      </p:pic>
-      <p:pic>
-        <p:nvPicPr>
-          <p:cNvPr id="940" name="Picture 34" descr="Picture 34"/>
-          <p:cNvPicPr>
-            <a:picLocks noChangeAspect="1"/>
-          </p:cNvPicPr>
-          <p:nvPr/>
-        </p:nvPicPr>
-        <p:blipFill>
-          <a:blip r:embed="rId7">
-            <a:extLst/>
-          </a:blip>
-          <a:stretch>
-            <a:fillRect/>
-          </a:stretch>
-        </p:blipFill>
-        <p:spPr>
-          <a:xfrm>
-            <a:off x="971516" y="3410711"/>
-            <a:ext cx="109729" cy="304039"/>
-          </a:xfrm>
-          <a:prstGeom prst="rect">
-            <a:avLst/>
-          </a:prstGeom>
-          <a:ln w="12700">
-            <a:miter lim="400000"/>
-          </a:ln>
-        </p:spPr>
-      </p:pic>
-      <p:sp>
-        <p:nvSpPr>
-          <p:cNvPr id="941" name="TextBox 14"/>
-          <p:cNvSpPr txBox="1"/>
-          <p:nvPr/>
-        </p:nvSpPr>
-        <p:spPr>
-          <a:xfrm>
-            <a:off x="451548" y="4171950"/>
-            <a:ext cx="7585745" cy="459740"/>
-          </a:xfrm>
-          <a:prstGeom prst="rect">
-            <a:avLst/>
-          </a:prstGeom>
-          <a:ln w="12700">
-            <a:miter lim="400000"/>
-          </a:ln>
-          <a:extLst>
-            <a:ext uri="{C572A759-6A51-4108-AA02-DFA0A04FC94B}">
-              <ma14:wrappingTextBoxFlag xmlns:ma14="http://schemas.microsoft.com/office/mac/drawingml/2011/main" val="1"/>
-            </a:ext>
-          </a:extLst>
-        </p:spPr>
-        <p:txBody>
-          <a:bodyPr lIns="45719" rIns="45719">
-            <a:spAutoFit/>
-          </a:bodyPr>
-          <a:lstStyle>
-            <a:lvl1pPr>
-              <a:defRPr sz="2400"/>
-            </a:lvl1pPr>
-          </a:lstStyle>
-          <a:p>
-            <a:pPr/>
-            <a:r>
-              <a:t>Algorithm looks identical to linear regression!</a:t>
-            </a:r>
-          </a:p>
-        </p:txBody>
-      </p:sp>
-    </p:spTree>
-  </p:cSld>
-  <p:clrMapOvr>
-    <a:masterClrMapping/>
-  </p:clrMapOvr>
-  <p:transition xmlns:p14="http://schemas.microsoft.com/office/powerpoint/2010/main" spd="med" advClick="1"/>
-  <p:timing>
-    <p:tnLst>
-      <p:par>
-        <p:cTn id="1" nodeType="tmRoot" restart="never" dur="indefinite" fill="hold">
-          <p:childTnLst>
-            <p:seq concurrent="1" prevAc="none" nextAc="seek">
-              <p:cTn id="2" nodeType="mainSeq" dur="indefinite" fill="hold">
-                <p:childTnLst>
-                  <p:par>
-                    <p:cTn id="3" fill="hold">
-                      <p:stCondLst>
-                        <p:cond delay="indefinite"/>
-                      </p:stCondLst>
-                      <p:childTnLst>
-                        <p:par>
-                          <p:cTn id="4" fill="hold">
-                            <p:stCondLst>
-                              <p:cond delay="0"/>
-                            </p:stCondLst>
-                            <p:childTnLst>
-                              <p:par>
-                                <p:cTn id="5" presetClass="entr" nodeType="clickEffect" presetSubtype="0" presetID="1" grpId="1" fill="hold">
-                                  <p:stCondLst>
-                                    <p:cond delay="0"/>
-                                  </p:stCondLst>
-                                  <p:iterate type="el" backwards="0">
-                                    <p:tmAbs val="0"/>
-                                  </p:iterate>
-                                  <p:childTnLst>
-                                    <p:set>
-                                      <p:cBhvr>
-                                        <p:cTn id="6" fill="hold"/>
-                                        <p:tgtEl>
-                                          <p:spTgt spid="941"/>
-                                        </p:tgtEl>
-                                        <p:attrNameLst>
-                                          <p:attrName>style.visibility</p:attrName>
-                                        </p:attrNameLst>
-                                      </p:cBhvr>
-                                      <p:to>
-                                        <p:strVal val="visible"/>
-                                      </p:to>
-                                    </p:set>
-                                  </p:childTnLst>
-                                </p:cTn>
-                              </p:par>
-                            </p:childTnLst>
-                          </p:cTn>
-                        </p:par>
-                      </p:childTnLst>
-                    </p:cTn>
-                  </p:par>
-                </p:childTnLst>
-              </p:cTn>
-              <p:prevCondLst>
-                <p:cond evt="onPrev">
-                  <p:tgtEl>
-                    <p:sldTgt/>
-                  </p:tgtEl>
-                </p:cond>
-              </p:prevCondLst>
-              <p:nextCondLst>
-                <p:cond evt="onNext">
-                  <p:tgtEl>
-                    <p:sldTgt/>
-                  </p:tgtEl>
-                </p:cond>
-              </p:nextCondLst>
-            </p:seq>
-          </p:childTnLst>
-        </p:cTn>
-      </p:par>
-    </p:tnLst>
-    <p:bldLst>
-      <p:bldP build="whole" bldLvl="1" animBg="1" rev="0" advAuto="0" spid="941" grpId="1"/>
-    </p:bldLst>
-  </p:timing>
-</p:sld>
-</file>
-
 <file path=ppt/slides/slide27.xml><?xml version="1.0" encoding="utf-8"?>
 <p:sld xmlns:a="http://schemas.openxmlformats.org/drawingml/2006/main" xmlns:r="http://schemas.openxmlformats.org/officeDocument/2006/relationships" xmlns:p="http://schemas.openxmlformats.org/presentationml/2006/main" xmlns:m="http://schemas.openxmlformats.org/officeDocument/2006/math" xmlns:a14="http://schemas.microsoft.com/office/drawing/2010/main" showMasterSp="1" showMasterPhAnim="1">
   <p:cSld>
@@ -30956,23 +31517,23 @@
       </p:par>
     </p:tnLst>
     <p:bldLst>
+      <p:bldP build="whole" bldLvl="1" animBg="1" rev="0" advAuto="0" spid="970" grpId="8"/>
+      <p:bldP build="whole" bldLvl="1" animBg="1" rev="0" advAuto="0" spid="972" grpId="10"/>
+      <p:bldP build="whole" bldLvl="1" animBg="1" rev="0" advAuto="0" spid="975" grpId="13"/>
+      <p:bldP build="whole" bldLvl="1" animBg="1" rev="0" advAuto="0" spid="973" grpId="11"/>
+      <p:bldP build="whole" bldLvl="1" animBg="1" rev="0" advAuto="0" spid="977" grpId="15"/>
+      <p:bldP build="whole" bldLvl="1" animBg="1" rev="0" advAuto="0" spid="964" grpId="2"/>
+      <p:bldP build="whole" bldLvl="1" animBg="1" rev="0" advAuto="0" spid="966" grpId="4"/>
+      <p:bldP build="whole" bldLvl="1" animBg="1" rev="0" advAuto="0" spid="968" grpId="6"/>
+      <p:bldP build="whole" bldLvl="1" animBg="1" rev="0" advAuto="0" spid="971" grpId="9"/>
       <p:bldP build="whole" bldLvl="1" animBg="1" rev="0" advAuto="0" spid="969" grpId="7"/>
+      <p:bldP build="whole" bldLvl="1" animBg="1" rev="0" advAuto="0" spid="974" grpId="12"/>
       <p:bldP build="whole" bldLvl="1" animBg="1" rev="0" advAuto="0" spid="976" grpId="14"/>
-      <p:bldP build="whole" bldLvl="1" animBg="1" rev="0" advAuto="0" spid="977" grpId="15"/>
+      <p:bldP build="whole" bldLvl="1" animBg="1" rev="0" advAuto="0" spid="978" grpId="16"/>
       <p:bldP build="whole" bldLvl="1" animBg="1" rev="0" advAuto="0" spid="980" grpId="17"/>
       <p:bldP build="whole" bldLvl="1" animBg="1" rev="0" advAuto="0" spid="963" grpId="1"/>
-      <p:bldP build="whole" bldLvl="1" animBg="1" rev="0" advAuto="0" spid="978" grpId="16"/>
-      <p:bldP build="whole" bldLvl="1" animBg="1" rev="0" advAuto="0" spid="974" grpId="12"/>
-      <p:bldP build="whole" bldLvl="1" animBg="1" rev="0" advAuto="0" spid="973" grpId="11"/>
+      <p:bldP build="whole" bldLvl="1" animBg="1" rev="0" advAuto="0" spid="965" grpId="3"/>
       <p:bldP build="whole" bldLvl="1" animBg="1" rev="0" advAuto="0" spid="967" grpId="5"/>
-      <p:bldP build="whole" bldLvl="1" animBg="1" rev="0" advAuto="0" spid="966" grpId="4"/>
-      <p:bldP build="whole" bldLvl="1" animBg="1" rev="0" advAuto="0" spid="968" grpId="6"/>
-      <p:bldP build="whole" bldLvl="1" animBg="1" rev="0" advAuto="0" spid="972" grpId="10"/>
-      <p:bldP build="whole" bldLvl="1" animBg="1" rev="0" advAuto="0" spid="970" grpId="8"/>
-      <p:bldP build="whole" bldLvl="1" animBg="1" rev="0" advAuto="0" spid="975" grpId="13"/>
-      <p:bldP build="whole" bldLvl="1" animBg="1" rev="0" advAuto="0" spid="965" grpId="3"/>
-      <p:bldP build="whole" bldLvl="1" animBg="1" rev="0" advAuto="0" spid="964" grpId="2"/>
-      <p:bldP build="whole" bldLvl="1" animBg="1" rev="0" advAuto="0" spid="971" grpId="9"/>
     </p:bldLst>
   </p:timing>
 </p:sld>
@@ -31962,11 +32523,11 @@
       </p:par>
     </p:tnLst>
     <p:bldLst>
+      <p:bldP build="whole" bldLvl="1" animBg="1" rev="0" advAuto="0" spid="680" grpId="5"/>
+      <p:bldP build="whole" bldLvl="1" animBg="1" rev="0" advAuto="0" spid="663" grpId="1"/>
+      <p:bldP build="whole" bldLvl="1" animBg="1" rev="0" advAuto="0" spid="662" grpId="2"/>
+      <p:bldP build="whole" bldLvl="1" animBg="1" rev="0" advAuto="0" spid="666" grpId="4"/>
       <p:bldP build="whole" bldLvl="1" animBg="1" rev="0" advAuto="0" spid="667" grpId="3"/>
-      <p:bldP build="whole" bldLvl="1" animBg="1" rev="0" advAuto="0" spid="666" grpId="4"/>
-      <p:bldP build="whole" bldLvl="1" animBg="1" rev="0" advAuto="0" spid="680" grpId="5"/>
-      <p:bldP build="whole" bldLvl="1" animBg="1" rev="0" advAuto="0" spid="662" grpId="2"/>
-      <p:bldP build="whole" bldLvl="1" animBg="1" rev="0" advAuto="0" spid="663" grpId="1"/>
     </p:bldLst>
   </p:timing>
 </p:sld>
@@ -36204,19 +36765,19 @@
       </p:par>
     </p:tnLst>
     <p:bldLst>
+      <p:bldP build="whole" bldLvl="1" animBg="1" rev="0" advAuto="0" spid="1010" grpId="4"/>
+      <p:bldP build="whole" bldLvl="1" animBg="1" rev="0" advAuto="0" spid="1042" grpId="7"/>
+      <p:bldP build="whole" bldLvl="1" animBg="1" rev="0" advAuto="0" spid="1042" grpId="6"/>
       <p:bldP build="whole" bldLvl="1" animBg="1" rev="0" advAuto="0" spid="1015" grpId="12"/>
-      <p:bldP build="whole" bldLvl="1" animBg="1" rev="0" advAuto="0" spid="1042" grpId="6"/>
-      <p:bldP build="whole" bldLvl="1" animBg="1" rev="0" advAuto="0" spid="1042" grpId="7"/>
-      <p:bldP build="whole" bldLvl="1" animBg="1" rev="0" advAuto="0" spid="1008" grpId="2"/>
+      <p:bldP build="whole" bldLvl="1" animBg="1" rev="0" advAuto="0" spid="1007" grpId="1"/>
       <p:bldP build="whole" bldLvl="1" animBg="1" rev="0" advAuto="0" spid="1017" grpId="9"/>
       <p:bldP build="whole" bldLvl="1" animBg="1" rev="0" advAuto="0" spid="1013" grpId="11"/>
+      <p:bldP build="whole" bldLvl="1" animBg="1" rev="0" advAuto="0" spid="1011" grpId="3"/>
+      <p:bldP build="whole" bldLvl="1" animBg="1" rev="0" advAuto="0" spid="1008" grpId="2"/>
+      <p:bldP build="whole" bldLvl="1" animBg="1" rev="0" advAuto="0" spid="1016" grpId="10"/>
       <p:bldP build="whole" bldLvl="1" animBg="1" rev="0" advAuto="0" spid="1009" grpId="5"/>
-      <p:bldP build="whole" bldLvl="1" animBg="1" rev="0" advAuto="0" spid="1010" grpId="4"/>
       <p:bldP build="whole" bldLvl="1" animBg="1" rev="0" advAuto="0" spid="1012" grpId="8"/>
-      <p:bldP build="whole" bldLvl="1" animBg="1" rev="0" advAuto="0" spid="1011" grpId="3"/>
       <p:bldP build="whole" bldLvl="1" animBg="1" rev="0" advAuto="0" spid="1014" grpId="13"/>
-      <p:bldP build="whole" bldLvl="1" animBg="1" rev="0" advAuto="0" spid="1007" grpId="1"/>
-      <p:bldP build="whole" bldLvl="1" animBg="1" rev="0" advAuto="0" spid="1016" grpId="10"/>
     </p:bldLst>
   </p:timing>
 </p:sld>
